--- a/Thesis-Zoghi.pptx
+++ b/Thesis-Zoghi.pptx
@@ -461,6 +461,95 @@
     </a:lvl9pPr>
   </p:notesStyle>
 </p:notesMaster>
+</file>
+
+<file path=ppt/notesSlides/notesSlide1.xml><?xml version="1.0" encoding="utf-8"?>
+<p:notes xmlns:a="http://schemas.openxmlformats.org/drawingml/2006/main" xmlns:r="http://schemas.openxmlformats.org/officeDocument/2006/relationships" xmlns:p="http://schemas.openxmlformats.org/presentationml/2006/main">
+  <p:cSld>
+    <p:spTree>
+      <p:nvGrpSpPr>
+        <p:cNvPr id="1" name=""/>
+        <p:cNvGrpSpPr/>
+        <p:nvPr/>
+      </p:nvGrpSpPr>
+      <p:grpSpPr>
+        <a:xfrm>
+          <a:off x="0" y="0"/>
+          <a:ext cx="0" cy="0"/>
+          <a:chOff x="0" y="0"/>
+          <a:chExt cx="0" cy="0"/>
+        </a:xfrm>
+      </p:grpSpPr>
+      <p:sp>
+        <p:nvSpPr>
+          <p:cNvPr id="2" name="Slide Image Placeholder 1"/>
+          <p:cNvSpPr>
+            <a:spLocks noGrp="1" noRot="1" noChangeAspect="1"/>
+          </p:cNvSpPr>
+          <p:nvPr>
+            <p:ph type="sldImg"/>
+          </p:nvPr>
+        </p:nvSpPr>
+        <p:spPr/>
+      </p:sp>
+      <p:sp>
+        <p:nvSpPr>
+          <p:cNvPr id="3" name="Notes Placeholder 2"/>
+          <p:cNvSpPr>
+            <a:spLocks noGrp="1"/>
+          </p:cNvSpPr>
+          <p:nvPr>
+            <p:ph type="body" idx="1"/>
+          </p:nvPr>
+        </p:nvSpPr>
+        <p:spPr/>
+        <p:txBody>
+          <a:bodyPr/>
+          <a:lstStyle/>
+          <a:p>
+            <a:pPr algn="r" rtl="1"/>
+            <a:r>
+              <a:rPr lang="fa-IR" smtClean="0"/>
+              <a:t>انشعاب و الحاق هم می گویند.</a:t>
+            </a:r>
+            <a:endParaRPr lang="en-US"/>
+          </a:p>
+        </p:txBody>
+      </p:sp>
+      <p:sp>
+        <p:nvSpPr>
+          <p:cNvPr id="4" name="Slide Number Placeholder 3"/>
+          <p:cNvSpPr>
+            <a:spLocks noGrp="1"/>
+          </p:cNvSpPr>
+          <p:nvPr>
+            <p:ph type="sldNum" sz="quarter" idx="10"/>
+          </p:nvPr>
+        </p:nvSpPr>
+        <p:spPr/>
+        <p:txBody>
+          <a:bodyPr/>
+          <a:lstStyle/>
+          <a:p>
+            <a:fld id="{71C3505F-4D36-4457-A284-FC5A0E4C256A}" type="slidenum">
+              <a:rPr lang="en-US" smtClean="0"/>
+              <a:t>4</a:t>
+            </a:fld>
+            <a:endParaRPr lang="en-US"/>
+          </a:p>
+        </p:txBody>
+      </p:sp>
+    </p:spTree>
+    <p:extLst>
+      <p:ext uri="{BB962C8B-B14F-4D97-AF65-F5344CB8AC3E}">
+        <p14:creationId xmlns:p14="http://schemas.microsoft.com/office/powerpoint/2010/main" val="3514283514"/>
+      </p:ext>
+    </p:extLst>
+  </p:cSld>
+  <p:clrMapOvr>
+    <a:masterClrMapping/>
+  </p:clrMapOvr>
+</p:notes>
 </file>
 
 <file path=ppt/slideLayouts/slideLayout1.xml><?xml version="1.0" encoding="utf-8"?>
@@ -4061,7 +4150,7 @@
           </p:nvPr>
         </p:nvPicPr>
         <p:blipFill>
-          <a:blip r:embed="rId2">
+          <a:blip r:embed="rId3">
             <a:extLst>
               <a:ext uri="{28A0092B-C50C-407E-A947-70E740481C1C}">
                 <a14:useLocalDpi xmlns:a14="http://schemas.microsoft.com/office/drawing/2010/main" val="0"/>
@@ -4111,11 +4200,11 @@
           <p:nvPr/>
         </p:nvPicPr>
         <p:blipFill>
-          <a:blip r:embed="rId3">
+          <a:blip r:embed="rId4">
             <a:extLst>
               <a:ext uri="{BEBA8EAE-BF5A-486C-A8C5-ECC9F3942E4B}">
                 <a14:imgProps xmlns:a14="http://schemas.microsoft.com/office/drawing/2010/main">
-                  <a14:imgLayer r:embed="rId4">
+                  <a14:imgLayer r:embed="rId5">
                     <a14:imgEffect>
                       <a14:brightnessContrast bright="20000"/>
                     </a14:imgEffect>

--- a/Thesis-Zoghi.pptx
+++ b/Thesis-Zoghi.pptx
@@ -5,13 +5,20 @@
     <p:sldMasterId id="2147483672" r:id="rId1"/>
   </p:sldMasterIdLst>
   <p:notesMasterIdLst>
-    <p:notesMasterId r:id="rId6"/>
+    <p:notesMasterId r:id="rId13"/>
   </p:notesMasterIdLst>
   <p:sldIdLst>
     <p:sldId id="256" r:id="rId2"/>
     <p:sldId id="257" r:id="rId3"/>
     <p:sldId id="258" r:id="rId4"/>
     <p:sldId id="259" r:id="rId5"/>
+    <p:sldId id="260" r:id="rId6"/>
+    <p:sldId id="261" r:id="rId7"/>
+    <p:sldId id="262" r:id="rId8"/>
+    <p:sldId id="263" r:id="rId9"/>
+    <p:sldId id="264" r:id="rId10"/>
+    <p:sldId id="265" r:id="rId11"/>
+    <p:sldId id="266" r:id="rId12"/>
   </p:sldIdLst>
   <p:sldSz cx="9144000" cy="6858000" type="screen4x3"/>
   <p:notesSz cx="6858000" cy="9144000"/>
@@ -195,7 +202,7 @@
           <a:p>
             <a:fld id="{48D6D729-1E31-4BAC-896D-12C8B5562C35}" type="datetimeFigureOut">
               <a:rPr lang="en-US" smtClean="0"/>
-              <a:t>9/15/2012</a:t>
+              <a:t>9/17/2012</a:t>
             </a:fld>
             <a:endParaRPr lang="en-US"/>
           </a:p>
@@ -507,6 +514,179 @@
           <a:bodyPr/>
           <a:lstStyle/>
           <a:p>
+            <a:endParaRPr lang="en-US"/>
+          </a:p>
+        </p:txBody>
+      </p:sp>
+      <p:sp>
+        <p:nvSpPr>
+          <p:cNvPr id="4" name="Slide Number Placeholder 3"/>
+          <p:cNvSpPr>
+            <a:spLocks noGrp="1"/>
+          </p:cNvSpPr>
+          <p:nvPr>
+            <p:ph type="sldNum" sz="quarter" idx="10"/>
+          </p:nvPr>
+        </p:nvSpPr>
+        <p:spPr/>
+        <p:txBody>
+          <a:bodyPr/>
+          <a:lstStyle/>
+          <a:p>
+            <a:fld id="{71C3505F-4D36-4457-A284-FC5A0E4C256A}" type="slidenum">
+              <a:rPr lang="en-US" smtClean="0"/>
+              <a:t>1</a:t>
+            </a:fld>
+            <a:endParaRPr lang="en-US"/>
+          </a:p>
+        </p:txBody>
+      </p:sp>
+    </p:spTree>
+    <p:extLst>
+      <p:ext uri="{BB962C8B-B14F-4D97-AF65-F5344CB8AC3E}">
+        <p14:creationId xmlns:p14="http://schemas.microsoft.com/office/powerpoint/2010/main" val="2243093506"/>
+      </p:ext>
+    </p:extLst>
+  </p:cSld>
+  <p:clrMapOvr>
+    <a:masterClrMapping/>
+  </p:clrMapOvr>
+</p:notes>
+</file>
+
+<file path=ppt/notesSlides/notesSlide2.xml><?xml version="1.0" encoding="utf-8"?>
+<p:notes xmlns:a="http://schemas.openxmlformats.org/drawingml/2006/main" xmlns:r="http://schemas.openxmlformats.org/officeDocument/2006/relationships" xmlns:p="http://schemas.openxmlformats.org/presentationml/2006/main">
+  <p:cSld>
+    <p:spTree>
+      <p:nvGrpSpPr>
+        <p:cNvPr id="1" name=""/>
+        <p:cNvGrpSpPr/>
+        <p:nvPr/>
+      </p:nvGrpSpPr>
+      <p:grpSpPr>
+        <a:xfrm>
+          <a:off x="0" y="0"/>
+          <a:ext cx="0" cy="0"/>
+          <a:chOff x="0" y="0"/>
+          <a:chExt cx="0" cy="0"/>
+        </a:xfrm>
+      </p:grpSpPr>
+      <p:sp>
+        <p:nvSpPr>
+          <p:cNvPr id="2" name="Slide Image Placeholder 1"/>
+          <p:cNvSpPr>
+            <a:spLocks noGrp="1" noRot="1" noChangeAspect="1"/>
+          </p:cNvSpPr>
+          <p:nvPr>
+            <p:ph type="sldImg"/>
+          </p:nvPr>
+        </p:nvSpPr>
+        <p:spPr/>
+      </p:sp>
+      <p:sp>
+        <p:nvSpPr>
+          <p:cNvPr id="3" name="Notes Placeholder 2"/>
+          <p:cNvSpPr>
+            <a:spLocks noGrp="1"/>
+          </p:cNvSpPr>
+          <p:nvPr>
+            <p:ph type="body" idx="1"/>
+          </p:nvPr>
+        </p:nvSpPr>
+        <p:spPr/>
+        <p:txBody>
+          <a:bodyPr/>
+          <a:lstStyle/>
+          <a:p>
+            <a:pPr algn="r" rtl="1"/>
+            <a:r>
+              <a:rPr lang="fa-IR" smtClean="0"/>
+              <a:t>نوت اول برای مدل اکتور</a:t>
+            </a:r>
+            <a:endParaRPr lang="en-US"/>
+          </a:p>
+        </p:txBody>
+      </p:sp>
+      <p:sp>
+        <p:nvSpPr>
+          <p:cNvPr id="4" name="Slide Number Placeholder 3"/>
+          <p:cNvSpPr>
+            <a:spLocks noGrp="1"/>
+          </p:cNvSpPr>
+          <p:nvPr>
+            <p:ph type="sldNum" sz="quarter" idx="10"/>
+          </p:nvPr>
+        </p:nvSpPr>
+        <p:spPr/>
+        <p:txBody>
+          <a:bodyPr/>
+          <a:lstStyle/>
+          <a:p>
+            <a:fld id="{71C3505F-4D36-4457-A284-FC5A0E4C256A}" type="slidenum">
+              <a:rPr lang="en-US" smtClean="0"/>
+              <a:t>2</a:t>
+            </a:fld>
+            <a:endParaRPr lang="en-US"/>
+          </a:p>
+        </p:txBody>
+      </p:sp>
+    </p:spTree>
+    <p:extLst>
+      <p:ext uri="{BB962C8B-B14F-4D97-AF65-F5344CB8AC3E}">
+        <p14:creationId xmlns:p14="http://schemas.microsoft.com/office/powerpoint/2010/main" val="2438819595"/>
+      </p:ext>
+    </p:extLst>
+  </p:cSld>
+  <p:clrMapOvr>
+    <a:masterClrMapping/>
+  </p:clrMapOvr>
+</p:notes>
+</file>
+
+<file path=ppt/notesSlides/notesSlide3.xml><?xml version="1.0" encoding="utf-8"?>
+<p:notes xmlns:a="http://schemas.openxmlformats.org/drawingml/2006/main" xmlns:r="http://schemas.openxmlformats.org/officeDocument/2006/relationships" xmlns:p="http://schemas.openxmlformats.org/presentationml/2006/main">
+  <p:cSld>
+    <p:spTree>
+      <p:nvGrpSpPr>
+        <p:cNvPr id="1" name=""/>
+        <p:cNvGrpSpPr/>
+        <p:nvPr/>
+      </p:nvGrpSpPr>
+      <p:grpSpPr>
+        <a:xfrm>
+          <a:off x="0" y="0"/>
+          <a:ext cx="0" cy="0"/>
+          <a:chOff x="0" y="0"/>
+          <a:chExt cx="0" cy="0"/>
+        </a:xfrm>
+      </p:grpSpPr>
+      <p:sp>
+        <p:nvSpPr>
+          <p:cNvPr id="2" name="Slide Image Placeholder 1"/>
+          <p:cNvSpPr>
+            <a:spLocks noGrp="1" noRot="1" noChangeAspect="1"/>
+          </p:cNvSpPr>
+          <p:nvPr>
+            <p:ph type="sldImg"/>
+          </p:nvPr>
+        </p:nvSpPr>
+        <p:spPr/>
+      </p:sp>
+      <p:sp>
+        <p:nvSpPr>
+          <p:cNvPr id="3" name="Notes Placeholder 2"/>
+          <p:cNvSpPr>
+            <a:spLocks noGrp="1"/>
+          </p:cNvSpPr>
+          <p:nvPr>
+            <p:ph type="body" idx="1"/>
+          </p:nvPr>
+        </p:nvSpPr>
+        <p:spPr/>
+        <p:txBody>
+          <a:bodyPr/>
+          <a:lstStyle/>
+          <a:p>
             <a:pPr algn="r" rtl="1"/>
             <a:r>
               <a:rPr lang="fa-IR" smtClean="0"/>
@@ -534,6 +714,95 @@
             <a:fld id="{71C3505F-4D36-4457-A284-FC5A0E4C256A}" type="slidenum">
               <a:rPr lang="en-US" smtClean="0"/>
               <a:t>4</a:t>
+            </a:fld>
+            <a:endParaRPr lang="en-US"/>
+          </a:p>
+        </p:txBody>
+      </p:sp>
+    </p:spTree>
+    <p:extLst>
+      <p:ext uri="{BB962C8B-B14F-4D97-AF65-F5344CB8AC3E}">
+        <p14:creationId xmlns:p14="http://schemas.microsoft.com/office/powerpoint/2010/main" val="3514283514"/>
+      </p:ext>
+    </p:extLst>
+  </p:cSld>
+  <p:clrMapOvr>
+    <a:masterClrMapping/>
+  </p:clrMapOvr>
+</p:notes>
+</file>
+
+<file path=ppt/notesSlides/notesSlide4.xml><?xml version="1.0" encoding="utf-8"?>
+<p:notes xmlns:a="http://schemas.openxmlformats.org/drawingml/2006/main" xmlns:r="http://schemas.openxmlformats.org/officeDocument/2006/relationships" xmlns:p="http://schemas.openxmlformats.org/presentationml/2006/main">
+  <p:cSld>
+    <p:spTree>
+      <p:nvGrpSpPr>
+        <p:cNvPr id="1" name=""/>
+        <p:cNvGrpSpPr/>
+        <p:nvPr/>
+      </p:nvGrpSpPr>
+      <p:grpSpPr>
+        <a:xfrm>
+          <a:off x="0" y="0"/>
+          <a:ext cx="0" cy="0"/>
+          <a:chOff x="0" y="0"/>
+          <a:chExt cx="0" cy="0"/>
+        </a:xfrm>
+      </p:grpSpPr>
+      <p:sp>
+        <p:nvSpPr>
+          <p:cNvPr id="2" name="Slide Image Placeholder 1"/>
+          <p:cNvSpPr>
+            <a:spLocks noGrp="1" noRot="1" noChangeAspect="1"/>
+          </p:cNvSpPr>
+          <p:nvPr>
+            <p:ph type="sldImg"/>
+          </p:nvPr>
+        </p:nvSpPr>
+        <p:spPr/>
+      </p:sp>
+      <p:sp>
+        <p:nvSpPr>
+          <p:cNvPr id="3" name="Notes Placeholder 2"/>
+          <p:cNvSpPr>
+            <a:spLocks noGrp="1"/>
+          </p:cNvSpPr>
+          <p:nvPr>
+            <p:ph type="body" idx="1"/>
+          </p:nvPr>
+        </p:nvSpPr>
+        <p:spPr/>
+        <p:txBody>
+          <a:bodyPr/>
+          <a:lstStyle/>
+          <a:p>
+            <a:pPr algn="r" rtl="1"/>
+            <a:r>
+              <a:rPr lang="fa-IR" smtClean="0"/>
+              <a:t>انشعاب و الحاق هم می گویند.</a:t>
+            </a:r>
+            <a:endParaRPr lang="en-US"/>
+          </a:p>
+        </p:txBody>
+      </p:sp>
+      <p:sp>
+        <p:nvSpPr>
+          <p:cNvPr id="4" name="Slide Number Placeholder 3"/>
+          <p:cNvSpPr>
+            <a:spLocks noGrp="1"/>
+          </p:cNvSpPr>
+          <p:nvPr>
+            <p:ph type="sldNum" sz="quarter" idx="10"/>
+          </p:nvPr>
+        </p:nvSpPr>
+        <p:spPr/>
+        <p:txBody>
+          <a:bodyPr/>
+          <a:lstStyle/>
+          <a:p>
+            <a:fld id="{71C3505F-4D36-4457-A284-FC5A0E4C256A}" type="slidenum">
+              <a:rPr lang="en-US" smtClean="0"/>
+              <a:t>5</a:t>
             </a:fld>
             <a:endParaRPr lang="en-US"/>
           </a:p>
@@ -747,7 +1016,7 @@
           <a:p>
             <a:fld id="{5ED2411D-CD0F-4713-82DA-E0B286F1FC3C}" type="datetime1">
               <a:rPr lang="en-US" smtClean="0"/>
-              <a:t>9/15/2012</a:t>
+              <a:t>9/17/2012</a:t>
             </a:fld>
             <a:endParaRPr lang="en-US"/>
           </a:p>
@@ -912,7 +1181,7 @@
           <a:p>
             <a:fld id="{5B32F9AC-0EBC-43E4-B6F1-A816869CB5BA}" type="datetime1">
               <a:rPr lang="en-US" smtClean="0"/>
-              <a:t>9/15/2012</a:t>
+              <a:t>9/17/2012</a:t>
             </a:fld>
             <a:endParaRPr lang="en-US"/>
           </a:p>
@@ -1087,7 +1356,7 @@
           <a:p>
             <a:fld id="{B284D790-6610-4D3D-842D-5BC9349DF189}" type="datetime1">
               <a:rPr lang="en-US" smtClean="0"/>
-              <a:t>9/15/2012</a:t>
+              <a:t>9/17/2012</a:t>
             </a:fld>
             <a:endParaRPr lang="en-US"/>
           </a:p>
@@ -1282,7 +1551,7 @@
           <a:p>
             <a:fld id="{FB9384D5-7077-4C3B-B2F2-F1C02EA957A1}" type="datetime1">
               <a:rPr lang="en-US" smtClean="0"/>
-              <a:t>9/15/2012</a:t>
+              <a:t>9/17/2012</a:t>
             </a:fld>
             <a:endParaRPr lang="en-US"/>
           </a:p>
@@ -1523,7 +1792,7 @@
           <a:p>
             <a:fld id="{C7866170-6FDA-439A-BD57-3D90B14C66E7}" type="datetime1">
               <a:rPr lang="en-US" smtClean="0"/>
-              <a:t>9/15/2012</a:t>
+              <a:t>9/17/2012</a:t>
             </a:fld>
             <a:endParaRPr lang="en-US"/>
           </a:p>
@@ -1806,7 +2075,7 @@
           <a:p>
             <a:fld id="{812A76AE-D238-429B-A7D6-F0EC6812D5B2}" type="datetime1">
               <a:rPr lang="en-US" smtClean="0"/>
-              <a:t>9/15/2012</a:t>
+              <a:t>9/17/2012</a:t>
             </a:fld>
             <a:endParaRPr lang="en-US"/>
           </a:p>
@@ -2235,7 +2504,7 @@
           <a:p>
             <a:fld id="{74707985-1FA2-45FC-960F-AD0018EEB2D8}" type="datetime1">
               <a:rPr lang="en-US" smtClean="0"/>
-              <a:t>9/15/2012</a:t>
+              <a:t>9/17/2012</a:t>
             </a:fld>
             <a:endParaRPr lang="en-US"/>
           </a:p>
@@ -2348,7 +2617,7 @@
           <a:p>
             <a:fld id="{36291800-A190-4F24-BFEF-F5105B1045B3}" type="datetime1">
               <a:rPr lang="en-US" smtClean="0"/>
-              <a:t>9/15/2012</a:t>
+              <a:t>9/17/2012</a:t>
             </a:fld>
             <a:endParaRPr lang="en-US"/>
           </a:p>
@@ -2438,7 +2707,7 @@
           <a:p>
             <a:fld id="{C9B4FD5B-D00D-41B1-B080-CD196E821374}" type="datetime1">
               <a:rPr lang="en-US" smtClean="0"/>
-              <a:t>9/15/2012</a:t>
+              <a:t>9/17/2012</a:t>
             </a:fld>
             <a:endParaRPr lang="en-US"/>
           </a:p>
@@ -2627,7 +2896,7 @@
           <a:p>
             <a:fld id="{8CA6A7B7-C656-4DC2-AA2F-446B41A4C1EB}" type="datetime1">
               <a:rPr lang="en-US" smtClean="0"/>
-              <a:t>9/15/2012</a:t>
+              <a:t>9/17/2012</a:t>
             </a:fld>
             <a:endParaRPr lang="en-US"/>
           </a:p>
@@ -2945,7 +3214,7 @@
           <a:p>
             <a:fld id="{F0EE497A-BB5C-4FA8-8A69-169B23B71C76}" type="datetime1">
               <a:rPr lang="en-US" smtClean="0"/>
-              <a:t>9/15/2012</a:t>
+              <a:t>9/17/2012</a:t>
             </a:fld>
             <a:endParaRPr lang="en-US"/>
           </a:p>
@@ -3325,7 +3594,7 @@
           <a:p>
             <a:fld id="{C0B86799-BF22-41D5-8CC1-EE1AC41142E9}" type="datetime1">
               <a:rPr lang="en-US" smtClean="0"/>
-              <a:t>9/15/2012</a:t>
+              <a:t>9/17/2012</a:t>
             </a:fld>
             <a:endParaRPr lang="en-US"/>
           </a:p>
@@ -3755,6 +4024,243 @@
 </p:sld>
 </file>
 
+<file path=ppt/slides/slide10.xml><?xml version="1.0" encoding="utf-8"?>
+<p:sld xmlns:a="http://schemas.openxmlformats.org/drawingml/2006/main" xmlns:r="http://schemas.openxmlformats.org/officeDocument/2006/relationships" xmlns:p="http://schemas.openxmlformats.org/presentationml/2006/main">
+  <p:cSld>
+    <p:spTree>
+      <p:nvGrpSpPr>
+        <p:cNvPr id="1" name=""/>
+        <p:cNvGrpSpPr/>
+        <p:nvPr/>
+      </p:nvGrpSpPr>
+      <p:grpSpPr>
+        <a:xfrm>
+          <a:off x="0" y="0"/>
+          <a:ext cx="0" cy="0"/>
+          <a:chOff x="0" y="0"/>
+          <a:chExt cx="0" cy="0"/>
+        </a:xfrm>
+      </p:grpSpPr>
+      <p:sp>
+        <p:nvSpPr>
+          <p:cNvPr id="2" name="Title 1"/>
+          <p:cNvSpPr>
+            <a:spLocks noGrp="1"/>
+          </p:cNvSpPr>
+          <p:nvPr>
+            <p:ph type="title"/>
+          </p:nvPr>
+        </p:nvSpPr>
+        <p:spPr/>
+        <p:txBody>
+          <a:bodyPr/>
+          <a:lstStyle/>
+          <a:p>
+            <a:r>
+              <a:rPr lang="fa-IR" smtClean="0"/>
+              <a:t>طراحی مورد کاربرد محاسبه‌ی معدل</a:t>
+            </a:r>
+            <a:endParaRPr lang="en-US"/>
+          </a:p>
+        </p:txBody>
+      </p:sp>
+      <p:sp>
+        <p:nvSpPr>
+          <p:cNvPr id="3" name="Content Placeholder 2"/>
+          <p:cNvSpPr>
+            <a:spLocks noGrp="1"/>
+          </p:cNvSpPr>
+          <p:nvPr>
+            <p:ph idx="1"/>
+          </p:nvPr>
+        </p:nvSpPr>
+        <p:spPr/>
+        <p:txBody>
+          <a:bodyPr/>
+          <a:lstStyle/>
+          <a:p>
+            <a:endParaRPr lang="fa-IR"/>
+          </a:p>
+        </p:txBody>
+      </p:sp>
+    </p:spTree>
+    <p:extLst>
+      <p:ext uri="{BB962C8B-B14F-4D97-AF65-F5344CB8AC3E}">
+        <p14:creationId xmlns:p14="http://schemas.microsoft.com/office/powerpoint/2010/main" val="147047035"/>
+      </p:ext>
+    </p:extLst>
+  </p:cSld>
+  <p:clrMapOvr>
+    <a:masterClrMapping/>
+  </p:clrMapOvr>
+  <p:timing>
+    <p:tnLst>
+      <p:par>
+        <p:cTn id="1" dur="indefinite" restart="never" nodeType="tmRoot"/>
+      </p:par>
+    </p:tnLst>
+  </p:timing>
+</p:sld>
+</file>
+
+<file path=ppt/slides/slide11.xml><?xml version="1.0" encoding="utf-8"?>
+<p:sld xmlns:a="http://schemas.openxmlformats.org/drawingml/2006/main" xmlns:r="http://schemas.openxmlformats.org/officeDocument/2006/relationships" xmlns:p="http://schemas.openxmlformats.org/presentationml/2006/main">
+  <p:cSld>
+    <p:spTree>
+      <p:nvGrpSpPr>
+        <p:cNvPr id="1" name=""/>
+        <p:cNvGrpSpPr/>
+        <p:nvPr/>
+      </p:nvGrpSpPr>
+      <p:grpSpPr>
+        <a:xfrm>
+          <a:off x="0" y="0"/>
+          <a:ext cx="0" cy="0"/>
+          <a:chOff x="0" y="0"/>
+          <a:chExt cx="0" cy="0"/>
+        </a:xfrm>
+      </p:grpSpPr>
+      <p:sp>
+        <p:nvSpPr>
+          <p:cNvPr id="2" name="Title 1"/>
+          <p:cNvSpPr>
+            <a:spLocks noGrp="1"/>
+          </p:cNvSpPr>
+          <p:nvPr>
+            <p:ph type="title"/>
+          </p:nvPr>
+        </p:nvSpPr>
+        <p:spPr/>
+        <p:txBody>
+          <a:bodyPr/>
+          <a:lstStyle/>
+          <a:p>
+            <a:r>
+              <a:rPr lang="fa-IR" smtClean="0"/>
+              <a:t>طراحی مورد کاربرد محاسبه‌ی معدل</a:t>
+            </a:r>
+            <a:endParaRPr lang="en-US"/>
+          </a:p>
+        </p:txBody>
+      </p:sp>
+      <p:sp>
+        <p:nvSpPr>
+          <p:cNvPr id="3" name="Content Placeholder 2"/>
+          <p:cNvSpPr>
+            <a:spLocks noGrp="1"/>
+          </p:cNvSpPr>
+          <p:nvPr>
+            <p:ph idx="1"/>
+          </p:nvPr>
+        </p:nvSpPr>
+        <p:spPr/>
+        <p:txBody>
+          <a:bodyPr/>
+          <a:lstStyle/>
+          <a:p>
+            <a:pPr marL="114300" indent="0">
+              <a:buNone/>
+            </a:pPr>
+            <a:endParaRPr lang="fa-IR">
+              <a:solidFill>
+                <a:schemeClr val="bg1">
+                  <a:lumMod val="65000"/>
+                </a:schemeClr>
+              </a:solidFill>
+            </a:endParaRPr>
+          </a:p>
+        </p:txBody>
+      </p:sp>
+      <p:pic>
+        <p:nvPicPr>
+          <p:cNvPr id="6" name="Picture 5"/>
+          <p:cNvPicPr>
+            <a:picLocks noChangeAspect="1"/>
+          </p:cNvPicPr>
+          <p:nvPr/>
+        </p:nvPicPr>
+        <p:blipFill>
+          <a:blip r:embed="rId2">
+            <a:extLst>
+              <a:ext uri="{28A0092B-C50C-407E-A947-70E740481C1C}">
+                <a14:useLocalDpi xmlns:a14="http://schemas.microsoft.com/office/drawing/2010/main" val="0"/>
+              </a:ext>
+            </a:extLst>
+          </a:blip>
+          <a:stretch>
+            <a:fillRect/>
+          </a:stretch>
+        </p:blipFill>
+        <p:spPr>
+          <a:xfrm>
+            <a:off x="457737" y="1600200"/>
+            <a:ext cx="5955102" cy="2895600"/>
+          </a:xfrm>
+          <a:prstGeom prst="rect">
+            <a:avLst/>
+          </a:prstGeom>
+        </p:spPr>
+      </p:pic>
+      <p:sp>
+        <p:nvSpPr>
+          <p:cNvPr id="4" name="Right Arrow 3"/>
+          <p:cNvSpPr/>
+          <p:nvPr/>
+        </p:nvSpPr>
+        <p:spPr>
+          <a:xfrm>
+            <a:off x="533400" y="3226533"/>
+            <a:ext cx="1143000" cy="251460"/>
+          </a:xfrm>
+          <a:prstGeom prst="rightArrow">
+            <a:avLst/>
+          </a:prstGeom>
+        </p:spPr>
+        <p:style>
+          <a:lnRef idx="2">
+            <a:schemeClr val="accent1">
+              <a:shade val="50000"/>
+            </a:schemeClr>
+          </a:lnRef>
+          <a:fillRef idx="1">
+            <a:schemeClr val="accent1"/>
+          </a:fillRef>
+          <a:effectRef idx="0">
+            <a:schemeClr val="accent1"/>
+          </a:effectRef>
+          <a:fontRef idx="minor">
+            <a:schemeClr val="lt1"/>
+          </a:fontRef>
+        </p:style>
+        <p:txBody>
+          <a:bodyPr rtlCol="0" anchor="ctr"/>
+          <a:lstStyle/>
+          <a:p>
+            <a:pPr algn="ctr"/>
+            <a:endParaRPr lang="en-US"/>
+          </a:p>
+        </p:txBody>
+      </p:sp>
+    </p:spTree>
+    <p:extLst>
+      <p:ext uri="{BB962C8B-B14F-4D97-AF65-F5344CB8AC3E}">
+        <p14:creationId xmlns:p14="http://schemas.microsoft.com/office/powerpoint/2010/main" val="1766325194"/>
+      </p:ext>
+    </p:extLst>
+  </p:cSld>
+  <p:clrMapOvr>
+    <a:masterClrMapping/>
+  </p:clrMapOvr>
+  <p:timing>
+    <p:tnLst>
+      <p:par>
+        <p:cTn id="1" dur="indefinite" restart="never" nodeType="tmRoot"/>
+      </p:par>
+    </p:tnLst>
+  </p:timing>
+</p:sld>
+</file>
+
 <file path=ppt/slides/slide2.xml><?xml version="1.0" encoding="utf-8"?>
 <p:sld xmlns:a="http://schemas.openxmlformats.org/drawingml/2006/main" xmlns:r="http://schemas.openxmlformats.org/officeDocument/2006/relationships" xmlns:p="http://schemas.openxmlformats.org/presentationml/2006/main">
   <p:cSld>
@@ -3877,7 +4383,7 @@
           <p:nvPr/>
         </p:nvPicPr>
         <p:blipFill>
-          <a:blip r:embed="rId2">
+          <a:blip r:embed="rId3">
             <a:extLst>
               <a:ext uri="{28A0092B-C50C-407E-A947-70E740481C1C}">
                 <a14:useLocalDpi xmlns:a14="http://schemas.microsoft.com/office/drawing/2010/main" val="0"/>
@@ -3956,11 +4462,7 @@
             </a:r>
             <a:r>
               <a:rPr lang="fa-IR" smtClean="0"/>
-              <a:t>مدل </a:t>
-            </a:r>
-            <a:r>
-              <a:rPr lang="fa-IR" smtClean="0"/>
-              <a:t>اکتور</a:t>
+              <a:t>مدل اکتور</a:t>
             </a:r>
             <a:endParaRPr lang="en-US"/>
           </a:p>
@@ -4463,6 +4965,892 @@
   <p:clrMapOvr>
     <a:masterClrMapping/>
   </p:clrMapOvr>
+  <p:timing>
+    <p:tnLst>
+      <p:par>
+        <p:cTn id="1" dur="indefinite" restart="never" nodeType="tmRoot"/>
+      </p:par>
+    </p:tnLst>
+  </p:timing>
+</p:sld>
+</file>
+
+<file path=ppt/slides/slide5.xml><?xml version="1.0" encoding="utf-8"?>
+<p:sld xmlns:a="http://schemas.openxmlformats.org/drawingml/2006/main" xmlns:r="http://schemas.openxmlformats.org/officeDocument/2006/relationships" xmlns:p="http://schemas.openxmlformats.org/presentationml/2006/main">
+  <p:cSld>
+    <p:spTree>
+      <p:nvGrpSpPr>
+        <p:cNvPr id="1" name=""/>
+        <p:cNvGrpSpPr/>
+        <p:nvPr/>
+      </p:nvGrpSpPr>
+      <p:grpSpPr>
+        <a:xfrm>
+          <a:off x="0" y="0"/>
+          <a:ext cx="0" cy="0"/>
+          <a:chOff x="0" y="0"/>
+          <a:chExt cx="0" cy="0"/>
+        </a:xfrm>
+      </p:grpSpPr>
+      <p:pic>
+        <p:nvPicPr>
+          <p:cNvPr id="7" name="Picture 6"/>
+          <p:cNvPicPr>
+            <a:picLocks noChangeAspect="1"/>
+          </p:cNvPicPr>
+          <p:nvPr/>
+        </p:nvPicPr>
+        <p:blipFill>
+          <a:blip r:embed="rId3" cstate="print">
+            <a:extLst>
+              <a:ext uri="{28A0092B-C50C-407E-A947-70E740481C1C}">
+                <a14:useLocalDpi xmlns:a14="http://schemas.microsoft.com/office/drawing/2010/main" val="0"/>
+              </a:ext>
+            </a:extLst>
+          </a:blip>
+          <a:stretch>
+            <a:fillRect/>
+          </a:stretch>
+        </p:blipFill>
+        <p:spPr>
+          <a:xfrm>
+            <a:off x="1034202" y="1219200"/>
+            <a:ext cx="2111971" cy="2286000"/>
+          </a:xfrm>
+          <a:prstGeom prst="rect">
+            <a:avLst/>
+          </a:prstGeom>
+        </p:spPr>
+      </p:pic>
+      <p:sp>
+        <p:nvSpPr>
+          <p:cNvPr id="2" name="Title 1"/>
+          <p:cNvSpPr>
+            <a:spLocks noGrp="1"/>
+          </p:cNvSpPr>
+          <p:nvPr>
+            <p:ph type="title"/>
+          </p:nvPr>
+        </p:nvSpPr>
+        <p:spPr/>
+        <p:txBody>
+          <a:bodyPr/>
+          <a:lstStyle/>
+          <a:p>
+            <a:r>
+              <a:rPr lang="fa-IR" smtClean="0"/>
+              <a:t>همگام‌سازی و هماهنگی اکتورها</a:t>
+            </a:r>
+            <a:endParaRPr lang="en-US"/>
+          </a:p>
+        </p:txBody>
+      </p:sp>
+      <p:sp>
+        <p:nvSpPr>
+          <p:cNvPr id="4" name="Slide Number Placeholder 3"/>
+          <p:cNvSpPr>
+            <a:spLocks noGrp="1"/>
+          </p:cNvSpPr>
+          <p:nvPr>
+            <p:ph type="sldNum" sz="quarter" idx="12"/>
+          </p:nvPr>
+        </p:nvSpPr>
+        <p:spPr/>
+        <p:txBody>
+          <a:bodyPr/>
+          <a:lstStyle/>
+          <a:p>
+            <a:fld id="{7800738A-F715-4360-B8B2-93AC517FA922}" type="slidenum">
+              <a:rPr lang="fa-IR" noProof="0" smtClean="0"/>
+              <a:t>5</a:t>
+            </a:fld>
+            <a:endParaRPr lang="fa-IR" noProof="0"/>
+          </a:p>
+        </p:txBody>
+      </p:sp>
+      <p:sp>
+        <p:nvSpPr>
+          <p:cNvPr id="8" name="Content Placeholder 5"/>
+          <p:cNvSpPr txBox="1">
+            <a:spLocks/>
+          </p:cNvSpPr>
+          <p:nvPr/>
+        </p:nvSpPr>
+        <p:spPr>
+          <a:xfrm>
+            <a:off x="457200" y="1600200"/>
+            <a:ext cx="7620000" cy="4800600"/>
+          </a:xfrm>
+          <a:prstGeom prst="rect">
+            <a:avLst/>
+          </a:prstGeom>
+        </p:spPr>
+        <p:txBody>
+          <a:bodyPr vert="horz" lIns="91440" tIns="45720" rIns="91440" bIns="45720" rtlCol="0">
+            <a:normAutofit/>
+          </a:bodyPr>
+          <a:lstStyle>
+            <a:lvl1pPr marL="342900" indent="-228600" algn="r" defTabSz="914400" rtl="1" eaLnBrk="1" latinLnBrk="0" hangingPunct="1">
+              <a:spcBef>
+                <a:spcPct val="20000"/>
+              </a:spcBef>
+              <a:buClr>
+                <a:schemeClr val="accent1"/>
+              </a:buClr>
+              <a:buFont typeface="Arial" pitchFamily="34" charset="0"/>
+              <a:buChar char="•"/>
+              <a:defRPr sz="2200" kern="1200" baseline="0">
+                <a:solidFill>
+                  <a:schemeClr val="tx1"/>
+                </a:solidFill>
+                <a:latin typeface="+mn-lt"/>
+                <a:ea typeface="+mn-ea"/>
+                <a:cs typeface="B Nazanin" pitchFamily="2" charset="-78"/>
+              </a:defRPr>
+            </a:lvl1pPr>
+            <a:lvl2pPr marL="640080" indent="-228600" algn="r" defTabSz="914400" rtl="1" eaLnBrk="1" latinLnBrk="0" hangingPunct="1">
+              <a:spcBef>
+                <a:spcPct val="20000"/>
+              </a:spcBef>
+              <a:buClr>
+                <a:schemeClr val="accent2"/>
+              </a:buClr>
+              <a:buFont typeface="Arial" pitchFamily="34" charset="0"/>
+              <a:buChar char="•"/>
+              <a:defRPr sz="2000" kern="1200">
+                <a:solidFill>
+                  <a:schemeClr val="tx1"/>
+                </a:solidFill>
+                <a:latin typeface="+mn-lt"/>
+                <a:ea typeface="+mn-ea"/>
+                <a:cs typeface="B Nazanin" pitchFamily="2" charset="-78"/>
+              </a:defRPr>
+            </a:lvl2pPr>
+            <a:lvl3pPr marL="1005840" indent="-228600" algn="r" defTabSz="914400" rtl="1" eaLnBrk="1" latinLnBrk="0" hangingPunct="1">
+              <a:spcBef>
+                <a:spcPct val="20000"/>
+              </a:spcBef>
+              <a:buClr>
+                <a:schemeClr val="accent3"/>
+              </a:buClr>
+              <a:buFont typeface="Arial" pitchFamily="34" charset="0"/>
+              <a:buChar char="•"/>
+              <a:defRPr sz="1800" kern="1200">
+                <a:solidFill>
+                  <a:schemeClr val="tx1"/>
+                </a:solidFill>
+                <a:latin typeface="+mn-lt"/>
+                <a:ea typeface="+mn-ea"/>
+                <a:cs typeface="B Nazanin" pitchFamily="2" charset="-78"/>
+              </a:defRPr>
+            </a:lvl3pPr>
+            <a:lvl4pPr marL="1280160" indent="-228600" algn="r" defTabSz="914400" rtl="1" eaLnBrk="1" latinLnBrk="0" hangingPunct="1">
+              <a:spcBef>
+                <a:spcPct val="20000"/>
+              </a:spcBef>
+              <a:buClr>
+                <a:schemeClr val="accent4"/>
+              </a:buClr>
+              <a:buFont typeface="Arial" pitchFamily="34" charset="0"/>
+              <a:buChar char="•"/>
+              <a:defRPr sz="1600" kern="1200">
+                <a:solidFill>
+                  <a:schemeClr val="tx1"/>
+                </a:solidFill>
+                <a:latin typeface="+mn-lt"/>
+                <a:ea typeface="+mn-ea"/>
+                <a:cs typeface="B Nazanin" pitchFamily="2" charset="-78"/>
+              </a:defRPr>
+            </a:lvl4pPr>
+            <a:lvl5pPr marL="1554480" indent="-228600" algn="r" defTabSz="914400" rtl="1" eaLnBrk="1" latinLnBrk="0" hangingPunct="1">
+              <a:spcBef>
+                <a:spcPct val="20000"/>
+              </a:spcBef>
+              <a:buClr>
+                <a:schemeClr val="accent5"/>
+              </a:buClr>
+              <a:buFont typeface="Arial" pitchFamily="34" charset="0"/>
+              <a:buChar char="•"/>
+              <a:defRPr sz="1400" kern="1200" baseline="0">
+                <a:solidFill>
+                  <a:schemeClr val="tx1"/>
+                </a:solidFill>
+                <a:latin typeface="+mn-lt"/>
+                <a:ea typeface="+mn-ea"/>
+                <a:cs typeface="B Nazanin" pitchFamily="2" charset="-78"/>
+              </a:defRPr>
+            </a:lvl5pPr>
+            <a:lvl6pPr marL="1737360" indent="-182880" algn="l" defTabSz="914400" rtl="0" eaLnBrk="1" latinLnBrk="0" hangingPunct="1">
+              <a:spcBef>
+                <a:spcPct val="20000"/>
+              </a:spcBef>
+              <a:buClr>
+                <a:schemeClr val="accent1"/>
+              </a:buClr>
+              <a:buFont typeface="Arial" pitchFamily="34" charset="0"/>
+              <a:buChar char="•"/>
+              <a:defRPr sz="1400" kern="1200" baseline="0">
+                <a:solidFill>
+                  <a:schemeClr val="tx1"/>
+                </a:solidFill>
+                <a:latin typeface="+mn-lt"/>
+                <a:ea typeface="+mn-ea"/>
+                <a:cs typeface="+mn-cs"/>
+              </a:defRPr>
+            </a:lvl6pPr>
+            <a:lvl7pPr marL="1920240" indent="-182880" algn="l" defTabSz="914400" rtl="0" eaLnBrk="1" latinLnBrk="0" hangingPunct="1">
+              <a:spcBef>
+                <a:spcPct val="20000"/>
+              </a:spcBef>
+              <a:buClr>
+                <a:schemeClr val="accent2"/>
+              </a:buClr>
+              <a:buFont typeface="Arial" pitchFamily="34" charset="0"/>
+              <a:buChar char="•"/>
+              <a:defRPr sz="1400" kern="1200">
+                <a:solidFill>
+                  <a:schemeClr val="tx1"/>
+                </a:solidFill>
+                <a:latin typeface="+mn-lt"/>
+                <a:ea typeface="+mn-ea"/>
+                <a:cs typeface="+mn-cs"/>
+              </a:defRPr>
+            </a:lvl7pPr>
+            <a:lvl8pPr marL="2103120" indent="-182880" algn="l" defTabSz="914400" rtl="0" eaLnBrk="1" latinLnBrk="0" hangingPunct="1">
+              <a:spcBef>
+                <a:spcPct val="20000"/>
+              </a:spcBef>
+              <a:buClr>
+                <a:schemeClr val="accent3"/>
+              </a:buClr>
+              <a:buFont typeface="Arial" pitchFamily="34" charset="0"/>
+              <a:buChar char="•"/>
+              <a:defRPr sz="1400" kern="1200">
+                <a:solidFill>
+                  <a:schemeClr val="tx1"/>
+                </a:solidFill>
+                <a:latin typeface="+mn-lt"/>
+                <a:ea typeface="+mn-ea"/>
+                <a:cs typeface="+mn-cs"/>
+              </a:defRPr>
+            </a:lvl8pPr>
+            <a:lvl9pPr marL="2286000" indent="-182880" algn="l" defTabSz="914400" rtl="0" eaLnBrk="1" latinLnBrk="0" hangingPunct="1">
+              <a:spcBef>
+                <a:spcPct val="20000"/>
+              </a:spcBef>
+              <a:buClr>
+                <a:schemeClr val="accent4"/>
+              </a:buClr>
+              <a:buFont typeface="Arial" pitchFamily="34" charset="0"/>
+              <a:buChar char="•"/>
+              <a:defRPr sz="1400" kern="1200">
+                <a:solidFill>
+                  <a:schemeClr val="tx1"/>
+                </a:solidFill>
+                <a:latin typeface="+mn-lt"/>
+                <a:ea typeface="+mn-ea"/>
+                <a:cs typeface="+mn-cs"/>
+              </a:defRPr>
+            </a:lvl9pPr>
+          </a:lstStyle>
+          <a:p>
+            <a:r>
+              <a:rPr lang="fa-IR" sz="2400" smtClean="0"/>
+              <a:t>تبادل پیغام شبه آرپی‌سی</a:t>
+            </a:r>
+          </a:p>
+          <a:p>
+            <a:endParaRPr lang="fa-IR" smtClean="0"/>
+          </a:p>
+          <a:p>
+            <a:endParaRPr lang="fa-IR" smtClean="0"/>
+          </a:p>
+          <a:p>
+            <a:endParaRPr lang="fa-IR" smtClean="0"/>
+          </a:p>
+          <a:p>
+            <a:endParaRPr lang="fa-IR" smtClean="0"/>
+          </a:p>
+          <a:p>
+            <a:r>
+              <a:rPr lang="fa-IR" sz="2400"/>
+              <a:t>قیود همگام‌سازی محلی	 </a:t>
+            </a:r>
+            <a:endParaRPr lang="en-US" sz="2400"/>
+          </a:p>
+          <a:p>
+            <a:pPr marL="411480" lvl="1" indent="0">
+              <a:buFont typeface="Arial" pitchFamily="34" charset="0"/>
+              <a:buNone/>
+            </a:pPr>
+            <a:r>
+              <a:rPr lang="fa-IR" smtClean="0"/>
+              <a:t> </a:t>
+            </a:r>
+            <a:endParaRPr lang="en-US"/>
+          </a:p>
+        </p:txBody>
+      </p:sp>
+      <p:pic>
+        <p:nvPicPr>
+          <p:cNvPr id="9" name="Picture 8"/>
+          <p:cNvPicPr>
+            <a:picLocks noChangeAspect="1"/>
+          </p:cNvPicPr>
+          <p:nvPr/>
+        </p:nvPicPr>
+        <p:blipFill>
+          <a:blip r:embed="rId4" cstate="print">
+            <a:extLst>
+              <a:ext uri="{28A0092B-C50C-407E-A947-70E740481C1C}">
+                <a14:useLocalDpi xmlns:a14="http://schemas.microsoft.com/office/drawing/2010/main" val="0"/>
+              </a:ext>
+            </a:extLst>
+          </a:blip>
+          <a:stretch>
+            <a:fillRect/>
+          </a:stretch>
+        </p:blipFill>
+        <p:spPr>
+          <a:xfrm>
+            <a:off x="1086199" y="3733800"/>
+            <a:ext cx="2342801" cy="2667000"/>
+          </a:xfrm>
+          <a:prstGeom prst="rect">
+            <a:avLst/>
+          </a:prstGeom>
+        </p:spPr>
+      </p:pic>
+    </p:spTree>
+    <p:extLst>
+      <p:ext uri="{BB962C8B-B14F-4D97-AF65-F5344CB8AC3E}">
+        <p14:creationId xmlns:p14="http://schemas.microsoft.com/office/powerpoint/2010/main" val="1082492592"/>
+      </p:ext>
+    </p:extLst>
+  </p:cSld>
+  <p:clrMapOvr>
+    <a:masterClrMapping/>
+  </p:clrMapOvr>
+  <p:timing>
+    <p:tnLst>
+      <p:par>
+        <p:cTn id="1" dur="indefinite" restart="never" nodeType="tmRoot"/>
+      </p:par>
+    </p:tnLst>
+  </p:timing>
+</p:sld>
+</file>
+
+<file path=ppt/slides/slide6.xml><?xml version="1.0" encoding="utf-8"?>
+<p:sld xmlns:a="http://schemas.openxmlformats.org/drawingml/2006/main" xmlns:r="http://schemas.openxmlformats.org/officeDocument/2006/relationships" xmlns:p="http://schemas.openxmlformats.org/presentationml/2006/main">
+  <p:cSld>
+    <p:spTree>
+      <p:nvGrpSpPr>
+        <p:cNvPr id="1" name=""/>
+        <p:cNvGrpSpPr/>
+        <p:nvPr/>
+      </p:nvGrpSpPr>
+      <p:grpSpPr>
+        <a:xfrm>
+          <a:off x="0" y="0"/>
+          <a:ext cx="0" cy="0"/>
+          <a:chOff x="0" y="0"/>
+          <a:chExt cx="0" cy="0"/>
+        </a:xfrm>
+      </p:grpSpPr>
+      <p:sp>
+        <p:nvSpPr>
+          <p:cNvPr id="2" name="Title 1"/>
+          <p:cNvSpPr>
+            <a:spLocks noGrp="1"/>
+          </p:cNvSpPr>
+          <p:nvPr>
+            <p:ph type="title"/>
+          </p:nvPr>
+        </p:nvSpPr>
+        <p:spPr/>
+        <p:txBody>
+          <a:bodyPr/>
+          <a:lstStyle/>
+          <a:p>
+            <a:r>
+              <a:rPr lang="fa-IR" smtClean="0"/>
+              <a:t>سیستم آموزش ساده (موارد کاربرد)</a:t>
+            </a:r>
+            <a:endParaRPr lang="en-US"/>
+          </a:p>
+        </p:txBody>
+      </p:sp>
+      <p:sp>
+        <p:nvSpPr>
+          <p:cNvPr id="4" name="Slide Number Placeholder 3"/>
+          <p:cNvSpPr>
+            <a:spLocks noGrp="1"/>
+          </p:cNvSpPr>
+          <p:nvPr>
+            <p:ph type="sldNum" sz="quarter" idx="12"/>
+          </p:nvPr>
+        </p:nvSpPr>
+        <p:spPr/>
+        <p:txBody>
+          <a:bodyPr/>
+          <a:lstStyle/>
+          <a:p>
+            <a:fld id="{7800738A-F715-4360-B8B2-93AC517FA922}" type="slidenum">
+              <a:rPr lang="fa-IR" noProof="0" smtClean="0"/>
+              <a:t>6</a:t>
+            </a:fld>
+            <a:endParaRPr lang="fa-IR" noProof="0"/>
+          </a:p>
+        </p:txBody>
+      </p:sp>
+      <p:pic>
+        <p:nvPicPr>
+          <p:cNvPr id="9" name="Content Placeholder 8"/>
+          <p:cNvPicPr>
+            <a:picLocks noGrp="1" noChangeAspect="1"/>
+          </p:cNvPicPr>
+          <p:nvPr>
+            <p:ph idx="1"/>
+          </p:nvPr>
+        </p:nvPicPr>
+        <p:blipFill>
+          <a:blip r:embed="rId2">
+            <a:extLst>
+              <a:ext uri="{28A0092B-C50C-407E-A947-70E740481C1C}">
+                <a14:useLocalDpi xmlns:a14="http://schemas.microsoft.com/office/drawing/2010/main" val="0"/>
+              </a:ext>
+            </a:extLst>
+          </a:blip>
+          <a:stretch>
+            <a:fillRect/>
+          </a:stretch>
+        </p:blipFill>
+        <p:spPr>
+          <a:xfrm>
+            <a:off x="729647" y="1905000"/>
+            <a:ext cx="7118953" cy="2951229"/>
+          </a:xfrm>
+        </p:spPr>
+      </p:pic>
+    </p:spTree>
+    <p:extLst>
+      <p:ext uri="{BB962C8B-B14F-4D97-AF65-F5344CB8AC3E}">
+        <p14:creationId xmlns:p14="http://schemas.microsoft.com/office/powerpoint/2010/main" val="4050609834"/>
+      </p:ext>
+    </p:extLst>
+  </p:cSld>
+  <p:clrMapOvr>
+    <a:masterClrMapping/>
+  </p:clrMapOvr>
+  <p:timing>
+    <p:tnLst>
+      <p:par>
+        <p:cTn id="1" dur="indefinite" restart="never" nodeType="tmRoot"/>
+      </p:par>
+    </p:tnLst>
+  </p:timing>
+</p:sld>
+</file>
+
+<file path=ppt/slides/slide7.xml><?xml version="1.0" encoding="utf-8"?>
+<p:sld xmlns:a="http://schemas.openxmlformats.org/drawingml/2006/main" xmlns:r="http://schemas.openxmlformats.org/officeDocument/2006/relationships" xmlns:p="http://schemas.openxmlformats.org/presentationml/2006/main">
+  <p:cSld>
+    <p:spTree>
+      <p:nvGrpSpPr>
+        <p:cNvPr id="1" name=""/>
+        <p:cNvGrpSpPr/>
+        <p:nvPr/>
+      </p:nvGrpSpPr>
+      <p:grpSpPr>
+        <a:xfrm>
+          <a:off x="0" y="0"/>
+          <a:ext cx="0" cy="0"/>
+          <a:chOff x="0" y="0"/>
+          <a:chExt cx="0" cy="0"/>
+        </a:xfrm>
+      </p:grpSpPr>
+      <p:sp>
+        <p:nvSpPr>
+          <p:cNvPr id="2" name="Title 1"/>
+          <p:cNvSpPr>
+            <a:spLocks noGrp="1"/>
+          </p:cNvSpPr>
+          <p:nvPr>
+            <p:ph type="title"/>
+          </p:nvPr>
+        </p:nvSpPr>
+        <p:spPr/>
+        <p:txBody>
+          <a:bodyPr/>
+          <a:lstStyle/>
+          <a:p>
+            <a:r>
+              <a:rPr lang="fa-IR" smtClean="0"/>
+              <a:t>سیستم آموزش ساده (مدل دامنه)</a:t>
+            </a:r>
+            <a:endParaRPr lang="en-US"/>
+          </a:p>
+        </p:txBody>
+      </p:sp>
+      <p:sp>
+        <p:nvSpPr>
+          <p:cNvPr id="4" name="Slide Number Placeholder 3"/>
+          <p:cNvSpPr>
+            <a:spLocks noGrp="1"/>
+          </p:cNvSpPr>
+          <p:nvPr>
+            <p:ph type="sldNum" sz="quarter" idx="12"/>
+          </p:nvPr>
+        </p:nvSpPr>
+        <p:spPr/>
+        <p:txBody>
+          <a:bodyPr/>
+          <a:lstStyle/>
+          <a:p>
+            <a:fld id="{7800738A-F715-4360-B8B2-93AC517FA922}" type="slidenum">
+              <a:rPr lang="fa-IR" noProof="0" smtClean="0"/>
+              <a:t>7</a:t>
+            </a:fld>
+            <a:endParaRPr lang="fa-IR" noProof="0"/>
+          </a:p>
+        </p:txBody>
+      </p:sp>
+      <p:pic>
+        <p:nvPicPr>
+          <p:cNvPr id="5" name="Content Placeholder 4"/>
+          <p:cNvPicPr>
+            <a:picLocks noGrp="1" noChangeAspect="1"/>
+          </p:cNvPicPr>
+          <p:nvPr>
+            <p:ph idx="1"/>
+          </p:nvPr>
+        </p:nvPicPr>
+        <p:blipFill>
+          <a:blip r:embed="rId2" cstate="print">
+            <a:extLst>
+              <a:ext uri="{28A0092B-C50C-407E-A947-70E740481C1C}">
+                <a14:useLocalDpi xmlns:a14="http://schemas.microsoft.com/office/drawing/2010/main" val="0"/>
+              </a:ext>
+            </a:extLst>
+          </a:blip>
+          <a:stretch>
+            <a:fillRect/>
+          </a:stretch>
+        </p:blipFill>
+        <p:spPr>
+          <a:xfrm>
+            <a:off x="1866900" y="1600200"/>
+            <a:ext cx="4800600" cy="4800600"/>
+          </a:xfrm>
+        </p:spPr>
+      </p:pic>
+    </p:spTree>
+    <p:extLst>
+      <p:ext uri="{BB962C8B-B14F-4D97-AF65-F5344CB8AC3E}">
+        <p14:creationId xmlns:p14="http://schemas.microsoft.com/office/powerpoint/2010/main" val="1108896099"/>
+      </p:ext>
+    </p:extLst>
+  </p:cSld>
+  <p:clrMapOvr>
+    <a:masterClrMapping/>
+  </p:clrMapOvr>
+  <p:timing>
+    <p:tnLst>
+      <p:par>
+        <p:cTn id="1" dur="indefinite" restart="never" nodeType="tmRoot"/>
+      </p:par>
+    </p:tnLst>
+  </p:timing>
+</p:sld>
+</file>
+
+<file path=ppt/slides/slide8.xml><?xml version="1.0" encoding="utf-8"?>
+<p:sld xmlns:a="http://schemas.openxmlformats.org/drawingml/2006/main" xmlns:r="http://schemas.openxmlformats.org/officeDocument/2006/relationships" xmlns:p="http://schemas.openxmlformats.org/presentationml/2006/main">
+  <p:cSld>
+    <p:spTree>
+      <p:nvGrpSpPr>
+        <p:cNvPr id="1" name=""/>
+        <p:cNvGrpSpPr/>
+        <p:nvPr/>
+      </p:nvGrpSpPr>
+      <p:grpSpPr>
+        <a:xfrm>
+          <a:off x="0" y="0"/>
+          <a:ext cx="0" cy="0"/>
+          <a:chOff x="0" y="0"/>
+          <a:chExt cx="0" cy="0"/>
+        </a:xfrm>
+      </p:grpSpPr>
+      <p:sp>
+        <p:nvSpPr>
+          <p:cNvPr id="2" name="Title 1"/>
+          <p:cNvSpPr>
+            <a:spLocks noGrp="1"/>
+          </p:cNvSpPr>
+          <p:nvPr>
+            <p:ph type="title"/>
+          </p:nvPr>
+        </p:nvSpPr>
+        <p:spPr/>
+        <p:txBody>
+          <a:bodyPr/>
+          <a:lstStyle/>
+          <a:p>
+            <a:r>
+              <a:rPr lang="fa-IR" smtClean="0"/>
+              <a:t>اکتورهای مدل دامنه</a:t>
+            </a:r>
+            <a:endParaRPr lang="en-US"/>
+          </a:p>
+        </p:txBody>
+      </p:sp>
+      <p:sp>
+        <p:nvSpPr>
+          <p:cNvPr id="3" name="Content Placeholder 2"/>
+          <p:cNvSpPr>
+            <a:spLocks noGrp="1"/>
+          </p:cNvSpPr>
+          <p:nvPr>
+            <p:ph idx="1"/>
+          </p:nvPr>
+        </p:nvSpPr>
+        <p:spPr/>
+        <p:txBody>
+          <a:bodyPr/>
+          <a:lstStyle/>
+          <a:p>
+            <a:r>
+              <a:rPr lang="fa-IR" smtClean="0"/>
+              <a:t>دانشجو</a:t>
+            </a:r>
+          </a:p>
+          <a:p>
+            <a:r>
+              <a:rPr lang="fa-IR" smtClean="0"/>
+              <a:t>درس</a:t>
+            </a:r>
+          </a:p>
+          <a:p>
+            <a:r>
+              <a:rPr lang="fa-IR" smtClean="0"/>
+              <a:t>ترم</a:t>
+            </a:r>
+          </a:p>
+          <a:p>
+            <a:r>
+              <a:rPr lang="fa-IR" smtClean="0"/>
+              <a:t>ارائه</a:t>
+            </a:r>
+          </a:p>
+          <a:p>
+            <a:r>
+              <a:rPr lang="fa-IR" smtClean="0"/>
+              <a:t>سابقه</a:t>
+            </a:r>
+          </a:p>
+        </p:txBody>
+      </p:sp>
+      <p:sp>
+        <p:nvSpPr>
+          <p:cNvPr id="4" name="Slide Number Placeholder 3"/>
+          <p:cNvSpPr>
+            <a:spLocks noGrp="1"/>
+          </p:cNvSpPr>
+          <p:nvPr>
+            <p:ph type="sldNum" sz="quarter" idx="12"/>
+          </p:nvPr>
+        </p:nvSpPr>
+        <p:spPr/>
+        <p:txBody>
+          <a:bodyPr/>
+          <a:lstStyle/>
+          <a:p>
+            <a:fld id="{7800738A-F715-4360-B8B2-93AC517FA922}" type="slidenum">
+              <a:rPr lang="fa-IR" noProof="0" smtClean="0"/>
+              <a:t>8</a:t>
+            </a:fld>
+            <a:endParaRPr lang="fa-IR" noProof="0"/>
+          </a:p>
+        </p:txBody>
+      </p:sp>
+    </p:spTree>
+    <p:extLst>
+      <p:ext uri="{BB962C8B-B14F-4D97-AF65-F5344CB8AC3E}">
+        <p14:creationId xmlns:p14="http://schemas.microsoft.com/office/powerpoint/2010/main" val="1448193602"/>
+      </p:ext>
+    </p:extLst>
+  </p:cSld>
+  <p:clrMapOvr>
+    <a:masterClrMapping/>
+  </p:clrMapOvr>
+  <p:timing>
+    <p:tnLst>
+      <p:par>
+        <p:cTn id="1" dur="indefinite" restart="never" nodeType="tmRoot"/>
+      </p:par>
+    </p:tnLst>
+  </p:timing>
+</p:sld>
+</file>
+
+<file path=ppt/slides/slide9.xml><?xml version="1.0" encoding="utf-8"?>
+<p:sld xmlns:a="http://schemas.openxmlformats.org/drawingml/2006/main" xmlns:r="http://schemas.openxmlformats.org/officeDocument/2006/relationships" xmlns:p="http://schemas.openxmlformats.org/presentationml/2006/main">
+  <p:cSld>
+    <p:spTree>
+      <p:nvGrpSpPr>
+        <p:cNvPr id="1" name=""/>
+        <p:cNvGrpSpPr/>
+        <p:nvPr/>
+      </p:nvGrpSpPr>
+      <p:grpSpPr>
+        <a:xfrm>
+          <a:off x="0" y="0"/>
+          <a:ext cx="0" cy="0"/>
+          <a:chOff x="0" y="0"/>
+          <a:chExt cx="0" cy="0"/>
+        </a:xfrm>
+      </p:grpSpPr>
+      <p:sp>
+        <p:nvSpPr>
+          <p:cNvPr id="2" name="Title 1"/>
+          <p:cNvSpPr>
+            <a:spLocks noGrp="1"/>
+          </p:cNvSpPr>
+          <p:nvPr>
+            <p:ph type="title"/>
+          </p:nvPr>
+        </p:nvSpPr>
+        <p:spPr/>
+        <p:txBody>
+          <a:bodyPr/>
+          <a:lstStyle/>
+          <a:p>
+            <a:r>
+              <a:rPr lang="fa-IR" smtClean="0"/>
+              <a:t>اکتورهای مدل دامنه</a:t>
+            </a:r>
+            <a:endParaRPr lang="en-US"/>
+          </a:p>
+        </p:txBody>
+      </p:sp>
+      <p:sp>
+        <p:nvSpPr>
+          <p:cNvPr id="3" name="Content Placeholder 2"/>
+          <p:cNvSpPr>
+            <a:spLocks noGrp="1"/>
+          </p:cNvSpPr>
+          <p:nvPr>
+            <p:ph idx="1"/>
+          </p:nvPr>
+        </p:nvSpPr>
+        <p:spPr/>
+        <p:txBody>
+          <a:bodyPr/>
+          <a:lstStyle/>
+          <a:p>
+            <a:r>
+              <a:rPr lang="fa-IR" smtClean="0"/>
+              <a:t>دانشجو</a:t>
+            </a:r>
+          </a:p>
+          <a:p>
+            <a:r>
+              <a:rPr lang="fa-IR" smtClean="0">
+                <a:solidFill>
+                  <a:schemeClr val="bg1">
+                    <a:lumMod val="65000"/>
+                  </a:schemeClr>
+                </a:solidFill>
+              </a:rPr>
+              <a:t>درس</a:t>
+            </a:r>
+          </a:p>
+          <a:p>
+            <a:r>
+              <a:rPr lang="fa-IR">
+                <a:solidFill>
+                  <a:schemeClr val="bg1">
+                    <a:lumMod val="65000"/>
+                  </a:schemeClr>
+                </a:solidFill>
+              </a:rPr>
+              <a:t>ترم</a:t>
+            </a:r>
+          </a:p>
+          <a:p>
+            <a:r>
+              <a:rPr lang="fa-IR">
+                <a:solidFill>
+                  <a:schemeClr val="bg1">
+                    <a:lumMod val="65000"/>
+                  </a:schemeClr>
+                </a:solidFill>
+              </a:rPr>
+              <a:t>ارائه</a:t>
+            </a:r>
+          </a:p>
+          <a:p>
+            <a:r>
+              <a:rPr lang="fa-IR">
+                <a:solidFill>
+                  <a:schemeClr val="bg1">
+                    <a:lumMod val="65000"/>
+                  </a:schemeClr>
+                </a:solidFill>
+              </a:rPr>
+              <a:t>سابقه</a:t>
+            </a:r>
+          </a:p>
+        </p:txBody>
+      </p:sp>
+      <p:pic>
+        <p:nvPicPr>
+          <p:cNvPr id="6" name="Picture 5"/>
+          <p:cNvPicPr>
+            <a:picLocks noChangeAspect="1"/>
+          </p:cNvPicPr>
+          <p:nvPr/>
+        </p:nvPicPr>
+        <p:blipFill>
+          <a:blip r:embed="rId2">
+            <a:extLst>
+              <a:ext uri="{28A0092B-C50C-407E-A947-70E740481C1C}">
+                <a14:useLocalDpi xmlns:a14="http://schemas.microsoft.com/office/drawing/2010/main" val="0"/>
+              </a:ext>
+            </a:extLst>
+          </a:blip>
+          <a:stretch>
+            <a:fillRect/>
+          </a:stretch>
+        </p:blipFill>
+        <p:spPr>
+          <a:xfrm>
+            <a:off x="457737" y="1600200"/>
+            <a:ext cx="5955102" cy="2895600"/>
+          </a:xfrm>
+          <a:prstGeom prst="rect">
+            <a:avLst/>
+          </a:prstGeom>
+        </p:spPr>
+      </p:pic>
+    </p:spTree>
+    <p:extLst>
+      <p:ext uri="{BB962C8B-B14F-4D97-AF65-F5344CB8AC3E}">
+        <p14:creationId xmlns:p14="http://schemas.microsoft.com/office/powerpoint/2010/main" val="3868311054"/>
+      </p:ext>
+    </p:extLst>
+  </p:cSld>
+  <p:clrMapOvr>
+    <a:masterClrMapping/>
+  </p:clrMapOvr>
+  <p:timing>
+    <p:tnLst>
+      <p:par>
+        <p:cTn id="1" dur="indefinite" restart="never" nodeType="tmRoot"/>
+      </p:par>
+    </p:tnLst>
+  </p:timing>
 </p:sld>
 </file>
 

--- a/Thesis-Zoghi.pptx
+++ b/Thesis-Zoghi.pptx
@@ -5,7 +5,7 @@
     <p:sldMasterId id="2147483672" r:id="rId1"/>
   </p:sldMasterIdLst>
   <p:notesMasterIdLst>
-    <p:notesMasterId r:id="rId13"/>
+    <p:notesMasterId r:id="rId29"/>
   </p:notesMasterIdLst>
   <p:sldIdLst>
     <p:sldId id="256" r:id="rId2"/>
@@ -17,8 +17,24 @@
     <p:sldId id="262" r:id="rId8"/>
     <p:sldId id="263" r:id="rId9"/>
     <p:sldId id="264" r:id="rId10"/>
-    <p:sldId id="265" r:id="rId11"/>
-    <p:sldId id="266" r:id="rId12"/>
+    <p:sldId id="273" r:id="rId11"/>
+    <p:sldId id="275" r:id="rId12"/>
+    <p:sldId id="276" r:id="rId13"/>
+    <p:sldId id="274" r:id="rId14"/>
+    <p:sldId id="265" r:id="rId15"/>
+    <p:sldId id="267" r:id="rId16"/>
+    <p:sldId id="272" r:id="rId17"/>
+    <p:sldId id="268" r:id="rId18"/>
+    <p:sldId id="269" r:id="rId19"/>
+    <p:sldId id="270" r:id="rId20"/>
+    <p:sldId id="271" r:id="rId21"/>
+    <p:sldId id="278" r:id="rId22"/>
+    <p:sldId id="279" r:id="rId23"/>
+    <p:sldId id="280" r:id="rId24"/>
+    <p:sldId id="281" r:id="rId25"/>
+    <p:sldId id="282" r:id="rId26"/>
+    <p:sldId id="266" r:id="rId27"/>
+    <p:sldId id="277" r:id="rId28"/>
   </p:sldIdLst>
   <p:sldSz cx="9144000" cy="6858000" type="screen4x3"/>
   <p:notesSz cx="6858000" cy="9144000"/>
@@ -865,13 +881,15 @@
                 <a:solidFill>
                   <a:schemeClr val="tx2"/>
                 </a:solidFill>
+                <a:latin typeface="Nazanin" pitchFamily="2" charset="-78"/>
+                <a:cs typeface="Nazanin" pitchFamily="2" charset="-78"/>
               </a:defRPr>
             </a:lvl1pPr>
           </a:lstStyle>
           <a:p>
             <a:r>
               <a:rPr lang="fa-IR" smtClean="0"/>
-              <a:t>عنوان پایان‌نامه‌ی پایان نامه ی</a:t>
+              <a:t>عنوان پایان‌نامه‌ی پایان نامه </a:t>
             </a:r>
             <a:endParaRPr lang="en-US" dirty="0"/>
           </a:p>
@@ -906,7 +924,8 @@
                     <a:tint val="75000"/>
                   </a:schemeClr>
                 </a:solidFill>
-                <a:cs typeface="B Nazanin" pitchFamily="2" charset="-78"/>
+                <a:latin typeface="Nazanin" pitchFamily="2" charset="-78"/>
+                <a:cs typeface="Nazanin" pitchFamily="2" charset="-78"/>
               </a:defRPr>
             </a:lvl1pPr>
             <a:lvl2pPr marL="457200" indent="0" algn="ctr">
@@ -1014,7 +1033,7 @@
           <a:bodyPr/>
           <a:lstStyle/>
           <a:p>
-            <a:fld id="{5ED2411D-CD0F-4713-82DA-E0B286F1FC3C}" type="datetime1">
+            <a:fld id="{512D3588-D4DC-4F68-8C02-5C6F8A08A08D}" type="datetime1">
               <a:rPr lang="en-US" smtClean="0"/>
               <a:t>9/17/2012</a:t>
             </a:fld>
@@ -1179,7 +1198,7 @@
           <a:bodyPr/>
           <a:lstStyle/>
           <a:p>
-            <a:fld id="{5B32F9AC-0EBC-43E4-B6F1-A816869CB5BA}" type="datetime1">
+            <a:fld id="{545346F2-41C7-4179-9F29-0FF6A4A54EC5}" type="datetime1">
               <a:rPr lang="en-US" smtClean="0"/>
               <a:t>9/17/2012</a:t>
             </a:fld>
@@ -1354,7 +1373,7 @@
           <a:bodyPr/>
           <a:lstStyle/>
           <a:p>
-            <a:fld id="{B284D790-6610-4D3D-842D-5BC9349DF189}" type="datetime1">
+            <a:fld id="{09298766-006A-4B2B-908F-8A17B23737D2}" type="datetime1">
               <a:rPr lang="en-US" smtClean="0"/>
               <a:t>9/17/2012</a:t>
             </a:fld>
@@ -1442,7 +1461,14 @@
         <p:spPr/>
         <p:txBody>
           <a:bodyPr/>
-          <a:lstStyle/>
+          <a:lstStyle>
+            <a:lvl1pPr>
+              <a:defRPr>
+                <a:latin typeface="Nazanin" pitchFamily="2" charset="-78"/>
+                <a:cs typeface="Nazanin" pitchFamily="2" charset="-78"/>
+              </a:defRPr>
+            </a:lvl1pPr>
+          </a:lstStyle>
           <a:p>
             <a:r>
               <a:rPr lang="fa-IR" smtClean="0"/>
@@ -1468,27 +1494,32 @@
           <a:lstStyle>
             <a:lvl1pPr>
               <a:defRPr baseline="0">
-                <a:cs typeface="B Nazanin" pitchFamily="2" charset="-78"/>
+                <a:latin typeface="Nazanin" pitchFamily="2" charset="-78"/>
+                <a:cs typeface="Nazanin" pitchFamily="2" charset="-78"/>
               </a:defRPr>
             </a:lvl1pPr>
             <a:lvl2pPr>
               <a:defRPr>
-                <a:cs typeface="B Nazanin" pitchFamily="2" charset="-78"/>
+                <a:latin typeface="Nazanin" pitchFamily="2" charset="-78"/>
+                <a:cs typeface="Nazanin" pitchFamily="2" charset="-78"/>
               </a:defRPr>
             </a:lvl2pPr>
             <a:lvl3pPr>
               <a:defRPr>
-                <a:cs typeface="B Nazanin" pitchFamily="2" charset="-78"/>
+                <a:latin typeface="Nazanin" pitchFamily="2" charset="-78"/>
+                <a:cs typeface="Nazanin" pitchFamily="2" charset="-78"/>
               </a:defRPr>
             </a:lvl3pPr>
             <a:lvl4pPr>
               <a:defRPr>
-                <a:cs typeface="B Nazanin" pitchFamily="2" charset="-78"/>
+                <a:latin typeface="Nazanin" pitchFamily="2" charset="-78"/>
+                <a:cs typeface="Nazanin" pitchFamily="2" charset="-78"/>
               </a:defRPr>
             </a:lvl4pPr>
             <a:lvl5pPr>
               <a:defRPr>
-                <a:cs typeface="B Nazanin" pitchFamily="2" charset="-78"/>
+                <a:latin typeface="Nazanin" pitchFamily="2" charset="-78"/>
+                <a:cs typeface="Nazanin" pitchFamily="2" charset="-78"/>
               </a:defRPr>
             </a:lvl5pPr>
           </a:lstStyle>
@@ -1496,7 +1527,7 @@
             <a:pPr lvl="0"/>
             <a:r>
               <a:rPr lang="fa-IR" smtClean="0"/>
-              <a:t>بولت یک</a:t>
+              <a:t> </a:t>
             </a:r>
             <a:endParaRPr lang="en-US" smtClean="0"/>
           </a:p>
@@ -1504,7 +1535,7 @@
             <a:pPr lvl="1"/>
             <a:r>
               <a:rPr lang="fa-IR" smtClean="0"/>
-              <a:t>لول دو</a:t>
+              <a:t> </a:t>
             </a:r>
             <a:endParaRPr lang="en-US" smtClean="0"/>
           </a:p>
@@ -1512,7 +1543,7 @@
             <a:pPr lvl="2"/>
             <a:r>
               <a:rPr lang="fa-IR" smtClean="0"/>
-              <a:t>لول 3</a:t>
+              <a:t>  </a:t>
             </a:r>
             <a:endParaRPr lang="en-US" smtClean="0"/>
           </a:p>
@@ -1520,7 +1551,7 @@
             <a:pPr lvl="3"/>
             <a:r>
               <a:rPr lang="fa-IR" smtClean="0"/>
-              <a:t>لول 4</a:t>
+              <a:t> </a:t>
             </a:r>
             <a:endParaRPr lang="en-US" smtClean="0"/>
           </a:p>
@@ -1528,7 +1559,7 @@
             <a:pPr lvl="4"/>
             <a:r>
               <a:rPr lang="fa-IR" smtClean="0"/>
-              <a:t>لول 5</a:t>
+              <a:t> </a:t>
             </a:r>
             <a:endParaRPr lang="en-US"/>
           </a:p>
@@ -1549,7 +1580,7 @@
           <a:bodyPr/>
           <a:lstStyle/>
           <a:p>
-            <a:fld id="{FB9384D5-7077-4C3B-B2F2-F1C02EA957A1}" type="datetime1">
+            <a:fld id="{38D3286B-38A2-4EB3-BEE5-9D77D64684BA}" type="datetime1">
               <a:rPr lang="en-US" smtClean="0"/>
               <a:t>9/17/2012</a:t>
             </a:fld>
@@ -1790,7 +1821,7 @@
           <a:bodyPr/>
           <a:lstStyle/>
           <a:p>
-            <a:fld id="{C7866170-6FDA-439A-BD57-3D90B14C66E7}" type="datetime1">
+            <a:fld id="{28CC5A87-8664-42FD-A763-72A1318FA012}" type="datetime1">
               <a:rPr lang="en-US" smtClean="0"/>
               <a:t>9/17/2012</a:t>
             </a:fld>
@@ -2073,7 +2104,7 @@
           <a:bodyPr/>
           <a:lstStyle/>
           <a:p>
-            <a:fld id="{812A76AE-D238-429B-A7D6-F0EC6812D5B2}" type="datetime1">
+            <a:fld id="{BD126708-35BC-4478-9C0B-5A08EBC8F935}" type="datetime1">
               <a:rPr lang="en-US" smtClean="0"/>
               <a:t>9/17/2012</a:t>
             </a:fld>
@@ -2502,7 +2533,7 @@
           <a:bodyPr/>
           <a:lstStyle/>
           <a:p>
-            <a:fld id="{74707985-1FA2-45FC-960F-AD0018EEB2D8}" type="datetime1">
+            <a:fld id="{11D5A057-3613-4554-9DDC-9F4D286C4A21}" type="datetime1">
               <a:rPr lang="en-US" smtClean="0"/>
               <a:t>9/17/2012</a:t>
             </a:fld>
@@ -2615,7 +2646,7 @@
           <a:bodyPr/>
           <a:lstStyle/>
           <a:p>
-            <a:fld id="{36291800-A190-4F24-BFEF-F5105B1045B3}" type="datetime1">
+            <a:fld id="{315E29EF-796A-4949-82F8-C3B23E1E6BE1}" type="datetime1">
               <a:rPr lang="en-US" smtClean="0"/>
               <a:t>9/17/2012</a:t>
             </a:fld>
@@ -2705,7 +2736,7 @@
           <a:bodyPr/>
           <a:lstStyle/>
           <a:p>
-            <a:fld id="{C9B4FD5B-D00D-41B1-B080-CD196E821374}" type="datetime1">
+            <a:fld id="{08AF1EC8-621E-4E07-A794-1E43E4B187B3}" type="datetime1">
               <a:rPr lang="en-US" smtClean="0"/>
               <a:t>9/17/2012</a:t>
             </a:fld>
@@ -2894,7 +2925,7 @@
           <a:bodyPr/>
           <a:lstStyle/>
           <a:p>
-            <a:fld id="{8CA6A7B7-C656-4DC2-AA2F-446B41A4C1EB}" type="datetime1">
+            <a:fld id="{6D2736A9-C52B-4B0F-A64E-463BC51BDAAF}" type="datetime1">
               <a:rPr lang="en-US" smtClean="0"/>
               <a:t>9/17/2012</a:t>
             </a:fld>
@@ -3212,7 +3243,7 @@
           <a:bodyPr/>
           <a:lstStyle/>
           <a:p>
-            <a:fld id="{F0EE497A-BB5C-4FA8-8A69-169B23B71C76}" type="datetime1">
+            <a:fld id="{DB36A41E-88A3-459E-8A54-E02E5A25FB5B}" type="datetime1">
               <a:rPr lang="en-US" smtClean="0"/>
               <a:t>9/17/2012</a:t>
             </a:fld>
@@ -3592,7 +3623,7 @@
             </a:lvl1pPr>
           </a:lstStyle>
           <a:p>
-            <a:fld id="{C0B86799-BF22-41D5-8CC1-EE1AC41142E9}" type="datetime1">
+            <a:fld id="{047C06DC-358B-4D3E-B1AA-E47CBBCF8A05}" type="datetime1">
               <a:rPr lang="en-US" smtClean="0"/>
               <a:t>9/17/2012</a:t>
             </a:fld>
@@ -4058,7 +4089,7 @@
           <a:p>
             <a:r>
               <a:rPr lang="fa-IR" smtClean="0"/>
-              <a:t>طراحی مورد کاربرد محاسبه‌ی معدل</a:t>
+              <a:t>اکتورهای مدل دامنه</a:t>
             </a:r>
             <a:endParaRPr lang="en-US"/>
           </a:p>
@@ -4079,14 +4110,118 @@
           <a:bodyPr/>
           <a:lstStyle/>
           <a:p>
-            <a:endParaRPr lang="fa-IR"/>
+            <a:r>
+              <a:rPr lang="fa-IR">
+                <a:solidFill>
+                  <a:schemeClr val="bg1">
+                    <a:lumMod val="65000"/>
+                  </a:schemeClr>
+                </a:solidFill>
+              </a:rPr>
+              <a:t>دانشجو</a:t>
+            </a:r>
+          </a:p>
+          <a:p>
+            <a:r>
+              <a:rPr lang="fa-IR"/>
+              <a:t>درس</a:t>
+            </a:r>
+          </a:p>
+          <a:p>
+            <a:r>
+              <a:rPr lang="fa-IR">
+                <a:solidFill>
+                  <a:schemeClr val="bg1">
+                    <a:lumMod val="65000"/>
+                  </a:schemeClr>
+                </a:solidFill>
+              </a:rPr>
+              <a:t>ترم</a:t>
+            </a:r>
+          </a:p>
+          <a:p>
+            <a:r>
+              <a:rPr lang="fa-IR">
+                <a:solidFill>
+                  <a:schemeClr val="bg1">
+                    <a:lumMod val="65000"/>
+                  </a:schemeClr>
+                </a:solidFill>
+              </a:rPr>
+              <a:t>ارائه</a:t>
+            </a:r>
+          </a:p>
+          <a:p>
+            <a:r>
+              <a:rPr lang="fa-IR">
+                <a:solidFill>
+                  <a:schemeClr val="bg1">
+                    <a:lumMod val="65000"/>
+                  </a:schemeClr>
+                </a:solidFill>
+              </a:rPr>
+              <a:t>سابقه</a:t>
+            </a:r>
+          </a:p>
+        </p:txBody>
+      </p:sp>
+      <p:pic>
+        <p:nvPicPr>
+          <p:cNvPr id="6" name="Picture 5"/>
+          <p:cNvPicPr>
+            <a:picLocks noChangeAspect="1"/>
+          </p:cNvPicPr>
+          <p:nvPr/>
+        </p:nvPicPr>
+        <p:blipFill>
+          <a:blip r:embed="rId2">
+            <a:extLst>
+              <a:ext uri="{28A0092B-C50C-407E-A947-70E740481C1C}">
+                <a14:useLocalDpi xmlns:a14="http://schemas.microsoft.com/office/drawing/2010/main" val="0"/>
+              </a:ext>
+            </a:extLst>
+          </a:blip>
+          <a:stretch>
+            <a:fillRect/>
+          </a:stretch>
+        </p:blipFill>
+        <p:spPr>
+          <a:xfrm>
+            <a:off x="457737" y="1676400"/>
+            <a:ext cx="5955102" cy="2684196"/>
+          </a:xfrm>
+          <a:prstGeom prst="rect">
+            <a:avLst/>
+          </a:prstGeom>
+        </p:spPr>
+      </p:pic>
+      <p:sp>
+        <p:nvSpPr>
+          <p:cNvPr id="4" name="Slide Number Placeholder 3"/>
+          <p:cNvSpPr>
+            <a:spLocks noGrp="1"/>
+          </p:cNvSpPr>
+          <p:nvPr>
+            <p:ph type="sldNum" sz="quarter" idx="12"/>
+          </p:nvPr>
+        </p:nvSpPr>
+        <p:spPr/>
+        <p:txBody>
+          <a:bodyPr/>
+          <a:lstStyle/>
+          <a:p>
+            <a:fld id="{7800738A-F715-4360-B8B2-93AC517FA922}" type="slidenum">
+              <a:rPr lang="fa-IR" noProof="0" smtClean="0"/>
+              <a:t>10</a:t>
+            </a:fld>
+            <a:endParaRPr lang="fa-IR" noProof="0"/>
           </a:p>
         </p:txBody>
       </p:sp>
     </p:spTree>
     <p:extLst>
       <p:ext uri="{BB962C8B-B14F-4D97-AF65-F5344CB8AC3E}">
-        <p14:creationId xmlns:p14="http://schemas.microsoft.com/office/powerpoint/2010/main" val="147047035"/>
+        <p14:creationId xmlns:p14="http://schemas.microsoft.com/office/powerpoint/2010/main" val="2097906706"/>
       </p:ext>
     </p:extLst>
   </p:cSld>
@@ -4137,7 +4272,7 @@
           <a:p>
             <a:r>
               <a:rPr lang="fa-IR" smtClean="0"/>
-              <a:t>طراحی مورد کاربرد محاسبه‌ی معدل</a:t>
+              <a:t>اکتورهای مدل دامنه</a:t>
             </a:r>
             <a:endParaRPr lang="en-US"/>
           </a:p>
@@ -4158,16 +4293,58 @@
           <a:bodyPr/>
           <a:lstStyle/>
           <a:p>
-            <a:pPr marL="114300" indent="0">
-              <a:buNone/>
-            </a:pPr>
-            <a:endParaRPr lang="fa-IR">
-              <a:solidFill>
-                <a:schemeClr val="bg1">
-                  <a:lumMod val="65000"/>
-                </a:schemeClr>
-              </a:solidFill>
-            </a:endParaRPr>
+            <a:r>
+              <a:rPr lang="fa-IR">
+                <a:solidFill>
+                  <a:schemeClr val="bg1">
+                    <a:lumMod val="65000"/>
+                  </a:schemeClr>
+                </a:solidFill>
+              </a:rPr>
+              <a:t>دانشجو</a:t>
+            </a:r>
+          </a:p>
+          <a:p>
+            <a:r>
+              <a:rPr lang="fa-IR">
+                <a:solidFill>
+                  <a:schemeClr val="bg1">
+                    <a:lumMod val="65000"/>
+                  </a:schemeClr>
+                </a:solidFill>
+              </a:rPr>
+              <a:t>درس</a:t>
+            </a:r>
+          </a:p>
+          <a:p>
+            <a:r>
+              <a:rPr lang="fa-IR"/>
+              <a:t>ترم</a:t>
+            </a:r>
+          </a:p>
+          <a:p>
+            <a:r>
+              <a:rPr lang="fa-IR">
+                <a:solidFill>
+                  <a:schemeClr val="bg1">
+                    <a:lumMod val="65000"/>
+                  </a:schemeClr>
+                </a:solidFill>
+              </a:rPr>
+              <a:t>ارائه</a:t>
+            </a:r>
+          </a:p>
+          <a:p>
+            <a:r>
+              <a:rPr lang="fa-IR">
+                <a:solidFill>
+                  <a:schemeClr val="bg1">
+                    <a:lumMod val="65000"/>
+                  </a:schemeClr>
+                </a:solidFill>
+              </a:rPr>
+              <a:t>سابقه</a:t>
+            </a:r>
           </a:p>
         </p:txBody>
       </p:sp>
@@ -4193,8 +4370,8 @@
         </p:blipFill>
         <p:spPr>
           <a:xfrm>
-            <a:off x="457737" y="1600200"/>
-            <a:ext cx="5955102" cy="2895600"/>
+            <a:off x="520003" y="1676401"/>
+            <a:ext cx="5131137" cy="2362200"/>
           </a:xfrm>
           <a:prstGeom prst="rect">
             <a:avLst/>
@@ -4203,18 +4380,1259 @@
       </p:pic>
       <p:sp>
         <p:nvSpPr>
-          <p:cNvPr id="4" name="Right Arrow 3"/>
+          <p:cNvPr id="4" name="Slide Number Placeholder 3"/>
+          <p:cNvSpPr>
+            <a:spLocks noGrp="1"/>
+          </p:cNvSpPr>
+          <p:nvPr>
+            <p:ph type="sldNum" sz="quarter" idx="12"/>
+          </p:nvPr>
+        </p:nvSpPr>
+        <p:spPr/>
+        <p:txBody>
+          <a:bodyPr/>
+          <a:lstStyle/>
+          <a:p>
+            <a:fld id="{7800738A-F715-4360-B8B2-93AC517FA922}" type="slidenum">
+              <a:rPr lang="fa-IR" noProof="0" smtClean="0"/>
+              <a:t>11</a:t>
+            </a:fld>
+            <a:endParaRPr lang="fa-IR" noProof="0"/>
+          </a:p>
+        </p:txBody>
+      </p:sp>
+    </p:spTree>
+    <p:extLst>
+      <p:ext uri="{BB962C8B-B14F-4D97-AF65-F5344CB8AC3E}">
+        <p14:creationId xmlns:p14="http://schemas.microsoft.com/office/powerpoint/2010/main" val="2026629878"/>
+      </p:ext>
+    </p:extLst>
+  </p:cSld>
+  <p:clrMapOvr>
+    <a:masterClrMapping/>
+  </p:clrMapOvr>
+  <p:timing>
+    <p:tnLst>
+      <p:par>
+        <p:cTn id="1" dur="indefinite" restart="never" nodeType="tmRoot"/>
+      </p:par>
+    </p:tnLst>
+  </p:timing>
+</p:sld>
+</file>
+
+<file path=ppt/slides/slide12.xml><?xml version="1.0" encoding="utf-8"?>
+<p:sld xmlns:a="http://schemas.openxmlformats.org/drawingml/2006/main" xmlns:r="http://schemas.openxmlformats.org/officeDocument/2006/relationships" xmlns:p="http://schemas.openxmlformats.org/presentationml/2006/main">
+  <p:cSld>
+    <p:spTree>
+      <p:nvGrpSpPr>
+        <p:cNvPr id="1" name=""/>
+        <p:cNvGrpSpPr/>
+        <p:nvPr/>
+      </p:nvGrpSpPr>
+      <p:grpSpPr>
+        <a:xfrm>
+          <a:off x="0" y="0"/>
+          <a:ext cx="0" cy="0"/>
+          <a:chOff x="0" y="0"/>
+          <a:chExt cx="0" cy="0"/>
+        </a:xfrm>
+      </p:grpSpPr>
+      <p:sp>
+        <p:nvSpPr>
+          <p:cNvPr id="2" name="Title 1"/>
+          <p:cNvSpPr>
+            <a:spLocks noGrp="1"/>
+          </p:cNvSpPr>
+          <p:nvPr>
+            <p:ph type="title"/>
+          </p:nvPr>
+        </p:nvSpPr>
+        <p:spPr/>
+        <p:txBody>
+          <a:bodyPr/>
+          <a:lstStyle/>
+          <a:p>
+            <a:r>
+              <a:rPr lang="fa-IR" smtClean="0"/>
+              <a:t>اکتورهای مدل دامنه</a:t>
+            </a:r>
+            <a:endParaRPr lang="en-US"/>
+          </a:p>
+        </p:txBody>
+      </p:sp>
+      <p:sp>
+        <p:nvSpPr>
+          <p:cNvPr id="3" name="Content Placeholder 2"/>
+          <p:cNvSpPr>
+            <a:spLocks noGrp="1"/>
+          </p:cNvSpPr>
+          <p:nvPr>
+            <p:ph idx="1"/>
+          </p:nvPr>
+        </p:nvSpPr>
+        <p:spPr/>
+        <p:txBody>
+          <a:bodyPr/>
+          <a:lstStyle/>
+          <a:p>
+            <a:r>
+              <a:rPr lang="fa-IR">
+                <a:solidFill>
+                  <a:schemeClr val="bg1">
+                    <a:lumMod val="65000"/>
+                  </a:schemeClr>
+                </a:solidFill>
+              </a:rPr>
+              <a:t>دانشجو</a:t>
+            </a:r>
+          </a:p>
+          <a:p>
+            <a:r>
+              <a:rPr lang="fa-IR">
+                <a:solidFill>
+                  <a:schemeClr val="bg1">
+                    <a:lumMod val="65000"/>
+                  </a:schemeClr>
+                </a:solidFill>
+              </a:rPr>
+              <a:t>درس</a:t>
+            </a:r>
+          </a:p>
+          <a:p>
+            <a:r>
+              <a:rPr lang="fa-IR">
+                <a:solidFill>
+                  <a:schemeClr val="bg1">
+                    <a:lumMod val="65000"/>
+                  </a:schemeClr>
+                </a:solidFill>
+              </a:rPr>
+              <a:t>ترم</a:t>
+            </a:r>
+          </a:p>
+          <a:p>
+            <a:r>
+              <a:rPr lang="fa-IR"/>
+              <a:t>ارائه</a:t>
+            </a:r>
+          </a:p>
+          <a:p>
+            <a:r>
+              <a:rPr lang="fa-IR">
+                <a:solidFill>
+                  <a:schemeClr val="bg1">
+                    <a:lumMod val="65000"/>
+                  </a:schemeClr>
+                </a:solidFill>
+              </a:rPr>
+              <a:t>سابقه</a:t>
+            </a:r>
+          </a:p>
+        </p:txBody>
+      </p:sp>
+      <p:pic>
+        <p:nvPicPr>
+          <p:cNvPr id="6" name="Picture 5"/>
+          <p:cNvPicPr>
+            <a:picLocks noChangeAspect="1"/>
+          </p:cNvPicPr>
+          <p:nvPr/>
+        </p:nvPicPr>
+        <p:blipFill>
+          <a:blip r:embed="rId2">
+            <a:extLst>
+              <a:ext uri="{28A0092B-C50C-407E-A947-70E740481C1C}">
+                <a14:useLocalDpi xmlns:a14="http://schemas.microsoft.com/office/drawing/2010/main" val="0"/>
+              </a:ext>
+            </a:extLst>
+          </a:blip>
+          <a:stretch>
+            <a:fillRect/>
+          </a:stretch>
+        </p:blipFill>
+        <p:spPr>
+          <a:xfrm>
+            <a:off x="457201" y="1676400"/>
+            <a:ext cx="4267199" cy="2719589"/>
+          </a:xfrm>
+          <a:prstGeom prst="rect">
+            <a:avLst/>
+          </a:prstGeom>
+        </p:spPr>
+      </p:pic>
+      <p:sp>
+        <p:nvSpPr>
+          <p:cNvPr id="4" name="Slide Number Placeholder 3"/>
+          <p:cNvSpPr>
+            <a:spLocks noGrp="1"/>
+          </p:cNvSpPr>
+          <p:nvPr>
+            <p:ph type="sldNum" sz="quarter" idx="12"/>
+          </p:nvPr>
+        </p:nvSpPr>
+        <p:spPr/>
+        <p:txBody>
+          <a:bodyPr/>
+          <a:lstStyle/>
+          <a:p>
+            <a:fld id="{7800738A-F715-4360-B8B2-93AC517FA922}" type="slidenum">
+              <a:rPr lang="fa-IR" noProof="0" smtClean="0"/>
+              <a:t>12</a:t>
+            </a:fld>
+            <a:endParaRPr lang="fa-IR" noProof="0"/>
+          </a:p>
+        </p:txBody>
+      </p:sp>
+    </p:spTree>
+    <p:extLst>
+      <p:ext uri="{BB962C8B-B14F-4D97-AF65-F5344CB8AC3E}">
+        <p14:creationId xmlns:p14="http://schemas.microsoft.com/office/powerpoint/2010/main" val="1191981586"/>
+      </p:ext>
+    </p:extLst>
+  </p:cSld>
+  <p:clrMapOvr>
+    <a:masterClrMapping/>
+  </p:clrMapOvr>
+  <p:timing>
+    <p:tnLst>
+      <p:par>
+        <p:cTn id="1" dur="indefinite" restart="never" nodeType="tmRoot"/>
+      </p:par>
+    </p:tnLst>
+  </p:timing>
+</p:sld>
+</file>
+
+<file path=ppt/slides/slide13.xml><?xml version="1.0" encoding="utf-8"?>
+<p:sld xmlns:a="http://schemas.openxmlformats.org/drawingml/2006/main" xmlns:r="http://schemas.openxmlformats.org/officeDocument/2006/relationships" xmlns:p="http://schemas.openxmlformats.org/presentationml/2006/main">
+  <p:cSld>
+    <p:spTree>
+      <p:nvGrpSpPr>
+        <p:cNvPr id="1" name=""/>
+        <p:cNvGrpSpPr/>
+        <p:nvPr/>
+      </p:nvGrpSpPr>
+      <p:grpSpPr>
+        <a:xfrm>
+          <a:off x="0" y="0"/>
+          <a:ext cx="0" cy="0"/>
+          <a:chOff x="0" y="0"/>
+          <a:chExt cx="0" cy="0"/>
+        </a:xfrm>
+      </p:grpSpPr>
+      <p:sp>
+        <p:nvSpPr>
+          <p:cNvPr id="2" name="Title 1"/>
+          <p:cNvSpPr>
+            <a:spLocks noGrp="1"/>
+          </p:cNvSpPr>
+          <p:nvPr>
+            <p:ph type="title"/>
+          </p:nvPr>
+        </p:nvSpPr>
+        <p:spPr/>
+        <p:txBody>
+          <a:bodyPr/>
+          <a:lstStyle/>
+          <a:p>
+            <a:r>
+              <a:rPr lang="fa-IR" smtClean="0"/>
+              <a:t>اکتورهای مدل دامنه</a:t>
+            </a:r>
+            <a:endParaRPr lang="en-US"/>
+          </a:p>
+        </p:txBody>
+      </p:sp>
+      <p:sp>
+        <p:nvSpPr>
+          <p:cNvPr id="3" name="Content Placeholder 2"/>
+          <p:cNvSpPr>
+            <a:spLocks noGrp="1"/>
+          </p:cNvSpPr>
+          <p:nvPr>
+            <p:ph idx="1"/>
+          </p:nvPr>
+        </p:nvSpPr>
+        <p:spPr/>
+        <p:txBody>
+          <a:bodyPr/>
+          <a:lstStyle/>
+          <a:p>
+            <a:r>
+              <a:rPr lang="fa-IR">
+                <a:solidFill>
+                  <a:schemeClr val="bg1">
+                    <a:lumMod val="65000"/>
+                  </a:schemeClr>
+                </a:solidFill>
+              </a:rPr>
+              <a:t>دانشجو</a:t>
+            </a:r>
+          </a:p>
+          <a:p>
+            <a:r>
+              <a:rPr lang="fa-IR">
+                <a:solidFill>
+                  <a:schemeClr val="bg1">
+                    <a:lumMod val="65000"/>
+                  </a:schemeClr>
+                </a:solidFill>
+              </a:rPr>
+              <a:t>درس</a:t>
+            </a:r>
+          </a:p>
+          <a:p>
+            <a:r>
+              <a:rPr lang="fa-IR">
+                <a:solidFill>
+                  <a:schemeClr val="bg1">
+                    <a:lumMod val="65000"/>
+                  </a:schemeClr>
+                </a:solidFill>
+              </a:rPr>
+              <a:t>ترم</a:t>
+            </a:r>
+          </a:p>
+          <a:p>
+            <a:r>
+              <a:rPr lang="fa-IR">
+                <a:solidFill>
+                  <a:schemeClr val="bg1">
+                    <a:lumMod val="65000"/>
+                  </a:schemeClr>
+                </a:solidFill>
+              </a:rPr>
+              <a:t>ارائه</a:t>
+            </a:r>
+          </a:p>
+          <a:p>
+            <a:r>
+              <a:rPr lang="fa-IR"/>
+              <a:t>سابقه</a:t>
+            </a:r>
+          </a:p>
+        </p:txBody>
+      </p:sp>
+      <p:sp>
+        <p:nvSpPr>
+          <p:cNvPr id="4" name="Slide Number Placeholder 3"/>
+          <p:cNvSpPr>
+            <a:spLocks noGrp="1"/>
+          </p:cNvSpPr>
+          <p:nvPr>
+            <p:ph type="sldNum" sz="quarter" idx="12"/>
+          </p:nvPr>
+        </p:nvSpPr>
+        <p:spPr/>
+        <p:txBody>
+          <a:bodyPr/>
+          <a:lstStyle/>
+          <a:p>
+            <a:fld id="{7800738A-F715-4360-B8B2-93AC517FA922}" type="slidenum">
+              <a:rPr lang="fa-IR" noProof="0" smtClean="0"/>
+              <a:t>13</a:t>
+            </a:fld>
+            <a:endParaRPr lang="fa-IR" noProof="0"/>
+          </a:p>
+        </p:txBody>
+      </p:sp>
+      <p:pic>
+        <p:nvPicPr>
+          <p:cNvPr id="5" name="Picture 4"/>
+          <p:cNvPicPr>
+            <a:picLocks noChangeAspect="1"/>
+          </p:cNvPicPr>
+          <p:nvPr/>
+        </p:nvPicPr>
+        <p:blipFill>
+          <a:blip r:embed="rId2">
+            <a:extLst>
+              <a:ext uri="{28A0092B-C50C-407E-A947-70E740481C1C}">
+                <a14:useLocalDpi xmlns:a14="http://schemas.microsoft.com/office/drawing/2010/main" val="0"/>
+              </a:ext>
+            </a:extLst>
+          </a:blip>
+          <a:stretch>
+            <a:fillRect/>
+          </a:stretch>
+        </p:blipFill>
+        <p:spPr>
+          <a:xfrm>
+            <a:off x="457200" y="1676400"/>
+            <a:ext cx="4953000" cy="2196548"/>
+          </a:xfrm>
+          <a:prstGeom prst="rect">
+            <a:avLst/>
+          </a:prstGeom>
+        </p:spPr>
+      </p:pic>
+    </p:spTree>
+    <p:extLst>
+      <p:ext uri="{BB962C8B-B14F-4D97-AF65-F5344CB8AC3E}">
+        <p14:creationId xmlns:p14="http://schemas.microsoft.com/office/powerpoint/2010/main" val="3189369367"/>
+      </p:ext>
+    </p:extLst>
+  </p:cSld>
+  <p:clrMapOvr>
+    <a:masterClrMapping/>
+  </p:clrMapOvr>
+  <p:timing>
+    <p:tnLst>
+      <p:par>
+        <p:cTn id="1" dur="indefinite" restart="never" nodeType="tmRoot"/>
+      </p:par>
+    </p:tnLst>
+  </p:timing>
+</p:sld>
+</file>
+
+<file path=ppt/slides/slide14.xml><?xml version="1.0" encoding="utf-8"?>
+<p:sld xmlns:a="http://schemas.openxmlformats.org/drawingml/2006/main" xmlns:r="http://schemas.openxmlformats.org/officeDocument/2006/relationships" xmlns:p="http://schemas.openxmlformats.org/presentationml/2006/main">
+  <p:cSld>
+    <p:spTree>
+      <p:nvGrpSpPr>
+        <p:cNvPr id="1" name=""/>
+        <p:cNvGrpSpPr/>
+        <p:nvPr/>
+      </p:nvGrpSpPr>
+      <p:grpSpPr>
+        <a:xfrm>
+          <a:off x="0" y="0"/>
+          <a:ext cx="0" cy="0"/>
+          <a:chOff x="0" y="0"/>
+          <a:chExt cx="0" cy="0"/>
+        </a:xfrm>
+      </p:grpSpPr>
+      <p:sp>
+        <p:nvSpPr>
+          <p:cNvPr id="2" name="Title 1"/>
+          <p:cNvSpPr>
+            <a:spLocks noGrp="1"/>
+          </p:cNvSpPr>
+          <p:nvPr>
+            <p:ph type="title"/>
+          </p:nvPr>
+        </p:nvSpPr>
+        <p:spPr/>
+        <p:txBody>
+          <a:bodyPr/>
+          <a:lstStyle/>
+          <a:p>
+            <a:r>
+              <a:rPr lang="fa-IR" smtClean="0"/>
+              <a:t>طراحی مورد کاربرد محاسبه‌ی معدل</a:t>
+            </a:r>
+            <a:endParaRPr lang="en-US"/>
+          </a:p>
+        </p:txBody>
+      </p:sp>
+      <mc:AlternateContent xmlns:mc="http://schemas.openxmlformats.org/markup-compatibility/2006">
+        <mc:Choice xmlns:a14="http://schemas.microsoft.com/office/drawing/2010/main" Requires="a14">
+          <p:sp>
+            <p:nvSpPr>
+              <p:cNvPr id="3" name="Content Placeholder 2"/>
+              <p:cNvSpPr>
+                <a:spLocks noGrp="1"/>
+              </p:cNvSpPr>
+              <p:nvPr>
+                <p:ph idx="1"/>
+              </p:nvPr>
+            </p:nvSpPr>
+            <p:spPr/>
+            <p:txBody>
+              <a:bodyPr/>
+              <a:lstStyle/>
+              <a:p>
+                <a14:m>
+                  <m:oMath xmlns:m="http://schemas.openxmlformats.org/officeDocument/2006/math">
+                    <m:r>
+                      <a:rPr lang="en-US" i="1">
+                        <a:latin typeface="Cambria Math"/>
+                      </a:rPr>
+                      <m:t>𝑔𝑝𝑎</m:t>
+                    </m:r>
+                    <m:r>
+                      <a:rPr lang="en-US" i="1">
+                        <a:latin typeface="Cambria Math"/>
+                      </a:rPr>
+                      <m:t>=</m:t>
+                    </m:r>
+                    <m:f>
+                      <m:fPr>
+                        <m:ctrlPr>
+                          <a:rPr lang="en-US" i="1">
+                            <a:latin typeface="Cambria Math"/>
+                          </a:rPr>
+                        </m:ctrlPr>
+                      </m:fPr>
+                      <m:num>
+                        <m:nary>
+                          <m:naryPr>
+                            <m:chr m:val="∑"/>
+                            <m:subHide m:val="on"/>
+                            <m:supHide m:val="on"/>
+                            <m:ctrlPr>
+                              <a:rPr lang="en-US" i="1">
+                                <a:latin typeface="Cambria Math"/>
+                              </a:rPr>
+                            </m:ctrlPr>
+                          </m:naryPr>
+                          <m:sub/>
+                          <m:sup/>
+                          <m:e>
+                            <m:r>
+                              <a:rPr lang="en-US" i="1">
+                                <a:latin typeface="Cambria Math"/>
+                              </a:rPr>
+                              <m:t>(</m:t>
+                            </m:r>
+                            <m:r>
+                              <a:rPr lang="en-US" i="1">
+                                <a:latin typeface="Cambria Math"/>
+                              </a:rPr>
+                              <m:t>𝑔𝑟𝑎𝑑𝑒</m:t>
+                            </m:r>
+                            <m:r>
+                              <a:rPr lang="en-US" i="1">
+                                <a:latin typeface="Cambria Math"/>
+                              </a:rPr>
+                              <m:t>∗</m:t>
+                            </m:r>
+                            <m:r>
+                              <a:rPr lang="en-US" i="1">
+                                <a:latin typeface="Cambria Math"/>
+                              </a:rPr>
+                              <m:t>𝑢𝑛𝑖𝑡𝑠</m:t>
+                            </m:r>
+                            <m:r>
+                              <a:rPr lang="en-US" i="1">
+                                <a:latin typeface="Cambria Math"/>
+                              </a:rPr>
+                              <m:t>)</m:t>
+                            </m:r>
+                          </m:e>
+                        </m:nary>
+                      </m:num>
+                      <m:den>
+                        <m:nary>
+                          <m:naryPr>
+                            <m:chr m:val="∑"/>
+                            <m:subHide m:val="on"/>
+                            <m:supHide m:val="on"/>
+                            <m:ctrlPr>
+                              <a:rPr lang="en-US" i="1">
+                                <a:latin typeface="Cambria Math"/>
+                              </a:rPr>
+                            </m:ctrlPr>
+                          </m:naryPr>
+                          <m:sub/>
+                          <m:sup/>
+                          <m:e>
+                            <m:r>
+                              <a:rPr lang="en-US" i="1">
+                                <a:latin typeface="Cambria Math"/>
+                              </a:rPr>
+                              <m:t>(</m:t>
+                            </m:r>
+                            <m:r>
+                              <a:rPr lang="en-US" i="1">
+                                <a:latin typeface="Cambria Math"/>
+                              </a:rPr>
+                              <m:t>𝑢𝑛𝑖𝑡𝑠</m:t>
+                            </m:r>
+                            <m:r>
+                              <a:rPr lang="en-US" i="1">
+                                <a:latin typeface="Cambria Math"/>
+                              </a:rPr>
+                              <m:t>)</m:t>
+                            </m:r>
+                          </m:e>
+                        </m:nary>
+                      </m:den>
+                    </m:f>
+                  </m:oMath>
+                </a14:m>
+                <a:endParaRPr lang="en-US" smtClean="0"/>
+              </a:p>
+              <a:p>
+                <a:pPr marL="114300" indent="0">
+                  <a:buNone/>
+                </a:pPr>
+                <a:endParaRPr lang="en-US" smtClean="0"/>
+              </a:p>
+              <a:p>
+                <a:pPr marL="114300" indent="0">
+                  <a:buNone/>
+                </a:pPr>
+                <a:endParaRPr lang="fa-IR" smtClean="0"/>
+              </a:p>
+            </p:txBody>
+          </p:sp>
+        </mc:Choice>
+        <mc:Fallback>
+          <p:sp>
+            <p:nvSpPr>
+              <p:cNvPr id="3" name="Content Placeholder 2"/>
+              <p:cNvSpPr>
+                <a:spLocks noGrp="1" noRot="1" noChangeAspect="1" noMove="1" noResize="1" noEditPoints="1" noAdjustHandles="1" noChangeArrowheads="1" noChangeShapeType="1" noTextEdit="1"/>
+              </p:cNvSpPr>
+              <p:nvPr>
+                <p:ph idx="1"/>
+              </p:nvPr>
+            </p:nvSpPr>
+            <p:spPr>
+              <a:blipFill rotWithShape="1">
+                <a:blip r:embed="rId2"/>
+                <a:stretch>
+                  <a:fillRect/>
+                </a:stretch>
+              </a:blipFill>
+            </p:spPr>
+            <p:txBody>
+              <a:bodyPr/>
+              <a:lstStyle/>
+              <a:p>
+                <a:r>
+                  <a:rPr lang="en-US">
+                    <a:noFill/>
+                  </a:rPr>
+                  <a:t> </a:t>
+                </a:r>
+              </a:p>
+            </p:txBody>
+          </p:sp>
+        </mc:Fallback>
+      </mc:AlternateContent>
+      <p:sp>
+        <p:nvSpPr>
+          <p:cNvPr id="5" name="Slide Number Placeholder 4"/>
+          <p:cNvSpPr>
+            <a:spLocks noGrp="1"/>
+          </p:cNvSpPr>
+          <p:nvPr>
+            <p:ph type="sldNum" sz="quarter" idx="12"/>
+          </p:nvPr>
+        </p:nvSpPr>
+        <p:spPr/>
+        <p:txBody>
+          <a:bodyPr/>
+          <a:lstStyle/>
+          <a:p>
+            <a:fld id="{7800738A-F715-4360-B8B2-93AC517FA922}" type="slidenum">
+              <a:rPr lang="fa-IR" noProof="0" smtClean="0"/>
+              <a:t>14</a:t>
+            </a:fld>
+            <a:endParaRPr lang="fa-IR" noProof="0"/>
+          </a:p>
+        </p:txBody>
+      </p:sp>
+    </p:spTree>
+    <p:extLst>
+      <p:ext uri="{BB962C8B-B14F-4D97-AF65-F5344CB8AC3E}">
+        <p14:creationId xmlns:p14="http://schemas.microsoft.com/office/powerpoint/2010/main" val="147047035"/>
+      </p:ext>
+    </p:extLst>
+  </p:cSld>
+  <p:clrMapOvr>
+    <a:masterClrMapping/>
+  </p:clrMapOvr>
+  <p:timing>
+    <p:tnLst>
+      <p:par>
+        <p:cTn id="1" dur="indefinite" restart="never" nodeType="tmRoot"/>
+      </p:par>
+    </p:tnLst>
+  </p:timing>
+</p:sld>
+</file>
+
+<file path=ppt/slides/slide15.xml><?xml version="1.0" encoding="utf-8"?>
+<p:sld xmlns:a="http://schemas.openxmlformats.org/drawingml/2006/main" xmlns:r="http://schemas.openxmlformats.org/officeDocument/2006/relationships" xmlns:p="http://schemas.openxmlformats.org/presentationml/2006/main">
+  <p:cSld>
+    <p:spTree>
+      <p:nvGrpSpPr>
+        <p:cNvPr id="1" name=""/>
+        <p:cNvGrpSpPr/>
+        <p:nvPr/>
+      </p:nvGrpSpPr>
+      <p:grpSpPr>
+        <a:xfrm>
+          <a:off x="0" y="0"/>
+          <a:ext cx="0" cy="0"/>
+          <a:chOff x="0" y="0"/>
+          <a:chExt cx="0" cy="0"/>
+        </a:xfrm>
+      </p:grpSpPr>
+      <p:sp>
+        <p:nvSpPr>
+          <p:cNvPr id="2" name="Title 1"/>
+          <p:cNvSpPr>
+            <a:spLocks noGrp="1"/>
+          </p:cNvSpPr>
+          <p:nvPr>
+            <p:ph type="title"/>
+          </p:nvPr>
+        </p:nvSpPr>
+        <p:spPr/>
+        <p:txBody>
+          <a:bodyPr/>
+          <a:lstStyle/>
+          <a:p>
+            <a:r>
+              <a:rPr lang="fa-IR" smtClean="0"/>
+              <a:t>طراحی مورد کاربرد محاسبه‌ی معدل</a:t>
+            </a:r>
+            <a:endParaRPr lang="en-US"/>
+          </a:p>
+        </p:txBody>
+      </p:sp>
+      <mc:AlternateContent xmlns:mc="http://schemas.openxmlformats.org/markup-compatibility/2006">
+        <mc:Choice xmlns:a14="http://schemas.microsoft.com/office/drawing/2010/main" Requires="a14">
+          <p:sp>
+            <p:nvSpPr>
+              <p:cNvPr id="3" name="Content Placeholder 2"/>
+              <p:cNvSpPr>
+                <a:spLocks noGrp="1"/>
+              </p:cNvSpPr>
+              <p:nvPr>
+                <p:ph idx="1"/>
+              </p:nvPr>
+            </p:nvSpPr>
+            <p:spPr/>
+            <p:txBody>
+              <a:bodyPr/>
+              <a:lstStyle/>
+              <a:p>
+                <a14:m>
+                  <m:oMath xmlns:m="http://schemas.openxmlformats.org/officeDocument/2006/math">
+                    <m:r>
+                      <a:rPr lang="en-US" i="1">
+                        <a:latin typeface="Cambria Math"/>
+                      </a:rPr>
+                      <m:t>𝑔𝑝𝑎</m:t>
+                    </m:r>
+                    <m:r>
+                      <a:rPr lang="en-US" i="1">
+                        <a:latin typeface="Cambria Math"/>
+                      </a:rPr>
+                      <m:t>=</m:t>
+                    </m:r>
+                    <m:f>
+                      <m:fPr>
+                        <m:ctrlPr>
+                          <a:rPr lang="en-US" i="1">
+                            <a:latin typeface="Cambria Math"/>
+                          </a:rPr>
+                        </m:ctrlPr>
+                      </m:fPr>
+                      <m:num>
+                        <m:nary>
+                          <m:naryPr>
+                            <m:chr m:val="∑"/>
+                            <m:subHide m:val="on"/>
+                            <m:supHide m:val="on"/>
+                            <m:ctrlPr>
+                              <a:rPr lang="en-US" i="1">
+                                <a:latin typeface="Cambria Math"/>
+                              </a:rPr>
+                            </m:ctrlPr>
+                          </m:naryPr>
+                          <m:sub/>
+                          <m:sup/>
+                          <m:e>
+                            <m:r>
+                              <a:rPr lang="en-US" i="1">
+                                <a:latin typeface="Cambria Math"/>
+                              </a:rPr>
+                              <m:t>(</m:t>
+                            </m:r>
+                            <m:r>
+                              <a:rPr lang="en-US" i="1">
+                                <a:latin typeface="Cambria Math"/>
+                              </a:rPr>
+                              <m:t>𝑔𝑟𝑎𝑑𝑒</m:t>
+                            </m:r>
+                            <m:r>
+                              <a:rPr lang="en-US" i="1">
+                                <a:latin typeface="Cambria Math"/>
+                              </a:rPr>
+                              <m:t>∗</m:t>
+                            </m:r>
+                            <m:r>
+                              <a:rPr lang="en-US" i="1">
+                                <a:latin typeface="Cambria Math"/>
+                              </a:rPr>
+                              <m:t>𝑢𝑛𝑖𝑡𝑠</m:t>
+                            </m:r>
+                            <m:r>
+                              <a:rPr lang="en-US" i="1">
+                                <a:latin typeface="Cambria Math"/>
+                              </a:rPr>
+                              <m:t>)</m:t>
+                            </m:r>
+                          </m:e>
+                        </m:nary>
+                      </m:num>
+                      <m:den>
+                        <m:nary>
+                          <m:naryPr>
+                            <m:chr m:val="∑"/>
+                            <m:subHide m:val="on"/>
+                            <m:supHide m:val="on"/>
+                            <m:ctrlPr>
+                              <a:rPr lang="en-US" i="1">
+                                <a:latin typeface="Cambria Math"/>
+                              </a:rPr>
+                            </m:ctrlPr>
+                          </m:naryPr>
+                          <m:sub/>
+                          <m:sup/>
+                          <m:e>
+                            <m:r>
+                              <a:rPr lang="en-US" i="1">
+                                <a:latin typeface="Cambria Math"/>
+                              </a:rPr>
+                              <m:t>(</m:t>
+                            </m:r>
+                            <m:r>
+                              <a:rPr lang="en-US" i="1">
+                                <a:latin typeface="Cambria Math"/>
+                              </a:rPr>
+                              <m:t>𝑢𝑛𝑖𝑡𝑠</m:t>
+                            </m:r>
+                            <m:r>
+                              <a:rPr lang="en-US" i="1">
+                                <a:latin typeface="Cambria Math"/>
+                              </a:rPr>
+                              <m:t>)</m:t>
+                            </m:r>
+                          </m:e>
+                        </m:nary>
+                      </m:den>
+                    </m:f>
+                  </m:oMath>
+                </a14:m>
+                <a:endParaRPr lang="en-US" smtClean="0"/>
+              </a:p>
+              <a:p>
+                <a:endParaRPr lang="fa-IR" smtClean="0"/>
+              </a:p>
+              <a:p>
+                <a:r>
+                  <a:rPr lang="fa-IR" smtClean="0"/>
+                  <a:t>اکتورهای دارای نقش</a:t>
+                </a:r>
+              </a:p>
+              <a:p>
+                <a:pPr lvl="1"/>
+                <a:endParaRPr lang="en-US" smtClean="0"/>
+              </a:p>
+              <a:p>
+                <a:pPr marL="114300" indent="0">
+                  <a:buNone/>
+                </a:pPr>
+                <a:endParaRPr lang="en-US" smtClean="0"/>
+              </a:p>
+              <a:p>
+                <a:pPr marL="114300" indent="0">
+                  <a:buNone/>
+                </a:pPr>
+                <a:endParaRPr lang="fa-IR" smtClean="0"/>
+              </a:p>
+            </p:txBody>
+          </p:sp>
+        </mc:Choice>
+        <mc:Fallback>
+          <p:sp>
+            <p:nvSpPr>
+              <p:cNvPr id="3" name="Content Placeholder 2"/>
+              <p:cNvSpPr>
+                <a:spLocks noGrp="1" noRot="1" noChangeAspect="1" noMove="1" noResize="1" noEditPoints="1" noAdjustHandles="1" noChangeArrowheads="1" noChangeShapeType="1" noTextEdit="1"/>
+              </p:cNvSpPr>
+              <p:nvPr>
+                <p:ph idx="1"/>
+              </p:nvPr>
+            </p:nvSpPr>
+            <p:spPr>
+              <a:blipFill rotWithShape="1">
+                <a:blip r:embed="rId2"/>
+                <a:stretch>
+                  <a:fillRect/>
+                </a:stretch>
+              </a:blipFill>
+            </p:spPr>
+            <p:txBody>
+              <a:bodyPr/>
+              <a:lstStyle/>
+              <a:p>
+                <a:r>
+                  <a:rPr lang="en-US">
+                    <a:noFill/>
+                  </a:rPr>
+                  <a:t> </a:t>
+                </a:r>
+              </a:p>
+            </p:txBody>
+          </p:sp>
+        </mc:Fallback>
+      </mc:AlternateContent>
+      <p:pic>
+        <p:nvPicPr>
+          <p:cNvPr id="4" name="Content Placeholder 4"/>
+          <p:cNvPicPr>
+            <a:picLocks noChangeAspect="1"/>
+          </p:cNvPicPr>
+          <p:nvPr/>
+        </p:nvPicPr>
+        <p:blipFill>
+          <a:blip r:embed="rId3" cstate="print">
+            <a:extLst>
+              <a:ext uri="{28A0092B-C50C-407E-A947-70E740481C1C}">
+                <a14:useLocalDpi xmlns:a14="http://schemas.microsoft.com/office/drawing/2010/main" val="0"/>
+              </a:ext>
+            </a:extLst>
+          </a:blip>
+          <a:stretch>
+            <a:fillRect/>
+          </a:stretch>
+        </p:blipFill>
+        <p:spPr>
+          <a:xfrm>
+            <a:off x="304800" y="2133600"/>
+            <a:ext cx="4419600" cy="4419600"/>
+          </a:xfrm>
+          <a:prstGeom prst="rect">
+            <a:avLst/>
+          </a:prstGeom>
+        </p:spPr>
+      </p:pic>
+      <p:sp>
+        <p:nvSpPr>
+          <p:cNvPr id="7" name="Slide Number Placeholder 6"/>
+          <p:cNvSpPr>
+            <a:spLocks noGrp="1"/>
+          </p:cNvSpPr>
+          <p:nvPr>
+            <p:ph type="sldNum" sz="quarter" idx="12"/>
+          </p:nvPr>
+        </p:nvSpPr>
+        <p:spPr/>
+        <p:txBody>
+          <a:bodyPr/>
+          <a:lstStyle/>
+          <a:p>
+            <a:fld id="{7800738A-F715-4360-B8B2-93AC517FA922}" type="slidenum">
+              <a:rPr lang="fa-IR" noProof="0" smtClean="0"/>
+              <a:t>15</a:t>
+            </a:fld>
+            <a:endParaRPr lang="fa-IR" noProof="0"/>
+          </a:p>
+        </p:txBody>
+      </p:sp>
+    </p:spTree>
+    <p:extLst>
+      <p:ext uri="{BB962C8B-B14F-4D97-AF65-F5344CB8AC3E}">
+        <p14:creationId xmlns:p14="http://schemas.microsoft.com/office/powerpoint/2010/main" val="587690091"/>
+      </p:ext>
+    </p:extLst>
+  </p:cSld>
+  <p:clrMapOvr>
+    <a:masterClrMapping/>
+  </p:clrMapOvr>
+  <p:timing>
+    <p:tnLst>
+      <p:par>
+        <p:cTn id="1" dur="indefinite" restart="never" nodeType="tmRoot"/>
+      </p:par>
+    </p:tnLst>
+  </p:timing>
+</p:sld>
+</file>
+
+<file path=ppt/slides/slide16.xml><?xml version="1.0" encoding="utf-8"?>
+<p:sld xmlns:a="http://schemas.openxmlformats.org/drawingml/2006/main" xmlns:r="http://schemas.openxmlformats.org/officeDocument/2006/relationships" xmlns:p="http://schemas.openxmlformats.org/presentationml/2006/main">
+  <p:cSld>
+    <p:spTree>
+      <p:nvGrpSpPr>
+        <p:cNvPr id="1" name=""/>
+        <p:cNvGrpSpPr/>
+        <p:nvPr/>
+      </p:nvGrpSpPr>
+      <p:grpSpPr>
+        <a:xfrm>
+          <a:off x="0" y="0"/>
+          <a:ext cx="0" cy="0"/>
+          <a:chOff x="0" y="0"/>
+          <a:chExt cx="0" cy="0"/>
+        </a:xfrm>
+      </p:grpSpPr>
+      <p:sp>
+        <p:nvSpPr>
+          <p:cNvPr id="2" name="Title 1"/>
+          <p:cNvSpPr>
+            <a:spLocks noGrp="1"/>
+          </p:cNvSpPr>
+          <p:nvPr>
+            <p:ph type="title"/>
+          </p:nvPr>
+        </p:nvSpPr>
+        <p:spPr/>
+        <p:txBody>
+          <a:bodyPr/>
+          <a:lstStyle/>
+          <a:p>
+            <a:r>
+              <a:rPr lang="fa-IR" smtClean="0"/>
+              <a:t>طراحی مورد کاربرد محاسبه‌ی معدل</a:t>
+            </a:r>
+            <a:endParaRPr lang="en-US"/>
+          </a:p>
+        </p:txBody>
+      </p:sp>
+      <mc:AlternateContent xmlns:mc="http://schemas.openxmlformats.org/markup-compatibility/2006">
+        <mc:Choice xmlns:a14="http://schemas.microsoft.com/office/drawing/2010/main" Requires="a14">
+          <p:sp>
+            <p:nvSpPr>
+              <p:cNvPr id="3" name="Content Placeholder 2"/>
+              <p:cNvSpPr>
+                <a:spLocks noGrp="1"/>
+              </p:cNvSpPr>
+              <p:nvPr>
+                <p:ph idx="1"/>
+              </p:nvPr>
+            </p:nvSpPr>
+            <p:spPr/>
+            <p:txBody>
+              <a:bodyPr/>
+              <a:lstStyle/>
+              <a:p>
+                <a14:m>
+                  <m:oMath xmlns:m="http://schemas.openxmlformats.org/officeDocument/2006/math">
+                    <m:r>
+                      <a:rPr lang="en-US" i="1">
+                        <a:latin typeface="Cambria Math"/>
+                      </a:rPr>
+                      <m:t>𝑔𝑝𝑎</m:t>
+                    </m:r>
+                    <m:r>
+                      <a:rPr lang="en-US" i="1">
+                        <a:latin typeface="Cambria Math"/>
+                      </a:rPr>
+                      <m:t>=</m:t>
+                    </m:r>
+                    <m:f>
+                      <m:fPr>
+                        <m:ctrlPr>
+                          <a:rPr lang="en-US" i="1">
+                            <a:latin typeface="Cambria Math"/>
+                          </a:rPr>
+                        </m:ctrlPr>
+                      </m:fPr>
+                      <m:num>
+                        <m:nary>
+                          <m:naryPr>
+                            <m:chr m:val="∑"/>
+                            <m:subHide m:val="on"/>
+                            <m:supHide m:val="on"/>
+                            <m:ctrlPr>
+                              <a:rPr lang="en-US" i="1">
+                                <a:latin typeface="Cambria Math"/>
+                              </a:rPr>
+                            </m:ctrlPr>
+                          </m:naryPr>
+                          <m:sub/>
+                          <m:sup/>
+                          <m:e>
+                            <m:r>
+                              <a:rPr lang="en-US" i="1">
+                                <a:latin typeface="Cambria Math"/>
+                              </a:rPr>
+                              <m:t>(</m:t>
+                            </m:r>
+                            <m:r>
+                              <a:rPr lang="en-US" i="1">
+                                <a:latin typeface="Cambria Math"/>
+                              </a:rPr>
+                              <m:t>𝑔𝑟𝑎𝑑𝑒</m:t>
+                            </m:r>
+                            <m:r>
+                              <a:rPr lang="en-US" i="1">
+                                <a:latin typeface="Cambria Math"/>
+                              </a:rPr>
+                              <m:t>∗</m:t>
+                            </m:r>
+                            <m:r>
+                              <a:rPr lang="en-US" i="1">
+                                <a:latin typeface="Cambria Math"/>
+                              </a:rPr>
+                              <m:t>𝑢𝑛𝑖𝑡𝑠</m:t>
+                            </m:r>
+                            <m:r>
+                              <a:rPr lang="en-US" i="1">
+                                <a:latin typeface="Cambria Math"/>
+                              </a:rPr>
+                              <m:t>)</m:t>
+                            </m:r>
+                          </m:e>
+                        </m:nary>
+                      </m:num>
+                      <m:den>
+                        <m:nary>
+                          <m:naryPr>
+                            <m:chr m:val="∑"/>
+                            <m:subHide m:val="on"/>
+                            <m:supHide m:val="on"/>
+                            <m:ctrlPr>
+                              <a:rPr lang="en-US" i="1">
+                                <a:latin typeface="Cambria Math"/>
+                              </a:rPr>
+                            </m:ctrlPr>
+                          </m:naryPr>
+                          <m:sub/>
+                          <m:sup/>
+                          <m:e>
+                            <m:r>
+                              <a:rPr lang="en-US" i="1">
+                                <a:latin typeface="Cambria Math"/>
+                              </a:rPr>
+                              <m:t>(</m:t>
+                            </m:r>
+                            <m:r>
+                              <a:rPr lang="en-US" i="1">
+                                <a:latin typeface="Cambria Math"/>
+                              </a:rPr>
+                              <m:t>𝑢𝑛𝑖𝑡𝑠</m:t>
+                            </m:r>
+                            <m:r>
+                              <a:rPr lang="en-US" i="1">
+                                <a:latin typeface="Cambria Math"/>
+                              </a:rPr>
+                              <m:t>)</m:t>
+                            </m:r>
+                          </m:e>
+                        </m:nary>
+                      </m:den>
+                    </m:f>
+                  </m:oMath>
+                </a14:m>
+                <a:endParaRPr lang="en-US" smtClean="0"/>
+              </a:p>
+              <a:p>
+                <a:endParaRPr lang="fa-IR" smtClean="0"/>
+              </a:p>
+              <a:p>
+                <a:r>
+                  <a:rPr lang="fa-IR" smtClean="0"/>
+                  <a:t>اکتورهای دارای نقش</a:t>
+                </a:r>
+              </a:p>
+              <a:p>
+                <a:pPr lvl="1"/>
+                <a:r>
+                  <a:rPr lang="fa-IR" smtClean="0"/>
+                  <a:t>دانشجو</a:t>
+                </a:r>
+                <a:endParaRPr lang="en-US" smtClean="0"/>
+              </a:p>
+              <a:p>
+                <a:pPr marL="114300" indent="0">
+                  <a:buNone/>
+                </a:pPr>
+                <a:endParaRPr lang="en-US" smtClean="0"/>
+              </a:p>
+              <a:p>
+                <a:pPr marL="114300" indent="0">
+                  <a:buNone/>
+                </a:pPr>
+                <a:endParaRPr lang="fa-IR" smtClean="0"/>
+              </a:p>
+            </p:txBody>
+          </p:sp>
+        </mc:Choice>
+        <mc:Fallback>
+          <p:sp>
+            <p:nvSpPr>
+              <p:cNvPr id="3" name="Content Placeholder 2"/>
+              <p:cNvSpPr>
+                <a:spLocks noGrp="1" noRot="1" noChangeAspect="1" noMove="1" noResize="1" noEditPoints="1" noAdjustHandles="1" noChangeArrowheads="1" noChangeShapeType="1" noTextEdit="1"/>
+              </p:cNvSpPr>
+              <p:nvPr>
+                <p:ph idx="1"/>
+              </p:nvPr>
+            </p:nvSpPr>
+            <p:spPr>
+              <a:blipFill rotWithShape="1">
+                <a:blip r:embed="rId2"/>
+                <a:stretch>
+                  <a:fillRect/>
+                </a:stretch>
+              </a:blipFill>
+            </p:spPr>
+            <p:txBody>
+              <a:bodyPr/>
+              <a:lstStyle/>
+              <a:p>
+                <a:r>
+                  <a:rPr lang="en-US">
+                    <a:noFill/>
+                  </a:rPr>
+                  <a:t> </a:t>
+                </a:r>
+              </a:p>
+            </p:txBody>
+          </p:sp>
+        </mc:Fallback>
+      </mc:AlternateContent>
+      <p:pic>
+        <p:nvPicPr>
+          <p:cNvPr id="4" name="Content Placeholder 4"/>
+          <p:cNvPicPr>
+            <a:picLocks noChangeAspect="1"/>
+          </p:cNvPicPr>
+          <p:nvPr/>
+        </p:nvPicPr>
+        <p:blipFill>
+          <a:blip r:embed="rId3" cstate="print">
+            <a:extLst>
+              <a:ext uri="{28A0092B-C50C-407E-A947-70E740481C1C}">
+                <a14:useLocalDpi xmlns:a14="http://schemas.microsoft.com/office/drawing/2010/main" val="0"/>
+              </a:ext>
+            </a:extLst>
+          </a:blip>
+          <a:stretch>
+            <a:fillRect/>
+          </a:stretch>
+        </p:blipFill>
+        <p:spPr>
+          <a:xfrm>
+            <a:off x="304800" y="2133600"/>
+            <a:ext cx="4419600" cy="4419600"/>
+          </a:xfrm>
+          <a:prstGeom prst="rect">
+            <a:avLst/>
+          </a:prstGeom>
+        </p:spPr>
+      </p:pic>
+      <p:sp>
+        <p:nvSpPr>
+          <p:cNvPr id="6" name="Oval 5"/>
           <p:cNvSpPr/>
           <p:nvPr/>
         </p:nvSpPr>
         <p:spPr>
           <a:xfrm>
-            <a:off x="533400" y="3226533"/>
-            <a:ext cx="1143000" cy="251460"/>
+            <a:off x="228600" y="1676400"/>
+            <a:ext cx="1524000" cy="1524000"/>
           </a:xfrm>
-          <a:prstGeom prst="rightArrow">
+          <a:prstGeom prst="ellipse">
             <a:avLst/>
           </a:prstGeom>
+          <a:solidFill>
+            <a:srgbClr val="CEB966">
+              <a:alpha val="30196"/>
+            </a:srgbClr>
+          </a:solidFill>
         </p:spPr>
         <p:style>
           <a:lnRef idx="2">
@@ -4241,10 +5659,1401 @@
           </a:p>
         </p:txBody>
       </p:sp>
+      <p:sp>
+        <p:nvSpPr>
+          <p:cNvPr id="5" name="Slide Number Placeholder 4"/>
+          <p:cNvSpPr>
+            <a:spLocks noGrp="1"/>
+          </p:cNvSpPr>
+          <p:nvPr>
+            <p:ph type="sldNum" sz="quarter" idx="12"/>
+          </p:nvPr>
+        </p:nvSpPr>
+        <p:spPr/>
+        <p:txBody>
+          <a:bodyPr/>
+          <a:lstStyle/>
+          <a:p>
+            <a:fld id="{7800738A-F715-4360-B8B2-93AC517FA922}" type="slidenum">
+              <a:rPr lang="fa-IR" noProof="0" smtClean="0"/>
+              <a:t>16</a:t>
+            </a:fld>
+            <a:endParaRPr lang="fa-IR" noProof="0"/>
+          </a:p>
+        </p:txBody>
+      </p:sp>
     </p:spTree>
     <p:extLst>
       <p:ext uri="{BB962C8B-B14F-4D97-AF65-F5344CB8AC3E}">
-        <p14:creationId xmlns:p14="http://schemas.microsoft.com/office/powerpoint/2010/main" val="1766325194"/>
+        <p14:creationId xmlns:p14="http://schemas.microsoft.com/office/powerpoint/2010/main" val="3706928075"/>
+      </p:ext>
+    </p:extLst>
+  </p:cSld>
+  <p:clrMapOvr>
+    <a:masterClrMapping/>
+  </p:clrMapOvr>
+  <p:timing>
+    <p:tnLst>
+      <p:par>
+        <p:cTn id="1" dur="indefinite" restart="never" nodeType="tmRoot"/>
+      </p:par>
+    </p:tnLst>
+  </p:timing>
+</p:sld>
+</file>
+
+<file path=ppt/slides/slide17.xml><?xml version="1.0" encoding="utf-8"?>
+<p:sld xmlns:a="http://schemas.openxmlformats.org/drawingml/2006/main" xmlns:r="http://schemas.openxmlformats.org/officeDocument/2006/relationships" xmlns:p="http://schemas.openxmlformats.org/presentationml/2006/main">
+  <p:cSld>
+    <p:spTree>
+      <p:nvGrpSpPr>
+        <p:cNvPr id="1" name=""/>
+        <p:cNvGrpSpPr/>
+        <p:nvPr/>
+      </p:nvGrpSpPr>
+      <p:grpSpPr>
+        <a:xfrm>
+          <a:off x="0" y="0"/>
+          <a:ext cx="0" cy="0"/>
+          <a:chOff x="0" y="0"/>
+          <a:chExt cx="0" cy="0"/>
+        </a:xfrm>
+      </p:grpSpPr>
+      <p:sp>
+        <p:nvSpPr>
+          <p:cNvPr id="2" name="Title 1"/>
+          <p:cNvSpPr>
+            <a:spLocks noGrp="1"/>
+          </p:cNvSpPr>
+          <p:nvPr>
+            <p:ph type="title"/>
+          </p:nvPr>
+        </p:nvSpPr>
+        <p:spPr/>
+        <p:txBody>
+          <a:bodyPr/>
+          <a:lstStyle/>
+          <a:p>
+            <a:r>
+              <a:rPr lang="fa-IR" smtClean="0"/>
+              <a:t>طراحی مورد کاربرد محاسبه‌ی معدل</a:t>
+            </a:r>
+            <a:endParaRPr lang="en-US"/>
+          </a:p>
+        </p:txBody>
+      </p:sp>
+      <mc:AlternateContent xmlns:mc="http://schemas.openxmlformats.org/markup-compatibility/2006">
+        <mc:Choice xmlns:a14="http://schemas.microsoft.com/office/drawing/2010/main" Requires="a14">
+          <p:sp>
+            <p:nvSpPr>
+              <p:cNvPr id="3" name="Content Placeholder 2"/>
+              <p:cNvSpPr>
+                <a:spLocks noGrp="1"/>
+              </p:cNvSpPr>
+              <p:nvPr>
+                <p:ph idx="1"/>
+              </p:nvPr>
+            </p:nvSpPr>
+            <p:spPr/>
+            <p:txBody>
+              <a:bodyPr/>
+              <a:lstStyle/>
+              <a:p>
+                <a14:m>
+                  <m:oMath xmlns:m="http://schemas.openxmlformats.org/officeDocument/2006/math">
+                    <m:r>
+                      <a:rPr lang="en-US" i="1">
+                        <a:latin typeface="Cambria Math"/>
+                      </a:rPr>
+                      <m:t>𝑔𝑝𝑎</m:t>
+                    </m:r>
+                    <m:r>
+                      <a:rPr lang="en-US" i="1">
+                        <a:latin typeface="Cambria Math"/>
+                      </a:rPr>
+                      <m:t>=</m:t>
+                    </m:r>
+                    <m:f>
+                      <m:fPr>
+                        <m:ctrlPr>
+                          <a:rPr lang="en-US" i="1">
+                            <a:latin typeface="Cambria Math"/>
+                          </a:rPr>
+                        </m:ctrlPr>
+                      </m:fPr>
+                      <m:num>
+                        <m:nary>
+                          <m:naryPr>
+                            <m:chr m:val="∑"/>
+                            <m:subHide m:val="on"/>
+                            <m:supHide m:val="on"/>
+                            <m:ctrlPr>
+                              <a:rPr lang="en-US" i="1">
+                                <a:latin typeface="Cambria Math"/>
+                              </a:rPr>
+                            </m:ctrlPr>
+                          </m:naryPr>
+                          <m:sub/>
+                          <m:sup/>
+                          <m:e>
+                            <m:r>
+                              <a:rPr lang="en-US" i="1">
+                                <a:latin typeface="Cambria Math"/>
+                              </a:rPr>
+                              <m:t>(</m:t>
+                            </m:r>
+                            <m:r>
+                              <a:rPr lang="en-US" i="1">
+                                <a:latin typeface="Cambria Math"/>
+                              </a:rPr>
+                              <m:t>𝑔𝑟𝑎𝑑𝑒</m:t>
+                            </m:r>
+                            <m:r>
+                              <a:rPr lang="en-US" i="1">
+                                <a:latin typeface="Cambria Math"/>
+                              </a:rPr>
+                              <m:t>∗</m:t>
+                            </m:r>
+                            <m:r>
+                              <a:rPr lang="en-US" i="1">
+                                <a:latin typeface="Cambria Math"/>
+                              </a:rPr>
+                              <m:t>𝑢𝑛𝑖𝑡𝑠</m:t>
+                            </m:r>
+                            <m:r>
+                              <a:rPr lang="en-US" i="1">
+                                <a:latin typeface="Cambria Math"/>
+                              </a:rPr>
+                              <m:t>)</m:t>
+                            </m:r>
+                          </m:e>
+                        </m:nary>
+                      </m:num>
+                      <m:den>
+                        <m:nary>
+                          <m:naryPr>
+                            <m:chr m:val="∑"/>
+                            <m:subHide m:val="on"/>
+                            <m:supHide m:val="on"/>
+                            <m:ctrlPr>
+                              <a:rPr lang="en-US" i="1">
+                                <a:latin typeface="Cambria Math"/>
+                              </a:rPr>
+                            </m:ctrlPr>
+                          </m:naryPr>
+                          <m:sub/>
+                          <m:sup/>
+                          <m:e>
+                            <m:r>
+                              <a:rPr lang="en-US" i="1">
+                                <a:latin typeface="Cambria Math"/>
+                              </a:rPr>
+                              <m:t>(</m:t>
+                            </m:r>
+                            <m:r>
+                              <a:rPr lang="en-US" i="1">
+                                <a:latin typeface="Cambria Math"/>
+                              </a:rPr>
+                              <m:t>𝑢𝑛𝑖𝑡𝑠</m:t>
+                            </m:r>
+                            <m:r>
+                              <a:rPr lang="en-US" i="1">
+                                <a:latin typeface="Cambria Math"/>
+                              </a:rPr>
+                              <m:t>)</m:t>
+                            </m:r>
+                          </m:e>
+                        </m:nary>
+                      </m:den>
+                    </m:f>
+                  </m:oMath>
+                </a14:m>
+                <a:endParaRPr lang="en-US" smtClean="0"/>
+              </a:p>
+              <a:p>
+                <a:endParaRPr lang="fa-IR" smtClean="0"/>
+              </a:p>
+              <a:p>
+                <a:r>
+                  <a:rPr lang="fa-IR" smtClean="0"/>
+                  <a:t>اکتورهای دارای نقش</a:t>
+                </a:r>
+              </a:p>
+              <a:p>
+                <a:pPr lvl="1"/>
+                <a:r>
+                  <a:rPr lang="fa-IR" smtClean="0"/>
+                  <a:t>دانشجو</a:t>
+                </a:r>
+              </a:p>
+              <a:p>
+                <a:pPr lvl="1"/>
+                <a:r>
+                  <a:rPr lang="fa-IR" smtClean="0"/>
+                  <a:t>سابقه</a:t>
+                </a:r>
+                <a:endParaRPr lang="en-US" smtClean="0"/>
+              </a:p>
+              <a:p>
+                <a:pPr marL="114300" indent="0">
+                  <a:buNone/>
+                </a:pPr>
+                <a:endParaRPr lang="en-US" smtClean="0"/>
+              </a:p>
+              <a:p>
+                <a:pPr marL="114300" indent="0">
+                  <a:buNone/>
+                </a:pPr>
+                <a:endParaRPr lang="fa-IR" smtClean="0"/>
+              </a:p>
+            </p:txBody>
+          </p:sp>
+        </mc:Choice>
+        <mc:Fallback>
+          <p:sp>
+            <p:nvSpPr>
+              <p:cNvPr id="3" name="Content Placeholder 2"/>
+              <p:cNvSpPr>
+                <a:spLocks noGrp="1" noRot="1" noChangeAspect="1" noMove="1" noResize="1" noEditPoints="1" noAdjustHandles="1" noChangeArrowheads="1" noChangeShapeType="1" noTextEdit="1"/>
+              </p:cNvSpPr>
+              <p:nvPr>
+                <p:ph idx="1"/>
+              </p:nvPr>
+            </p:nvSpPr>
+            <p:spPr>
+              <a:blipFill rotWithShape="1">
+                <a:blip r:embed="rId2"/>
+                <a:stretch>
+                  <a:fillRect/>
+                </a:stretch>
+              </a:blipFill>
+            </p:spPr>
+            <p:txBody>
+              <a:bodyPr/>
+              <a:lstStyle/>
+              <a:p>
+                <a:r>
+                  <a:rPr lang="en-US">
+                    <a:noFill/>
+                  </a:rPr>
+                  <a:t> </a:t>
+                </a:r>
+              </a:p>
+            </p:txBody>
+          </p:sp>
+        </mc:Fallback>
+      </mc:AlternateContent>
+      <p:pic>
+        <p:nvPicPr>
+          <p:cNvPr id="4" name="Content Placeholder 4"/>
+          <p:cNvPicPr>
+            <a:picLocks noChangeAspect="1"/>
+          </p:cNvPicPr>
+          <p:nvPr/>
+        </p:nvPicPr>
+        <p:blipFill>
+          <a:blip r:embed="rId3" cstate="print">
+            <a:extLst>
+              <a:ext uri="{28A0092B-C50C-407E-A947-70E740481C1C}">
+                <a14:useLocalDpi xmlns:a14="http://schemas.microsoft.com/office/drawing/2010/main" val="0"/>
+              </a:ext>
+            </a:extLst>
+          </a:blip>
+          <a:stretch>
+            <a:fillRect/>
+          </a:stretch>
+        </p:blipFill>
+        <p:spPr>
+          <a:xfrm>
+            <a:off x="304800" y="2133600"/>
+            <a:ext cx="4419600" cy="4419600"/>
+          </a:xfrm>
+          <a:prstGeom prst="rect">
+            <a:avLst/>
+          </a:prstGeom>
+        </p:spPr>
+      </p:pic>
+      <p:sp>
+        <p:nvSpPr>
+          <p:cNvPr id="6" name="Oval 5"/>
+          <p:cNvSpPr/>
+          <p:nvPr/>
+        </p:nvSpPr>
+        <p:spPr>
+          <a:xfrm>
+            <a:off x="228600" y="1676400"/>
+            <a:ext cx="1524000" cy="1524000"/>
+          </a:xfrm>
+          <a:prstGeom prst="ellipse">
+            <a:avLst/>
+          </a:prstGeom>
+          <a:solidFill>
+            <a:srgbClr val="CEB966">
+              <a:alpha val="30196"/>
+            </a:srgbClr>
+          </a:solidFill>
+        </p:spPr>
+        <p:style>
+          <a:lnRef idx="2">
+            <a:schemeClr val="accent1">
+              <a:shade val="50000"/>
+            </a:schemeClr>
+          </a:lnRef>
+          <a:fillRef idx="1">
+            <a:schemeClr val="accent1"/>
+          </a:fillRef>
+          <a:effectRef idx="0">
+            <a:schemeClr val="accent1"/>
+          </a:effectRef>
+          <a:fontRef idx="minor">
+            <a:schemeClr val="lt1"/>
+          </a:fontRef>
+        </p:style>
+        <p:txBody>
+          <a:bodyPr rtlCol="0" anchor="ctr"/>
+          <a:lstStyle/>
+          <a:p>
+            <a:pPr algn="ctr"/>
+            <a:endParaRPr lang="en-US"/>
+          </a:p>
+        </p:txBody>
+      </p:sp>
+      <p:sp>
+        <p:nvSpPr>
+          <p:cNvPr id="7" name="Oval 6"/>
+          <p:cNvSpPr/>
+          <p:nvPr/>
+        </p:nvSpPr>
+        <p:spPr>
+          <a:xfrm>
+            <a:off x="3200400" y="1676400"/>
+            <a:ext cx="1524000" cy="1524000"/>
+          </a:xfrm>
+          <a:prstGeom prst="ellipse">
+            <a:avLst/>
+          </a:prstGeom>
+          <a:solidFill>
+            <a:srgbClr val="CEB966">
+              <a:alpha val="30196"/>
+            </a:srgbClr>
+          </a:solidFill>
+        </p:spPr>
+        <p:style>
+          <a:lnRef idx="2">
+            <a:schemeClr val="accent1">
+              <a:shade val="50000"/>
+            </a:schemeClr>
+          </a:lnRef>
+          <a:fillRef idx="1">
+            <a:schemeClr val="accent1"/>
+          </a:fillRef>
+          <a:effectRef idx="0">
+            <a:schemeClr val="accent1"/>
+          </a:effectRef>
+          <a:fontRef idx="minor">
+            <a:schemeClr val="lt1"/>
+          </a:fontRef>
+        </p:style>
+        <p:txBody>
+          <a:bodyPr rtlCol="0" anchor="ctr"/>
+          <a:lstStyle/>
+          <a:p>
+            <a:pPr algn="ctr"/>
+            <a:endParaRPr lang="en-US"/>
+          </a:p>
+        </p:txBody>
+      </p:sp>
+      <p:sp>
+        <p:nvSpPr>
+          <p:cNvPr id="8" name="Slide Number Placeholder 7"/>
+          <p:cNvSpPr>
+            <a:spLocks noGrp="1"/>
+          </p:cNvSpPr>
+          <p:nvPr>
+            <p:ph type="sldNum" sz="quarter" idx="12"/>
+          </p:nvPr>
+        </p:nvSpPr>
+        <p:spPr/>
+        <p:txBody>
+          <a:bodyPr/>
+          <a:lstStyle/>
+          <a:p>
+            <a:fld id="{7800738A-F715-4360-B8B2-93AC517FA922}" type="slidenum">
+              <a:rPr lang="fa-IR" noProof="0" smtClean="0"/>
+              <a:t>17</a:t>
+            </a:fld>
+            <a:endParaRPr lang="fa-IR" noProof="0"/>
+          </a:p>
+        </p:txBody>
+      </p:sp>
+    </p:spTree>
+    <p:extLst>
+      <p:ext uri="{BB962C8B-B14F-4D97-AF65-F5344CB8AC3E}">
+        <p14:creationId xmlns:p14="http://schemas.microsoft.com/office/powerpoint/2010/main" val="450475295"/>
+      </p:ext>
+    </p:extLst>
+  </p:cSld>
+  <p:clrMapOvr>
+    <a:masterClrMapping/>
+  </p:clrMapOvr>
+  <p:timing>
+    <p:tnLst>
+      <p:par>
+        <p:cTn id="1" dur="indefinite" restart="never" nodeType="tmRoot"/>
+      </p:par>
+    </p:tnLst>
+  </p:timing>
+</p:sld>
+</file>
+
+<file path=ppt/slides/slide18.xml><?xml version="1.0" encoding="utf-8"?>
+<p:sld xmlns:a="http://schemas.openxmlformats.org/drawingml/2006/main" xmlns:r="http://schemas.openxmlformats.org/officeDocument/2006/relationships" xmlns:p="http://schemas.openxmlformats.org/presentationml/2006/main">
+  <p:cSld>
+    <p:spTree>
+      <p:nvGrpSpPr>
+        <p:cNvPr id="1" name=""/>
+        <p:cNvGrpSpPr/>
+        <p:nvPr/>
+      </p:nvGrpSpPr>
+      <p:grpSpPr>
+        <a:xfrm>
+          <a:off x="0" y="0"/>
+          <a:ext cx="0" cy="0"/>
+          <a:chOff x="0" y="0"/>
+          <a:chExt cx="0" cy="0"/>
+        </a:xfrm>
+      </p:grpSpPr>
+      <p:sp>
+        <p:nvSpPr>
+          <p:cNvPr id="2" name="Title 1"/>
+          <p:cNvSpPr>
+            <a:spLocks noGrp="1"/>
+          </p:cNvSpPr>
+          <p:nvPr>
+            <p:ph type="title"/>
+          </p:nvPr>
+        </p:nvSpPr>
+        <p:spPr/>
+        <p:txBody>
+          <a:bodyPr/>
+          <a:lstStyle/>
+          <a:p>
+            <a:r>
+              <a:rPr lang="fa-IR" smtClean="0"/>
+              <a:t>طراحی مورد کاربرد محاسبه‌ی معدل</a:t>
+            </a:r>
+            <a:endParaRPr lang="en-US"/>
+          </a:p>
+        </p:txBody>
+      </p:sp>
+      <mc:AlternateContent xmlns:mc="http://schemas.openxmlformats.org/markup-compatibility/2006">
+        <mc:Choice xmlns:a14="http://schemas.microsoft.com/office/drawing/2010/main" Requires="a14">
+          <p:sp>
+            <p:nvSpPr>
+              <p:cNvPr id="3" name="Content Placeholder 2"/>
+              <p:cNvSpPr>
+                <a:spLocks noGrp="1"/>
+              </p:cNvSpPr>
+              <p:nvPr>
+                <p:ph idx="1"/>
+              </p:nvPr>
+            </p:nvSpPr>
+            <p:spPr/>
+            <p:txBody>
+              <a:bodyPr/>
+              <a:lstStyle/>
+              <a:p>
+                <a14:m>
+                  <m:oMath xmlns:m="http://schemas.openxmlformats.org/officeDocument/2006/math">
+                    <m:r>
+                      <a:rPr lang="en-US" i="1">
+                        <a:latin typeface="Cambria Math"/>
+                      </a:rPr>
+                      <m:t>𝑔𝑝𝑎</m:t>
+                    </m:r>
+                    <m:r>
+                      <a:rPr lang="en-US" i="1">
+                        <a:latin typeface="Cambria Math"/>
+                      </a:rPr>
+                      <m:t>=</m:t>
+                    </m:r>
+                    <m:f>
+                      <m:fPr>
+                        <m:ctrlPr>
+                          <a:rPr lang="en-US" i="1">
+                            <a:latin typeface="Cambria Math"/>
+                          </a:rPr>
+                        </m:ctrlPr>
+                      </m:fPr>
+                      <m:num>
+                        <m:nary>
+                          <m:naryPr>
+                            <m:chr m:val="∑"/>
+                            <m:subHide m:val="on"/>
+                            <m:supHide m:val="on"/>
+                            <m:ctrlPr>
+                              <a:rPr lang="en-US" i="1">
+                                <a:latin typeface="Cambria Math"/>
+                              </a:rPr>
+                            </m:ctrlPr>
+                          </m:naryPr>
+                          <m:sub/>
+                          <m:sup/>
+                          <m:e>
+                            <m:r>
+                              <a:rPr lang="en-US" i="1">
+                                <a:latin typeface="Cambria Math"/>
+                              </a:rPr>
+                              <m:t>(</m:t>
+                            </m:r>
+                            <m:r>
+                              <a:rPr lang="en-US" i="1">
+                                <a:latin typeface="Cambria Math"/>
+                              </a:rPr>
+                              <m:t>𝑔𝑟𝑎𝑑𝑒</m:t>
+                            </m:r>
+                            <m:r>
+                              <a:rPr lang="en-US" i="1">
+                                <a:latin typeface="Cambria Math"/>
+                              </a:rPr>
+                              <m:t>∗</m:t>
+                            </m:r>
+                            <m:r>
+                              <a:rPr lang="en-US" i="1">
+                                <a:latin typeface="Cambria Math"/>
+                              </a:rPr>
+                              <m:t>𝑢𝑛𝑖𝑡𝑠</m:t>
+                            </m:r>
+                            <m:r>
+                              <a:rPr lang="en-US" i="1">
+                                <a:latin typeface="Cambria Math"/>
+                              </a:rPr>
+                              <m:t>)</m:t>
+                            </m:r>
+                          </m:e>
+                        </m:nary>
+                      </m:num>
+                      <m:den>
+                        <m:nary>
+                          <m:naryPr>
+                            <m:chr m:val="∑"/>
+                            <m:subHide m:val="on"/>
+                            <m:supHide m:val="on"/>
+                            <m:ctrlPr>
+                              <a:rPr lang="en-US" i="1">
+                                <a:latin typeface="Cambria Math"/>
+                              </a:rPr>
+                            </m:ctrlPr>
+                          </m:naryPr>
+                          <m:sub/>
+                          <m:sup/>
+                          <m:e>
+                            <m:r>
+                              <a:rPr lang="en-US" i="1">
+                                <a:latin typeface="Cambria Math"/>
+                              </a:rPr>
+                              <m:t>(</m:t>
+                            </m:r>
+                            <m:r>
+                              <a:rPr lang="en-US" i="1">
+                                <a:latin typeface="Cambria Math"/>
+                              </a:rPr>
+                              <m:t>𝑢𝑛𝑖𝑡𝑠</m:t>
+                            </m:r>
+                            <m:r>
+                              <a:rPr lang="en-US" i="1">
+                                <a:latin typeface="Cambria Math"/>
+                              </a:rPr>
+                              <m:t>)</m:t>
+                            </m:r>
+                          </m:e>
+                        </m:nary>
+                      </m:den>
+                    </m:f>
+                  </m:oMath>
+                </a14:m>
+                <a:endParaRPr lang="en-US" smtClean="0"/>
+              </a:p>
+              <a:p>
+                <a:endParaRPr lang="fa-IR" smtClean="0"/>
+              </a:p>
+              <a:p>
+                <a:r>
+                  <a:rPr lang="fa-IR" smtClean="0"/>
+                  <a:t>اکتورهای دارای نقش</a:t>
+                </a:r>
+              </a:p>
+              <a:p>
+                <a:pPr lvl="1"/>
+                <a:r>
+                  <a:rPr lang="fa-IR" smtClean="0"/>
+                  <a:t>دانشجو</a:t>
+                </a:r>
+              </a:p>
+              <a:p>
+                <a:pPr lvl="1"/>
+                <a:r>
+                  <a:rPr lang="fa-IR" smtClean="0"/>
+                  <a:t>سابقه</a:t>
+                </a:r>
+              </a:p>
+              <a:p>
+                <a:pPr lvl="1"/>
+                <a:r>
+                  <a:rPr lang="fa-IR" smtClean="0"/>
+                  <a:t>درس</a:t>
+                </a:r>
+                <a:endParaRPr lang="en-US" smtClean="0"/>
+              </a:p>
+              <a:p>
+                <a:pPr marL="114300" indent="0">
+                  <a:buNone/>
+                </a:pPr>
+                <a:endParaRPr lang="en-US" smtClean="0"/>
+              </a:p>
+              <a:p>
+                <a:pPr marL="114300" indent="0">
+                  <a:buNone/>
+                </a:pPr>
+                <a:endParaRPr lang="fa-IR" smtClean="0"/>
+              </a:p>
+            </p:txBody>
+          </p:sp>
+        </mc:Choice>
+        <mc:Fallback>
+          <p:sp>
+            <p:nvSpPr>
+              <p:cNvPr id="3" name="Content Placeholder 2"/>
+              <p:cNvSpPr>
+                <a:spLocks noGrp="1" noRot="1" noChangeAspect="1" noMove="1" noResize="1" noEditPoints="1" noAdjustHandles="1" noChangeArrowheads="1" noChangeShapeType="1" noTextEdit="1"/>
+              </p:cNvSpPr>
+              <p:nvPr>
+                <p:ph idx="1"/>
+              </p:nvPr>
+            </p:nvSpPr>
+            <p:spPr>
+              <a:blipFill rotWithShape="1">
+                <a:blip r:embed="rId2"/>
+                <a:stretch>
+                  <a:fillRect/>
+                </a:stretch>
+              </a:blipFill>
+            </p:spPr>
+            <p:txBody>
+              <a:bodyPr/>
+              <a:lstStyle/>
+              <a:p>
+                <a:r>
+                  <a:rPr lang="en-US">
+                    <a:noFill/>
+                  </a:rPr>
+                  <a:t> </a:t>
+                </a:r>
+              </a:p>
+            </p:txBody>
+          </p:sp>
+        </mc:Fallback>
+      </mc:AlternateContent>
+      <p:pic>
+        <p:nvPicPr>
+          <p:cNvPr id="4" name="Content Placeholder 4"/>
+          <p:cNvPicPr>
+            <a:picLocks noChangeAspect="1"/>
+          </p:cNvPicPr>
+          <p:nvPr/>
+        </p:nvPicPr>
+        <p:blipFill>
+          <a:blip r:embed="rId3" cstate="print">
+            <a:extLst>
+              <a:ext uri="{28A0092B-C50C-407E-A947-70E740481C1C}">
+                <a14:useLocalDpi xmlns:a14="http://schemas.microsoft.com/office/drawing/2010/main" val="0"/>
+              </a:ext>
+            </a:extLst>
+          </a:blip>
+          <a:stretch>
+            <a:fillRect/>
+          </a:stretch>
+        </p:blipFill>
+        <p:spPr>
+          <a:xfrm>
+            <a:off x="304800" y="2133600"/>
+            <a:ext cx="4419600" cy="4419600"/>
+          </a:xfrm>
+          <a:prstGeom prst="rect">
+            <a:avLst/>
+          </a:prstGeom>
+        </p:spPr>
+      </p:pic>
+      <p:sp>
+        <p:nvSpPr>
+          <p:cNvPr id="6" name="Oval 5"/>
+          <p:cNvSpPr/>
+          <p:nvPr/>
+        </p:nvSpPr>
+        <p:spPr>
+          <a:xfrm>
+            <a:off x="228600" y="1676400"/>
+            <a:ext cx="1524000" cy="1524000"/>
+          </a:xfrm>
+          <a:prstGeom prst="ellipse">
+            <a:avLst/>
+          </a:prstGeom>
+          <a:solidFill>
+            <a:srgbClr val="CEB966">
+              <a:alpha val="30196"/>
+            </a:srgbClr>
+          </a:solidFill>
+        </p:spPr>
+        <p:style>
+          <a:lnRef idx="2">
+            <a:schemeClr val="accent1">
+              <a:shade val="50000"/>
+            </a:schemeClr>
+          </a:lnRef>
+          <a:fillRef idx="1">
+            <a:schemeClr val="accent1"/>
+          </a:fillRef>
+          <a:effectRef idx="0">
+            <a:schemeClr val="accent1"/>
+          </a:effectRef>
+          <a:fontRef idx="minor">
+            <a:schemeClr val="lt1"/>
+          </a:fontRef>
+        </p:style>
+        <p:txBody>
+          <a:bodyPr rtlCol="0" anchor="ctr"/>
+          <a:lstStyle/>
+          <a:p>
+            <a:pPr algn="ctr"/>
+            <a:endParaRPr lang="en-US"/>
+          </a:p>
+        </p:txBody>
+      </p:sp>
+      <p:sp>
+        <p:nvSpPr>
+          <p:cNvPr id="7" name="Oval 6"/>
+          <p:cNvSpPr/>
+          <p:nvPr/>
+        </p:nvSpPr>
+        <p:spPr>
+          <a:xfrm>
+            <a:off x="3200400" y="1676400"/>
+            <a:ext cx="1524000" cy="1524000"/>
+          </a:xfrm>
+          <a:prstGeom prst="ellipse">
+            <a:avLst/>
+          </a:prstGeom>
+          <a:solidFill>
+            <a:srgbClr val="CEB966">
+              <a:alpha val="30196"/>
+            </a:srgbClr>
+          </a:solidFill>
+        </p:spPr>
+        <p:style>
+          <a:lnRef idx="2">
+            <a:schemeClr val="accent1">
+              <a:shade val="50000"/>
+            </a:schemeClr>
+          </a:lnRef>
+          <a:fillRef idx="1">
+            <a:schemeClr val="accent1"/>
+          </a:fillRef>
+          <a:effectRef idx="0">
+            <a:schemeClr val="accent1"/>
+          </a:effectRef>
+          <a:fontRef idx="minor">
+            <a:schemeClr val="lt1"/>
+          </a:fontRef>
+        </p:style>
+        <p:txBody>
+          <a:bodyPr rtlCol="0" anchor="ctr"/>
+          <a:lstStyle/>
+          <a:p>
+            <a:pPr algn="ctr"/>
+            <a:endParaRPr lang="en-US"/>
+          </a:p>
+        </p:txBody>
+      </p:sp>
+      <p:sp>
+        <p:nvSpPr>
+          <p:cNvPr id="8" name="Oval 7"/>
+          <p:cNvSpPr/>
+          <p:nvPr/>
+        </p:nvSpPr>
+        <p:spPr>
+          <a:xfrm>
+            <a:off x="3293772" y="4851042"/>
+            <a:ext cx="1524000" cy="1524000"/>
+          </a:xfrm>
+          <a:prstGeom prst="ellipse">
+            <a:avLst/>
+          </a:prstGeom>
+          <a:solidFill>
+            <a:srgbClr val="CEB966">
+              <a:alpha val="30196"/>
+            </a:srgbClr>
+          </a:solidFill>
+        </p:spPr>
+        <p:style>
+          <a:lnRef idx="2">
+            <a:schemeClr val="accent1">
+              <a:shade val="50000"/>
+            </a:schemeClr>
+          </a:lnRef>
+          <a:fillRef idx="1">
+            <a:schemeClr val="accent1"/>
+          </a:fillRef>
+          <a:effectRef idx="0">
+            <a:schemeClr val="accent1"/>
+          </a:effectRef>
+          <a:fontRef idx="minor">
+            <a:schemeClr val="lt1"/>
+          </a:fontRef>
+        </p:style>
+        <p:txBody>
+          <a:bodyPr rtlCol="0" anchor="ctr"/>
+          <a:lstStyle/>
+          <a:p>
+            <a:pPr algn="ctr"/>
+            <a:endParaRPr lang="en-US"/>
+          </a:p>
+        </p:txBody>
+      </p:sp>
+      <p:sp>
+        <p:nvSpPr>
+          <p:cNvPr id="5" name="Slide Number Placeholder 4"/>
+          <p:cNvSpPr>
+            <a:spLocks noGrp="1"/>
+          </p:cNvSpPr>
+          <p:nvPr>
+            <p:ph type="sldNum" sz="quarter" idx="12"/>
+          </p:nvPr>
+        </p:nvSpPr>
+        <p:spPr/>
+        <p:txBody>
+          <a:bodyPr/>
+          <a:lstStyle/>
+          <a:p>
+            <a:fld id="{7800738A-F715-4360-B8B2-93AC517FA922}" type="slidenum">
+              <a:rPr lang="fa-IR" noProof="0" smtClean="0"/>
+              <a:t>18</a:t>
+            </a:fld>
+            <a:endParaRPr lang="fa-IR" noProof="0"/>
+          </a:p>
+        </p:txBody>
+      </p:sp>
+    </p:spTree>
+    <p:extLst>
+      <p:ext uri="{BB962C8B-B14F-4D97-AF65-F5344CB8AC3E}">
+        <p14:creationId xmlns:p14="http://schemas.microsoft.com/office/powerpoint/2010/main" val="1885644880"/>
+      </p:ext>
+    </p:extLst>
+  </p:cSld>
+  <p:clrMapOvr>
+    <a:masterClrMapping/>
+  </p:clrMapOvr>
+  <p:timing>
+    <p:tnLst>
+      <p:par>
+        <p:cTn id="1" dur="indefinite" restart="never" nodeType="tmRoot"/>
+      </p:par>
+    </p:tnLst>
+  </p:timing>
+</p:sld>
+</file>
+
+<file path=ppt/slides/slide19.xml><?xml version="1.0" encoding="utf-8"?>
+<p:sld xmlns:a="http://schemas.openxmlformats.org/drawingml/2006/main" xmlns:r="http://schemas.openxmlformats.org/officeDocument/2006/relationships" xmlns:p="http://schemas.openxmlformats.org/presentationml/2006/main">
+  <p:cSld>
+    <p:spTree>
+      <p:nvGrpSpPr>
+        <p:cNvPr id="1" name=""/>
+        <p:cNvGrpSpPr/>
+        <p:nvPr/>
+      </p:nvGrpSpPr>
+      <p:grpSpPr>
+        <a:xfrm>
+          <a:off x="0" y="0"/>
+          <a:ext cx="0" cy="0"/>
+          <a:chOff x="0" y="0"/>
+          <a:chExt cx="0" cy="0"/>
+        </a:xfrm>
+      </p:grpSpPr>
+      <p:sp>
+        <p:nvSpPr>
+          <p:cNvPr id="2" name="Title 1"/>
+          <p:cNvSpPr>
+            <a:spLocks noGrp="1"/>
+          </p:cNvSpPr>
+          <p:nvPr>
+            <p:ph type="title"/>
+          </p:nvPr>
+        </p:nvSpPr>
+        <p:spPr/>
+        <p:txBody>
+          <a:bodyPr/>
+          <a:lstStyle/>
+          <a:p>
+            <a:r>
+              <a:rPr lang="fa-IR" smtClean="0"/>
+              <a:t>طراحی مورد کاربرد محاسبه‌ی معدل</a:t>
+            </a:r>
+            <a:endParaRPr lang="en-US"/>
+          </a:p>
+        </p:txBody>
+      </p:sp>
+      <mc:AlternateContent xmlns:mc="http://schemas.openxmlformats.org/markup-compatibility/2006">
+        <mc:Choice xmlns:a14="http://schemas.microsoft.com/office/drawing/2010/main" Requires="a14">
+          <p:sp>
+            <p:nvSpPr>
+              <p:cNvPr id="3" name="Content Placeholder 2"/>
+              <p:cNvSpPr>
+                <a:spLocks noGrp="1"/>
+              </p:cNvSpPr>
+              <p:nvPr>
+                <p:ph idx="1"/>
+              </p:nvPr>
+            </p:nvSpPr>
+            <p:spPr/>
+            <p:txBody>
+              <a:bodyPr/>
+              <a:lstStyle/>
+              <a:p>
+                <a14:m>
+                  <m:oMath xmlns:m="http://schemas.openxmlformats.org/officeDocument/2006/math">
+                    <m:r>
+                      <a:rPr lang="en-US" i="1">
+                        <a:latin typeface="Cambria Math"/>
+                      </a:rPr>
+                      <m:t>𝑔𝑝𝑎</m:t>
+                    </m:r>
+                    <m:r>
+                      <a:rPr lang="en-US" i="1">
+                        <a:latin typeface="Cambria Math"/>
+                      </a:rPr>
+                      <m:t>=</m:t>
+                    </m:r>
+                    <m:f>
+                      <m:fPr>
+                        <m:ctrlPr>
+                          <a:rPr lang="en-US" i="1">
+                            <a:latin typeface="Cambria Math"/>
+                          </a:rPr>
+                        </m:ctrlPr>
+                      </m:fPr>
+                      <m:num>
+                        <m:nary>
+                          <m:naryPr>
+                            <m:chr m:val="∑"/>
+                            <m:subHide m:val="on"/>
+                            <m:supHide m:val="on"/>
+                            <m:ctrlPr>
+                              <a:rPr lang="en-US" i="1">
+                                <a:latin typeface="Cambria Math"/>
+                              </a:rPr>
+                            </m:ctrlPr>
+                          </m:naryPr>
+                          <m:sub/>
+                          <m:sup/>
+                          <m:e>
+                            <m:r>
+                              <a:rPr lang="en-US" i="1">
+                                <a:latin typeface="Cambria Math"/>
+                              </a:rPr>
+                              <m:t>(</m:t>
+                            </m:r>
+                            <m:r>
+                              <a:rPr lang="en-US" i="1">
+                                <a:latin typeface="Cambria Math"/>
+                              </a:rPr>
+                              <m:t>𝑔𝑟𝑎𝑑𝑒</m:t>
+                            </m:r>
+                            <m:r>
+                              <a:rPr lang="en-US" i="1">
+                                <a:latin typeface="Cambria Math"/>
+                              </a:rPr>
+                              <m:t>∗</m:t>
+                            </m:r>
+                            <m:r>
+                              <a:rPr lang="en-US" i="1">
+                                <a:latin typeface="Cambria Math"/>
+                              </a:rPr>
+                              <m:t>𝑢𝑛𝑖𝑡𝑠</m:t>
+                            </m:r>
+                            <m:r>
+                              <a:rPr lang="en-US" i="1">
+                                <a:latin typeface="Cambria Math"/>
+                              </a:rPr>
+                              <m:t>)</m:t>
+                            </m:r>
+                          </m:e>
+                        </m:nary>
+                      </m:num>
+                      <m:den>
+                        <m:nary>
+                          <m:naryPr>
+                            <m:chr m:val="∑"/>
+                            <m:subHide m:val="on"/>
+                            <m:supHide m:val="on"/>
+                            <m:ctrlPr>
+                              <a:rPr lang="en-US" i="1">
+                                <a:latin typeface="Cambria Math"/>
+                              </a:rPr>
+                            </m:ctrlPr>
+                          </m:naryPr>
+                          <m:sub/>
+                          <m:sup/>
+                          <m:e>
+                            <m:r>
+                              <a:rPr lang="en-US" i="1">
+                                <a:latin typeface="Cambria Math"/>
+                              </a:rPr>
+                              <m:t>(</m:t>
+                            </m:r>
+                            <m:r>
+                              <a:rPr lang="en-US" i="1">
+                                <a:latin typeface="Cambria Math"/>
+                              </a:rPr>
+                              <m:t>𝑢𝑛𝑖𝑡𝑠</m:t>
+                            </m:r>
+                            <m:r>
+                              <a:rPr lang="en-US" i="1">
+                                <a:latin typeface="Cambria Math"/>
+                              </a:rPr>
+                              <m:t>)</m:t>
+                            </m:r>
+                          </m:e>
+                        </m:nary>
+                      </m:den>
+                    </m:f>
+                  </m:oMath>
+                </a14:m>
+                <a:endParaRPr lang="en-US" smtClean="0"/>
+              </a:p>
+              <a:p>
+                <a:endParaRPr lang="fa-IR" smtClean="0"/>
+              </a:p>
+              <a:p>
+                <a:r>
+                  <a:rPr lang="fa-IR" smtClean="0"/>
+                  <a:t>اکتورهای دارای نقش</a:t>
+                </a:r>
+              </a:p>
+              <a:p>
+                <a:pPr lvl="1"/>
+                <a:r>
+                  <a:rPr lang="fa-IR" smtClean="0"/>
+                  <a:t>دانشجو</a:t>
+                </a:r>
+              </a:p>
+              <a:p>
+                <a:pPr lvl="1"/>
+                <a:r>
+                  <a:rPr lang="fa-IR" smtClean="0"/>
+                  <a:t>سابقه</a:t>
+                </a:r>
+              </a:p>
+              <a:p>
+                <a:pPr lvl="1"/>
+                <a:r>
+                  <a:rPr lang="fa-IR" smtClean="0"/>
+                  <a:t>درس</a:t>
+                </a:r>
+              </a:p>
+              <a:p>
+                <a:pPr lvl="1"/>
+                <a:r>
+                  <a:rPr lang="fa-IR" smtClean="0"/>
+                  <a:t>ترم</a:t>
+                </a:r>
+                <a:endParaRPr lang="en-US" smtClean="0"/>
+              </a:p>
+              <a:p>
+                <a:pPr marL="114300" indent="0">
+                  <a:buNone/>
+                </a:pPr>
+                <a:endParaRPr lang="en-US" smtClean="0"/>
+              </a:p>
+              <a:p>
+                <a:pPr marL="114300" indent="0">
+                  <a:buNone/>
+                </a:pPr>
+                <a:endParaRPr lang="fa-IR" smtClean="0"/>
+              </a:p>
+            </p:txBody>
+          </p:sp>
+        </mc:Choice>
+        <mc:Fallback>
+          <p:sp>
+            <p:nvSpPr>
+              <p:cNvPr id="3" name="Content Placeholder 2"/>
+              <p:cNvSpPr>
+                <a:spLocks noGrp="1" noRot="1" noChangeAspect="1" noMove="1" noResize="1" noEditPoints="1" noAdjustHandles="1" noChangeArrowheads="1" noChangeShapeType="1" noTextEdit="1"/>
+              </p:cNvSpPr>
+              <p:nvPr>
+                <p:ph idx="1"/>
+              </p:nvPr>
+            </p:nvSpPr>
+            <p:spPr>
+              <a:blipFill rotWithShape="1">
+                <a:blip r:embed="rId2"/>
+                <a:stretch>
+                  <a:fillRect/>
+                </a:stretch>
+              </a:blipFill>
+            </p:spPr>
+            <p:txBody>
+              <a:bodyPr/>
+              <a:lstStyle/>
+              <a:p>
+                <a:r>
+                  <a:rPr lang="en-US">
+                    <a:noFill/>
+                  </a:rPr>
+                  <a:t> </a:t>
+                </a:r>
+              </a:p>
+            </p:txBody>
+          </p:sp>
+        </mc:Fallback>
+      </mc:AlternateContent>
+      <p:pic>
+        <p:nvPicPr>
+          <p:cNvPr id="4" name="Content Placeholder 4"/>
+          <p:cNvPicPr>
+            <a:picLocks noChangeAspect="1"/>
+          </p:cNvPicPr>
+          <p:nvPr/>
+        </p:nvPicPr>
+        <p:blipFill>
+          <a:blip r:embed="rId3" cstate="print">
+            <a:extLst>
+              <a:ext uri="{28A0092B-C50C-407E-A947-70E740481C1C}">
+                <a14:useLocalDpi xmlns:a14="http://schemas.microsoft.com/office/drawing/2010/main" val="0"/>
+              </a:ext>
+            </a:extLst>
+          </a:blip>
+          <a:stretch>
+            <a:fillRect/>
+          </a:stretch>
+        </p:blipFill>
+        <p:spPr>
+          <a:xfrm>
+            <a:off x="304800" y="2133600"/>
+            <a:ext cx="4419600" cy="4419600"/>
+          </a:xfrm>
+          <a:prstGeom prst="rect">
+            <a:avLst/>
+          </a:prstGeom>
+        </p:spPr>
+      </p:pic>
+      <p:sp>
+        <p:nvSpPr>
+          <p:cNvPr id="6" name="Oval 5"/>
+          <p:cNvSpPr/>
+          <p:nvPr/>
+        </p:nvSpPr>
+        <p:spPr>
+          <a:xfrm>
+            <a:off x="228600" y="1676400"/>
+            <a:ext cx="1524000" cy="1524000"/>
+          </a:xfrm>
+          <a:prstGeom prst="ellipse">
+            <a:avLst/>
+          </a:prstGeom>
+          <a:solidFill>
+            <a:srgbClr val="CEB966">
+              <a:alpha val="30196"/>
+            </a:srgbClr>
+          </a:solidFill>
+        </p:spPr>
+        <p:style>
+          <a:lnRef idx="2">
+            <a:schemeClr val="accent1">
+              <a:shade val="50000"/>
+            </a:schemeClr>
+          </a:lnRef>
+          <a:fillRef idx="1">
+            <a:schemeClr val="accent1"/>
+          </a:fillRef>
+          <a:effectRef idx="0">
+            <a:schemeClr val="accent1"/>
+          </a:effectRef>
+          <a:fontRef idx="minor">
+            <a:schemeClr val="lt1"/>
+          </a:fontRef>
+        </p:style>
+        <p:txBody>
+          <a:bodyPr rtlCol="0" anchor="ctr"/>
+          <a:lstStyle/>
+          <a:p>
+            <a:pPr algn="ctr"/>
+            <a:endParaRPr lang="en-US"/>
+          </a:p>
+        </p:txBody>
+      </p:sp>
+      <p:sp>
+        <p:nvSpPr>
+          <p:cNvPr id="7" name="Oval 6"/>
+          <p:cNvSpPr/>
+          <p:nvPr/>
+        </p:nvSpPr>
+        <p:spPr>
+          <a:xfrm>
+            <a:off x="3200400" y="1676400"/>
+            <a:ext cx="1524000" cy="1524000"/>
+          </a:xfrm>
+          <a:prstGeom prst="ellipse">
+            <a:avLst/>
+          </a:prstGeom>
+          <a:solidFill>
+            <a:srgbClr val="CEB966">
+              <a:alpha val="30196"/>
+            </a:srgbClr>
+          </a:solidFill>
+        </p:spPr>
+        <p:style>
+          <a:lnRef idx="2">
+            <a:schemeClr val="accent1">
+              <a:shade val="50000"/>
+            </a:schemeClr>
+          </a:lnRef>
+          <a:fillRef idx="1">
+            <a:schemeClr val="accent1"/>
+          </a:fillRef>
+          <a:effectRef idx="0">
+            <a:schemeClr val="accent1"/>
+          </a:effectRef>
+          <a:fontRef idx="minor">
+            <a:schemeClr val="lt1"/>
+          </a:fontRef>
+        </p:style>
+        <p:txBody>
+          <a:bodyPr rtlCol="0" anchor="ctr"/>
+          <a:lstStyle/>
+          <a:p>
+            <a:pPr algn="ctr"/>
+            <a:endParaRPr lang="en-US"/>
+          </a:p>
+        </p:txBody>
+      </p:sp>
+      <p:sp>
+        <p:nvSpPr>
+          <p:cNvPr id="8" name="Oval 7"/>
+          <p:cNvSpPr/>
+          <p:nvPr/>
+        </p:nvSpPr>
+        <p:spPr>
+          <a:xfrm>
+            <a:off x="3293772" y="4851042"/>
+            <a:ext cx="1524000" cy="1524000"/>
+          </a:xfrm>
+          <a:prstGeom prst="ellipse">
+            <a:avLst/>
+          </a:prstGeom>
+          <a:solidFill>
+            <a:srgbClr val="CEB966">
+              <a:alpha val="30196"/>
+            </a:srgbClr>
+          </a:solidFill>
+        </p:spPr>
+        <p:style>
+          <a:lnRef idx="2">
+            <a:schemeClr val="accent1">
+              <a:shade val="50000"/>
+            </a:schemeClr>
+          </a:lnRef>
+          <a:fillRef idx="1">
+            <a:schemeClr val="accent1"/>
+          </a:fillRef>
+          <a:effectRef idx="0">
+            <a:schemeClr val="accent1"/>
+          </a:effectRef>
+          <a:fontRef idx="minor">
+            <a:schemeClr val="lt1"/>
+          </a:fontRef>
+        </p:style>
+        <p:txBody>
+          <a:bodyPr rtlCol="0" anchor="ctr"/>
+          <a:lstStyle/>
+          <a:p>
+            <a:pPr algn="ctr"/>
+            <a:endParaRPr lang="en-US"/>
+          </a:p>
+        </p:txBody>
+      </p:sp>
+      <p:sp>
+        <p:nvSpPr>
+          <p:cNvPr id="9" name="Oval 8"/>
+          <p:cNvSpPr/>
+          <p:nvPr/>
+        </p:nvSpPr>
+        <p:spPr>
+          <a:xfrm>
+            <a:off x="215721" y="4673958"/>
+            <a:ext cx="1524000" cy="1524000"/>
+          </a:xfrm>
+          <a:prstGeom prst="ellipse">
+            <a:avLst/>
+          </a:prstGeom>
+          <a:solidFill>
+            <a:srgbClr val="CEB966">
+              <a:alpha val="30196"/>
+            </a:srgbClr>
+          </a:solidFill>
+        </p:spPr>
+        <p:style>
+          <a:lnRef idx="2">
+            <a:schemeClr val="accent1">
+              <a:shade val="50000"/>
+            </a:schemeClr>
+          </a:lnRef>
+          <a:fillRef idx="1">
+            <a:schemeClr val="accent1"/>
+          </a:fillRef>
+          <a:effectRef idx="0">
+            <a:schemeClr val="accent1"/>
+          </a:effectRef>
+          <a:fontRef idx="minor">
+            <a:schemeClr val="lt1"/>
+          </a:fontRef>
+        </p:style>
+        <p:txBody>
+          <a:bodyPr rtlCol="0" anchor="ctr"/>
+          <a:lstStyle/>
+          <a:p>
+            <a:pPr algn="ctr"/>
+            <a:endParaRPr lang="en-US"/>
+          </a:p>
+        </p:txBody>
+      </p:sp>
+      <p:sp>
+        <p:nvSpPr>
+          <p:cNvPr id="5" name="Slide Number Placeholder 4"/>
+          <p:cNvSpPr>
+            <a:spLocks noGrp="1"/>
+          </p:cNvSpPr>
+          <p:nvPr>
+            <p:ph type="sldNum" sz="quarter" idx="12"/>
+          </p:nvPr>
+        </p:nvSpPr>
+        <p:spPr/>
+        <p:txBody>
+          <a:bodyPr/>
+          <a:lstStyle/>
+          <a:p>
+            <a:fld id="{7800738A-F715-4360-B8B2-93AC517FA922}" type="slidenum">
+              <a:rPr lang="fa-IR" noProof="0" smtClean="0"/>
+              <a:t>19</a:t>
+            </a:fld>
+            <a:endParaRPr lang="fa-IR" noProof="0"/>
+          </a:p>
+        </p:txBody>
+      </p:sp>
+    </p:spTree>
+    <p:extLst>
+      <p:ext uri="{BB962C8B-B14F-4D97-AF65-F5344CB8AC3E}">
+        <p14:creationId xmlns:p14="http://schemas.microsoft.com/office/powerpoint/2010/main" val="204199330"/>
       </p:ext>
     </p:extLst>
   </p:cSld>
@@ -4408,6 +7217,3346 @@
     <p:extLst>
       <p:ext uri="{BB962C8B-B14F-4D97-AF65-F5344CB8AC3E}">
         <p14:creationId xmlns:p14="http://schemas.microsoft.com/office/powerpoint/2010/main" val="3346809056"/>
+      </p:ext>
+    </p:extLst>
+  </p:cSld>
+  <p:clrMapOvr>
+    <a:masterClrMapping/>
+  </p:clrMapOvr>
+  <p:timing>
+    <p:tnLst>
+      <p:par>
+        <p:cTn id="1" dur="indefinite" restart="never" nodeType="tmRoot"/>
+      </p:par>
+    </p:tnLst>
+  </p:timing>
+</p:sld>
+</file>
+
+<file path=ppt/slides/slide20.xml><?xml version="1.0" encoding="utf-8"?>
+<p:sld xmlns:a="http://schemas.openxmlformats.org/drawingml/2006/main" xmlns:r="http://schemas.openxmlformats.org/officeDocument/2006/relationships" xmlns:p="http://schemas.openxmlformats.org/presentationml/2006/main">
+  <p:cSld>
+    <p:spTree>
+      <p:nvGrpSpPr>
+        <p:cNvPr id="1" name=""/>
+        <p:cNvGrpSpPr/>
+        <p:nvPr/>
+      </p:nvGrpSpPr>
+      <p:grpSpPr>
+        <a:xfrm>
+          <a:off x="0" y="0"/>
+          <a:ext cx="0" cy="0"/>
+          <a:chOff x="0" y="0"/>
+          <a:chExt cx="0" cy="0"/>
+        </a:xfrm>
+      </p:grpSpPr>
+      <p:sp>
+        <p:nvSpPr>
+          <p:cNvPr id="2" name="Title 1"/>
+          <p:cNvSpPr>
+            <a:spLocks noGrp="1"/>
+          </p:cNvSpPr>
+          <p:nvPr>
+            <p:ph type="title"/>
+          </p:nvPr>
+        </p:nvSpPr>
+        <p:spPr/>
+        <p:txBody>
+          <a:bodyPr/>
+          <a:lstStyle/>
+          <a:p>
+            <a:r>
+              <a:rPr lang="fa-IR" smtClean="0"/>
+              <a:t>طراحی مورد کاربرد محاسبه‌ی معدل</a:t>
+            </a:r>
+            <a:endParaRPr lang="en-US"/>
+          </a:p>
+        </p:txBody>
+      </p:sp>
+      <mc:AlternateContent xmlns:mc="http://schemas.openxmlformats.org/markup-compatibility/2006">
+        <mc:Choice xmlns:a14="http://schemas.microsoft.com/office/drawing/2010/main" Requires="a14">
+          <p:sp>
+            <p:nvSpPr>
+              <p:cNvPr id="3" name="Content Placeholder 2"/>
+              <p:cNvSpPr>
+                <a:spLocks noGrp="1"/>
+              </p:cNvSpPr>
+              <p:nvPr>
+                <p:ph idx="1"/>
+              </p:nvPr>
+            </p:nvSpPr>
+            <p:spPr/>
+            <p:txBody>
+              <a:bodyPr/>
+              <a:lstStyle/>
+              <a:p>
+                <a14:m>
+                  <m:oMath xmlns:m="http://schemas.openxmlformats.org/officeDocument/2006/math">
+                    <m:r>
+                      <a:rPr lang="en-US" i="1">
+                        <a:latin typeface="Cambria Math"/>
+                      </a:rPr>
+                      <m:t>𝑔𝑝𝑎</m:t>
+                    </m:r>
+                    <m:r>
+                      <a:rPr lang="en-US" i="1">
+                        <a:latin typeface="Cambria Math"/>
+                      </a:rPr>
+                      <m:t>=</m:t>
+                    </m:r>
+                    <m:f>
+                      <m:fPr>
+                        <m:ctrlPr>
+                          <a:rPr lang="en-US" i="1">
+                            <a:latin typeface="Cambria Math"/>
+                          </a:rPr>
+                        </m:ctrlPr>
+                      </m:fPr>
+                      <m:num>
+                        <m:nary>
+                          <m:naryPr>
+                            <m:chr m:val="∑"/>
+                            <m:subHide m:val="on"/>
+                            <m:supHide m:val="on"/>
+                            <m:ctrlPr>
+                              <a:rPr lang="en-US" i="1">
+                                <a:latin typeface="Cambria Math"/>
+                              </a:rPr>
+                            </m:ctrlPr>
+                          </m:naryPr>
+                          <m:sub/>
+                          <m:sup/>
+                          <m:e>
+                            <m:r>
+                              <a:rPr lang="en-US" i="1">
+                                <a:latin typeface="Cambria Math"/>
+                              </a:rPr>
+                              <m:t>(</m:t>
+                            </m:r>
+                            <m:r>
+                              <a:rPr lang="en-US" i="1">
+                                <a:latin typeface="Cambria Math"/>
+                              </a:rPr>
+                              <m:t>𝑔𝑟𝑎𝑑𝑒</m:t>
+                            </m:r>
+                            <m:r>
+                              <a:rPr lang="en-US" i="1">
+                                <a:latin typeface="Cambria Math"/>
+                              </a:rPr>
+                              <m:t>∗</m:t>
+                            </m:r>
+                            <m:r>
+                              <a:rPr lang="en-US" i="1">
+                                <a:latin typeface="Cambria Math"/>
+                              </a:rPr>
+                              <m:t>𝑢𝑛𝑖𝑡𝑠</m:t>
+                            </m:r>
+                            <m:r>
+                              <a:rPr lang="en-US" i="1">
+                                <a:latin typeface="Cambria Math"/>
+                              </a:rPr>
+                              <m:t>)</m:t>
+                            </m:r>
+                          </m:e>
+                        </m:nary>
+                      </m:num>
+                      <m:den>
+                        <m:nary>
+                          <m:naryPr>
+                            <m:chr m:val="∑"/>
+                            <m:subHide m:val="on"/>
+                            <m:supHide m:val="on"/>
+                            <m:ctrlPr>
+                              <a:rPr lang="en-US" i="1">
+                                <a:latin typeface="Cambria Math"/>
+                              </a:rPr>
+                            </m:ctrlPr>
+                          </m:naryPr>
+                          <m:sub/>
+                          <m:sup/>
+                          <m:e>
+                            <m:r>
+                              <a:rPr lang="en-US" i="1">
+                                <a:latin typeface="Cambria Math"/>
+                              </a:rPr>
+                              <m:t>(</m:t>
+                            </m:r>
+                            <m:r>
+                              <a:rPr lang="en-US" i="1">
+                                <a:latin typeface="Cambria Math"/>
+                              </a:rPr>
+                              <m:t>𝑢𝑛𝑖𝑡𝑠</m:t>
+                            </m:r>
+                            <m:r>
+                              <a:rPr lang="en-US" i="1">
+                                <a:latin typeface="Cambria Math"/>
+                              </a:rPr>
+                              <m:t>)</m:t>
+                            </m:r>
+                          </m:e>
+                        </m:nary>
+                      </m:den>
+                    </m:f>
+                  </m:oMath>
+                </a14:m>
+                <a:endParaRPr lang="en-US" smtClean="0"/>
+              </a:p>
+              <a:p>
+                <a:endParaRPr lang="fa-IR" smtClean="0"/>
+              </a:p>
+              <a:p>
+                <a:r>
+                  <a:rPr lang="fa-IR" smtClean="0"/>
+                  <a:t>اکتورهای دارای نقش</a:t>
+                </a:r>
+              </a:p>
+              <a:p>
+                <a:pPr lvl="1"/>
+                <a:r>
+                  <a:rPr lang="fa-IR" smtClean="0"/>
+                  <a:t>دانشجو</a:t>
+                </a:r>
+              </a:p>
+              <a:p>
+                <a:pPr lvl="1"/>
+                <a:r>
+                  <a:rPr lang="fa-IR" smtClean="0"/>
+                  <a:t>سابقه</a:t>
+                </a:r>
+              </a:p>
+              <a:p>
+                <a:pPr lvl="1"/>
+                <a:r>
+                  <a:rPr lang="fa-IR" smtClean="0"/>
+                  <a:t>درس</a:t>
+                </a:r>
+              </a:p>
+              <a:p>
+                <a:pPr lvl="1"/>
+                <a:r>
+                  <a:rPr lang="fa-IR" smtClean="0"/>
+                  <a:t>ترم</a:t>
+                </a:r>
+              </a:p>
+              <a:p>
+                <a:pPr lvl="1"/>
+                <a:r>
+                  <a:rPr lang="fa-IR" smtClean="0"/>
+                  <a:t>ارائه</a:t>
+                </a:r>
+                <a:endParaRPr lang="en-US" smtClean="0"/>
+              </a:p>
+              <a:p>
+                <a:pPr marL="114300" indent="0">
+                  <a:buNone/>
+                </a:pPr>
+                <a:endParaRPr lang="en-US" smtClean="0"/>
+              </a:p>
+              <a:p>
+                <a:pPr marL="114300" indent="0">
+                  <a:buNone/>
+                </a:pPr>
+                <a:endParaRPr lang="fa-IR" smtClean="0"/>
+              </a:p>
+            </p:txBody>
+          </p:sp>
+        </mc:Choice>
+        <mc:Fallback>
+          <p:sp>
+            <p:nvSpPr>
+              <p:cNvPr id="3" name="Content Placeholder 2"/>
+              <p:cNvSpPr>
+                <a:spLocks noGrp="1" noRot="1" noChangeAspect="1" noMove="1" noResize="1" noEditPoints="1" noAdjustHandles="1" noChangeArrowheads="1" noChangeShapeType="1" noTextEdit="1"/>
+              </p:cNvSpPr>
+              <p:nvPr>
+                <p:ph idx="1"/>
+              </p:nvPr>
+            </p:nvSpPr>
+            <p:spPr>
+              <a:blipFill rotWithShape="1">
+                <a:blip r:embed="rId2"/>
+                <a:stretch>
+                  <a:fillRect/>
+                </a:stretch>
+              </a:blipFill>
+            </p:spPr>
+            <p:txBody>
+              <a:bodyPr/>
+              <a:lstStyle/>
+              <a:p>
+                <a:r>
+                  <a:rPr lang="en-US">
+                    <a:noFill/>
+                  </a:rPr>
+                  <a:t> </a:t>
+                </a:r>
+              </a:p>
+            </p:txBody>
+          </p:sp>
+        </mc:Fallback>
+      </mc:AlternateContent>
+      <p:pic>
+        <p:nvPicPr>
+          <p:cNvPr id="4" name="Content Placeholder 4"/>
+          <p:cNvPicPr>
+            <a:picLocks noChangeAspect="1"/>
+          </p:cNvPicPr>
+          <p:nvPr/>
+        </p:nvPicPr>
+        <p:blipFill>
+          <a:blip r:embed="rId3" cstate="print">
+            <a:extLst>
+              <a:ext uri="{28A0092B-C50C-407E-A947-70E740481C1C}">
+                <a14:useLocalDpi xmlns:a14="http://schemas.microsoft.com/office/drawing/2010/main" val="0"/>
+              </a:ext>
+            </a:extLst>
+          </a:blip>
+          <a:stretch>
+            <a:fillRect/>
+          </a:stretch>
+        </p:blipFill>
+        <p:spPr>
+          <a:xfrm>
+            <a:off x="304800" y="2133600"/>
+            <a:ext cx="4419600" cy="4419600"/>
+          </a:xfrm>
+          <a:prstGeom prst="rect">
+            <a:avLst/>
+          </a:prstGeom>
+        </p:spPr>
+      </p:pic>
+      <p:sp>
+        <p:nvSpPr>
+          <p:cNvPr id="6" name="Oval 5"/>
+          <p:cNvSpPr/>
+          <p:nvPr/>
+        </p:nvSpPr>
+        <p:spPr>
+          <a:xfrm>
+            <a:off x="228600" y="1676400"/>
+            <a:ext cx="1524000" cy="1524000"/>
+          </a:xfrm>
+          <a:prstGeom prst="ellipse">
+            <a:avLst/>
+          </a:prstGeom>
+          <a:solidFill>
+            <a:srgbClr val="CEB966">
+              <a:alpha val="30196"/>
+            </a:srgbClr>
+          </a:solidFill>
+        </p:spPr>
+        <p:style>
+          <a:lnRef idx="2">
+            <a:schemeClr val="accent1">
+              <a:shade val="50000"/>
+            </a:schemeClr>
+          </a:lnRef>
+          <a:fillRef idx="1">
+            <a:schemeClr val="accent1"/>
+          </a:fillRef>
+          <a:effectRef idx="0">
+            <a:schemeClr val="accent1"/>
+          </a:effectRef>
+          <a:fontRef idx="minor">
+            <a:schemeClr val="lt1"/>
+          </a:fontRef>
+        </p:style>
+        <p:txBody>
+          <a:bodyPr rtlCol="0" anchor="ctr"/>
+          <a:lstStyle/>
+          <a:p>
+            <a:pPr algn="ctr"/>
+            <a:endParaRPr lang="en-US"/>
+          </a:p>
+        </p:txBody>
+      </p:sp>
+      <p:sp>
+        <p:nvSpPr>
+          <p:cNvPr id="7" name="Oval 6"/>
+          <p:cNvSpPr/>
+          <p:nvPr/>
+        </p:nvSpPr>
+        <p:spPr>
+          <a:xfrm>
+            <a:off x="3213279" y="1676400"/>
+            <a:ext cx="1524000" cy="1524000"/>
+          </a:xfrm>
+          <a:prstGeom prst="ellipse">
+            <a:avLst/>
+          </a:prstGeom>
+          <a:solidFill>
+            <a:srgbClr val="CEB966">
+              <a:alpha val="30196"/>
+            </a:srgbClr>
+          </a:solidFill>
+        </p:spPr>
+        <p:style>
+          <a:lnRef idx="2">
+            <a:schemeClr val="accent1">
+              <a:shade val="50000"/>
+            </a:schemeClr>
+          </a:lnRef>
+          <a:fillRef idx="1">
+            <a:schemeClr val="accent1"/>
+          </a:fillRef>
+          <a:effectRef idx="0">
+            <a:schemeClr val="accent1"/>
+          </a:effectRef>
+          <a:fontRef idx="minor">
+            <a:schemeClr val="lt1"/>
+          </a:fontRef>
+        </p:style>
+        <p:txBody>
+          <a:bodyPr rtlCol="0" anchor="ctr"/>
+          <a:lstStyle/>
+          <a:p>
+            <a:pPr algn="ctr"/>
+            <a:endParaRPr lang="en-US"/>
+          </a:p>
+        </p:txBody>
+      </p:sp>
+      <p:sp>
+        <p:nvSpPr>
+          <p:cNvPr id="8" name="Oval 7"/>
+          <p:cNvSpPr/>
+          <p:nvPr/>
+        </p:nvSpPr>
+        <p:spPr>
+          <a:xfrm>
+            <a:off x="3293772" y="4851042"/>
+            <a:ext cx="1524000" cy="1524000"/>
+          </a:xfrm>
+          <a:prstGeom prst="ellipse">
+            <a:avLst/>
+          </a:prstGeom>
+          <a:solidFill>
+            <a:srgbClr val="CEB966">
+              <a:alpha val="30196"/>
+            </a:srgbClr>
+          </a:solidFill>
+        </p:spPr>
+        <p:style>
+          <a:lnRef idx="2">
+            <a:schemeClr val="accent1">
+              <a:shade val="50000"/>
+            </a:schemeClr>
+          </a:lnRef>
+          <a:fillRef idx="1">
+            <a:schemeClr val="accent1"/>
+          </a:fillRef>
+          <a:effectRef idx="0">
+            <a:schemeClr val="accent1"/>
+          </a:effectRef>
+          <a:fontRef idx="minor">
+            <a:schemeClr val="lt1"/>
+          </a:fontRef>
+        </p:style>
+        <p:txBody>
+          <a:bodyPr rtlCol="0" anchor="ctr"/>
+          <a:lstStyle/>
+          <a:p>
+            <a:pPr algn="ctr"/>
+            <a:endParaRPr lang="en-US"/>
+          </a:p>
+        </p:txBody>
+      </p:sp>
+      <p:sp>
+        <p:nvSpPr>
+          <p:cNvPr id="9" name="Oval 8"/>
+          <p:cNvSpPr/>
+          <p:nvPr/>
+        </p:nvSpPr>
+        <p:spPr>
+          <a:xfrm>
+            <a:off x="215721" y="4673958"/>
+            <a:ext cx="1524000" cy="1524000"/>
+          </a:xfrm>
+          <a:prstGeom prst="ellipse">
+            <a:avLst/>
+          </a:prstGeom>
+          <a:solidFill>
+            <a:srgbClr val="CEB966">
+              <a:alpha val="30196"/>
+            </a:srgbClr>
+          </a:solidFill>
+        </p:spPr>
+        <p:style>
+          <a:lnRef idx="2">
+            <a:schemeClr val="accent1">
+              <a:shade val="50000"/>
+            </a:schemeClr>
+          </a:lnRef>
+          <a:fillRef idx="1">
+            <a:schemeClr val="accent1"/>
+          </a:fillRef>
+          <a:effectRef idx="0">
+            <a:schemeClr val="accent1"/>
+          </a:effectRef>
+          <a:fontRef idx="minor">
+            <a:schemeClr val="lt1"/>
+          </a:fontRef>
+        </p:style>
+        <p:txBody>
+          <a:bodyPr rtlCol="0" anchor="ctr"/>
+          <a:lstStyle/>
+          <a:p>
+            <a:pPr algn="ctr"/>
+            <a:endParaRPr lang="en-US"/>
+          </a:p>
+        </p:txBody>
+      </p:sp>
+      <p:sp>
+        <p:nvSpPr>
+          <p:cNvPr id="10" name="Oval 9"/>
+          <p:cNvSpPr/>
+          <p:nvPr/>
+        </p:nvSpPr>
+        <p:spPr>
+          <a:xfrm>
+            <a:off x="1879242" y="3339921"/>
+            <a:ext cx="1524000" cy="1524000"/>
+          </a:xfrm>
+          <a:prstGeom prst="ellipse">
+            <a:avLst/>
+          </a:prstGeom>
+          <a:solidFill>
+            <a:srgbClr val="CEB966">
+              <a:alpha val="30196"/>
+            </a:srgbClr>
+          </a:solidFill>
+        </p:spPr>
+        <p:style>
+          <a:lnRef idx="2">
+            <a:schemeClr val="accent1">
+              <a:shade val="50000"/>
+            </a:schemeClr>
+          </a:lnRef>
+          <a:fillRef idx="1">
+            <a:schemeClr val="accent1"/>
+          </a:fillRef>
+          <a:effectRef idx="0">
+            <a:schemeClr val="accent1"/>
+          </a:effectRef>
+          <a:fontRef idx="minor">
+            <a:schemeClr val="lt1"/>
+          </a:fontRef>
+        </p:style>
+        <p:txBody>
+          <a:bodyPr rtlCol="0" anchor="ctr"/>
+          <a:lstStyle/>
+          <a:p>
+            <a:pPr algn="ctr"/>
+            <a:endParaRPr lang="en-US"/>
+          </a:p>
+        </p:txBody>
+      </p:sp>
+      <p:sp>
+        <p:nvSpPr>
+          <p:cNvPr id="5" name="Slide Number Placeholder 4"/>
+          <p:cNvSpPr>
+            <a:spLocks noGrp="1"/>
+          </p:cNvSpPr>
+          <p:nvPr>
+            <p:ph type="sldNum" sz="quarter" idx="12"/>
+          </p:nvPr>
+        </p:nvSpPr>
+        <p:spPr/>
+        <p:txBody>
+          <a:bodyPr/>
+          <a:lstStyle/>
+          <a:p>
+            <a:fld id="{7800738A-F715-4360-B8B2-93AC517FA922}" type="slidenum">
+              <a:rPr lang="fa-IR" noProof="0" smtClean="0"/>
+              <a:t>20</a:t>
+            </a:fld>
+            <a:endParaRPr lang="fa-IR" noProof="0"/>
+          </a:p>
+        </p:txBody>
+      </p:sp>
+    </p:spTree>
+    <p:extLst>
+      <p:ext uri="{BB962C8B-B14F-4D97-AF65-F5344CB8AC3E}">
+        <p14:creationId xmlns:p14="http://schemas.microsoft.com/office/powerpoint/2010/main" val="308509109"/>
+      </p:ext>
+    </p:extLst>
+  </p:cSld>
+  <p:clrMapOvr>
+    <a:masterClrMapping/>
+  </p:clrMapOvr>
+  <p:timing>
+    <p:tnLst>
+      <p:par>
+        <p:cTn id="1" dur="indefinite" restart="never" nodeType="tmRoot"/>
+      </p:par>
+    </p:tnLst>
+  </p:timing>
+</p:sld>
+</file>
+
+<file path=ppt/slides/slide21.xml><?xml version="1.0" encoding="utf-8"?>
+<p:sld xmlns:a="http://schemas.openxmlformats.org/drawingml/2006/main" xmlns:r="http://schemas.openxmlformats.org/officeDocument/2006/relationships" xmlns:p="http://schemas.openxmlformats.org/presentationml/2006/main">
+  <p:cSld>
+    <p:spTree>
+      <p:nvGrpSpPr>
+        <p:cNvPr id="1" name=""/>
+        <p:cNvGrpSpPr/>
+        <p:nvPr/>
+      </p:nvGrpSpPr>
+      <p:grpSpPr>
+        <a:xfrm>
+          <a:off x="0" y="0"/>
+          <a:ext cx="0" cy="0"/>
+          <a:chOff x="0" y="0"/>
+          <a:chExt cx="0" cy="0"/>
+        </a:xfrm>
+      </p:grpSpPr>
+      <p:sp>
+        <p:nvSpPr>
+          <p:cNvPr id="2" name="Title 1"/>
+          <p:cNvSpPr>
+            <a:spLocks noGrp="1"/>
+          </p:cNvSpPr>
+          <p:nvPr>
+            <p:ph type="title"/>
+          </p:nvPr>
+        </p:nvSpPr>
+        <p:spPr/>
+        <p:txBody>
+          <a:bodyPr/>
+          <a:lstStyle/>
+          <a:p>
+            <a:r>
+              <a:rPr lang="fa-IR" smtClean="0"/>
+              <a:t>طراحی مورد کاربرد محاسبه‌ی معدل</a:t>
+            </a:r>
+            <a:endParaRPr lang="en-US"/>
+          </a:p>
+        </p:txBody>
+      </p:sp>
+      <mc:AlternateContent xmlns:mc="http://schemas.openxmlformats.org/markup-compatibility/2006">
+        <mc:Choice xmlns:a14="http://schemas.microsoft.com/office/drawing/2010/main" Requires="a14">
+          <p:sp>
+            <p:nvSpPr>
+              <p:cNvPr id="3" name="Content Placeholder 2"/>
+              <p:cNvSpPr>
+                <a:spLocks noGrp="1"/>
+              </p:cNvSpPr>
+              <p:nvPr>
+                <p:ph idx="1"/>
+              </p:nvPr>
+            </p:nvSpPr>
+            <p:spPr/>
+            <p:txBody>
+              <a:bodyPr/>
+              <a:lstStyle/>
+              <a:p>
+                <a14:m>
+                  <m:oMath xmlns:m="http://schemas.openxmlformats.org/officeDocument/2006/math">
+                    <m:r>
+                      <a:rPr lang="en-US" i="1">
+                        <a:latin typeface="Cambria Math"/>
+                      </a:rPr>
+                      <m:t>𝑔𝑝𝑎</m:t>
+                    </m:r>
+                    <m:r>
+                      <a:rPr lang="en-US" i="1">
+                        <a:latin typeface="Cambria Math"/>
+                      </a:rPr>
+                      <m:t>=</m:t>
+                    </m:r>
+                    <m:f>
+                      <m:fPr>
+                        <m:ctrlPr>
+                          <a:rPr lang="en-US" i="1">
+                            <a:latin typeface="Cambria Math"/>
+                          </a:rPr>
+                        </m:ctrlPr>
+                      </m:fPr>
+                      <m:num>
+                        <m:nary>
+                          <m:naryPr>
+                            <m:chr m:val="∑"/>
+                            <m:subHide m:val="on"/>
+                            <m:supHide m:val="on"/>
+                            <m:ctrlPr>
+                              <a:rPr lang="en-US" i="1">
+                                <a:latin typeface="Cambria Math"/>
+                              </a:rPr>
+                            </m:ctrlPr>
+                          </m:naryPr>
+                          <m:sub/>
+                          <m:sup/>
+                          <m:e>
+                            <m:r>
+                              <a:rPr lang="en-US" i="1">
+                                <a:latin typeface="Cambria Math"/>
+                              </a:rPr>
+                              <m:t>(</m:t>
+                            </m:r>
+                            <m:r>
+                              <a:rPr lang="en-US" i="1">
+                                <a:latin typeface="Cambria Math"/>
+                              </a:rPr>
+                              <m:t>𝑔𝑟𝑎𝑑𝑒</m:t>
+                            </m:r>
+                            <m:r>
+                              <a:rPr lang="en-US" i="1">
+                                <a:latin typeface="Cambria Math"/>
+                              </a:rPr>
+                              <m:t>∗</m:t>
+                            </m:r>
+                            <m:r>
+                              <a:rPr lang="en-US" i="1">
+                                <a:latin typeface="Cambria Math"/>
+                              </a:rPr>
+                              <m:t>𝑢𝑛𝑖𝑡𝑠</m:t>
+                            </m:r>
+                            <m:r>
+                              <a:rPr lang="en-US" i="1">
+                                <a:latin typeface="Cambria Math"/>
+                              </a:rPr>
+                              <m:t>)</m:t>
+                            </m:r>
+                          </m:e>
+                        </m:nary>
+                      </m:num>
+                      <m:den>
+                        <m:nary>
+                          <m:naryPr>
+                            <m:chr m:val="∑"/>
+                            <m:subHide m:val="on"/>
+                            <m:supHide m:val="on"/>
+                            <m:ctrlPr>
+                              <a:rPr lang="en-US" i="1">
+                                <a:latin typeface="Cambria Math"/>
+                              </a:rPr>
+                            </m:ctrlPr>
+                          </m:naryPr>
+                          <m:sub/>
+                          <m:sup/>
+                          <m:e>
+                            <m:r>
+                              <a:rPr lang="en-US" i="1">
+                                <a:latin typeface="Cambria Math"/>
+                              </a:rPr>
+                              <m:t>(</m:t>
+                            </m:r>
+                            <m:r>
+                              <a:rPr lang="en-US" i="1">
+                                <a:latin typeface="Cambria Math"/>
+                              </a:rPr>
+                              <m:t>𝑢𝑛𝑖𝑡𝑠</m:t>
+                            </m:r>
+                            <m:r>
+                              <a:rPr lang="en-US" i="1">
+                                <a:latin typeface="Cambria Math"/>
+                              </a:rPr>
+                              <m:t>)</m:t>
+                            </m:r>
+                          </m:e>
+                        </m:nary>
+                      </m:den>
+                    </m:f>
+                  </m:oMath>
+                </a14:m>
+                <a:endParaRPr lang="en-US" smtClean="0"/>
+              </a:p>
+              <a:p>
+                <a:endParaRPr lang="fa-IR" smtClean="0"/>
+              </a:p>
+            </p:txBody>
+          </p:sp>
+        </mc:Choice>
+        <mc:Fallback>
+          <p:sp>
+            <p:nvSpPr>
+              <p:cNvPr id="3" name="Content Placeholder 2"/>
+              <p:cNvSpPr>
+                <a:spLocks noGrp="1" noRot="1" noChangeAspect="1" noMove="1" noResize="1" noEditPoints="1" noAdjustHandles="1" noChangeArrowheads="1" noChangeShapeType="1" noTextEdit="1"/>
+              </p:cNvSpPr>
+              <p:nvPr>
+                <p:ph idx="1"/>
+              </p:nvPr>
+            </p:nvSpPr>
+            <p:spPr>
+              <a:blipFill rotWithShape="1">
+                <a:blip r:embed="rId2"/>
+                <a:stretch>
+                  <a:fillRect/>
+                </a:stretch>
+              </a:blipFill>
+            </p:spPr>
+            <p:txBody>
+              <a:bodyPr/>
+              <a:lstStyle/>
+              <a:p>
+                <a:r>
+                  <a:rPr lang="en-US">
+                    <a:noFill/>
+                  </a:rPr>
+                  <a:t> </a:t>
+                </a:r>
+              </a:p>
+            </p:txBody>
+          </p:sp>
+        </mc:Fallback>
+      </mc:AlternateContent>
+      <p:sp>
+        <p:nvSpPr>
+          <p:cNvPr id="5" name="Slide Number Placeholder 4"/>
+          <p:cNvSpPr>
+            <a:spLocks noGrp="1"/>
+          </p:cNvSpPr>
+          <p:nvPr>
+            <p:ph type="sldNum" sz="quarter" idx="12"/>
+          </p:nvPr>
+        </p:nvSpPr>
+        <p:spPr/>
+        <p:txBody>
+          <a:bodyPr/>
+          <a:lstStyle/>
+          <a:p>
+            <a:fld id="{7800738A-F715-4360-B8B2-93AC517FA922}" type="slidenum">
+              <a:rPr lang="fa-IR" noProof="0" smtClean="0"/>
+              <a:t>21</a:t>
+            </a:fld>
+            <a:endParaRPr lang="fa-IR" noProof="0"/>
+          </a:p>
+        </p:txBody>
+      </p:sp>
+      <p:grpSp>
+        <p:nvGrpSpPr>
+          <p:cNvPr id="11" name="Group 10"/>
+          <p:cNvGrpSpPr/>
+          <p:nvPr/>
+        </p:nvGrpSpPr>
+        <p:grpSpPr>
+          <a:xfrm>
+            <a:off x="2362200" y="3048000"/>
+            <a:ext cx="990600" cy="990600"/>
+            <a:chOff x="1625958" y="3048000"/>
+            <a:chExt cx="990600" cy="990600"/>
+          </a:xfrm>
+        </p:grpSpPr>
+        <p:sp>
+          <p:nvSpPr>
+            <p:cNvPr id="12" name="Oval 11"/>
+            <p:cNvSpPr/>
+            <p:nvPr/>
+          </p:nvSpPr>
+          <p:spPr>
+            <a:xfrm>
+              <a:off x="1625958" y="3048000"/>
+              <a:ext cx="990600" cy="990600"/>
+            </a:xfrm>
+            <a:prstGeom prst="ellipse">
+              <a:avLst/>
+            </a:prstGeom>
+            <a:solidFill>
+              <a:schemeClr val="bg1"/>
+            </a:solidFill>
+            <a:ln>
+              <a:solidFill>
+                <a:schemeClr val="tx1"/>
+              </a:solidFill>
+            </a:ln>
+          </p:spPr>
+          <p:style>
+            <a:lnRef idx="2">
+              <a:schemeClr val="accent1">
+                <a:shade val="50000"/>
+              </a:schemeClr>
+            </a:lnRef>
+            <a:fillRef idx="1">
+              <a:schemeClr val="accent1"/>
+            </a:fillRef>
+            <a:effectRef idx="0">
+              <a:schemeClr val="accent1"/>
+            </a:effectRef>
+            <a:fontRef idx="minor">
+              <a:schemeClr val="lt1"/>
+            </a:fontRef>
+          </p:style>
+          <p:txBody>
+            <a:bodyPr rtlCol="0" anchor="ctr"/>
+            <a:lstStyle/>
+            <a:p>
+              <a:pPr algn="ctr"/>
+              <a:endParaRPr lang="en-US">
+                <a:solidFill>
+                  <a:schemeClr val="tx1"/>
+                </a:solidFill>
+              </a:endParaRPr>
+            </a:p>
+          </p:txBody>
+        </p:sp>
+        <p:sp>
+          <p:nvSpPr>
+            <p:cNvPr id="13" name="TextBox 12"/>
+            <p:cNvSpPr txBox="1"/>
+            <p:nvPr/>
+          </p:nvSpPr>
+          <p:spPr>
+            <a:xfrm>
+              <a:off x="1663521" y="3351589"/>
+              <a:ext cx="927279" cy="369332"/>
+            </a:xfrm>
+            <a:prstGeom prst="rect">
+              <a:avLst/>
+            </a:prstGeom>
+            <a:noFill/>
+          </p:spPr>
+          <p:txBody>
+            <a:bodyPr wrap="square" rtlCol="0">
+              <a:spAutoFit/>
+            </a:bodyPr>
+            <a:lstStyle/>
+            <a:p>
+              <a:r>
+                <a:rPr lang="en-US" smtClean="0"/>
+                <a:t>Student</a:t>
+              </a:r>
+              <a:endParaRPr lang="en-US"/>
+            </a:p>
+          </p:txBody>
+        </p:sp>
+      </p:grpSp>
+      <p:cxnSp>
+        <p:nvCxnSpPr>
+          <p:cNvPr id="14" name="Straight Arrow Connector 13"/>
+          <p:cNvCxnSpPr>
+            <a:endCxn id="12" idx="2"/>
+          </p:cNvCxnSpPr>
+          <p:nvPr/>
+        </p:nvCxnSpPr>
+        <p:spPr>
+          <a:xfrm>
+            <a:off x="914400" y="3543300"/>
+            <a:ext cx="1447800" cy="0"/>
+          </a:xfrm>
+          <a:prstGeom prst="straightConnector1">
+            <a:avLst/>
+          </a:prstGeom>
+          <a:ln w="28575">
+            <a:solidFill>
+              <a:schemeClr val="tx1"/>
+            </a:solidFill>
+            <a:prstDash val="sysDot"/>
+            <a:tailEnd type="arrow"/>
+          </a:ln>
+        </p:spPr>
+        <p:style>
+          <a:lnRef idx="1">
+            <a:schemeClr val="accent1"/>
+          </a:lnRef>
+          <a:fillRef idx="0">
+            <a:schemeClr val="accent1"/>
+          </a:fillRef>
+          <a:effectRef idx="0">
+            <a:schemeClr val="accent1"/>
+          </a:effectRef>
+          <a:fontRef idx="minor">
+            <a:schemeClr val="tx1"/>
+          </a:fontRef>
+        </p:style>
+      </p:cxnSp>
+      <p:sp>
+        <p:nvSpPr>
+          <p:cNvPr id="15" name="TextBox 14"/>
+          <p:cNvSpPr txBox="1"/>
+          <p:nvPr/>
+        </p:nvSpPr>
+        <p:spPr>
+          <a:xfrm>
+            <a:off x="914400" y="3135868"/>
+            <a:ext cx="1524000" cy="369332"/>
+          </a:xfrm>
+          <a:prstGeom prst="rect">
+            <a:avLst/>
+          </a:prstGeom>
+          <a:noFill/>
+        </p:spPr>
+        <p:txBody>
+          <a:bodyPr wrap="square" rtlCol="0">
+            <a:spAutoFit/>
+          </a:bodyPr>
+          <a:lstStyle/>
+          <a:p>
+            <a:r>
+              <a:rPr lang="en-US" smtClean="0"/>
+              <a:t>GPAReq(term)</a:t>
+            </a:r>
+            <a:endParaRPr lang="en-US"/>
+          </a:p>
+        </p:txBody>
+      </p:sp>
+    </p:spTree>
+    <p:extLst>
+      <p:ext uri="{BB962C8B-B14F-4D97-AF65-F5344CB8AC3E}">
+        <p14:creationId xmlns:p14="http://schemas.microsoft.com/office/powerpoint/2010/main" val="3829162195"/>
+      </p:ext>
+    </p:extLst>
+  </p:cSld>
+  <p:clrMapOvr>
+    <a:masterClrMapping/>
+  </p:clrMapOvr>
+  <p:timing>
+    <p:tnLst>
+      <p:par>
+        <p:cTn id="1" dur="indefinite" restart="never" nodeType="tmRoot"/>
+      </p:par>
+    </p:tnLst>
+  </p:timing>
+</p:sld>
+</file>
+
+<file path=ppt/slides/slide22.xml><?xml version="1.0" encoding="utf-8"?>
+<p:sld xmlns:a="http://schemas.openxmlformats.org/drawingml/2006/main" xmlns:r="http://schemas.openxmlformats.org/officeDocument/2006/relationships" xmlns:p="http://schemas.openxmlformats.org/presentationml/2006/main">
+  <p:cSld>
+    <p:spTree>
+      <p:nvGrpSpPr>
+        <p:cNvPr id="1" name=""/>
+        <p:cNvGrpSpPr/>
+        <p:nvPr/>
+      </p:nvGrpSpPr>
+      <p:grpSpPr>
+        <a:xfrm>
+          <a:off x="0" y="0"/>
+          <a:ext cx="0" cy="0"/>
+          <a:chOff x="0" y="0"/>
+          <a:chExt cx="0" cy="0"/>
+        </a:xfrm>
+      </p:grpSpPr>
+      <p:sp>
+        <p:nvSpPr>
+          <p:cNvPr id="2" name="Title 1"/>
+          <p:cNvSpPr>
+            <a:spLocks noGrp="1"/>
+          </p:cNvSpPr>
+          <p:nvPr>
+            <p:ph type="title"/>
+          </p:nvPr>
+        </p:nvSpPr>
+        <p:spPr/>
+        <p:txBody>
+          <a:bodyPr/>
+          <a:lstStyle/>
+          <a:p>
+            <a:r>
+              <a:rPr lang="fa-IR" smtClean="0"/>
+              <a:t>طراحی مورد کاربرد محاسبه‌ی معدل</a:t>
+            </a:r>
+            <a:endParaRPr lang="en-US"/>
+          </a:p>
+        </p:txBody>
+      </p:sp>
+      <p:sp>
+        <p:nvSpPr>
+          <p:cNvPr id="3" name="Content Placeholder 2"/>
+          <p:cNvSpPr>
+            <a:spLocks noGrp="1"/>
+          </p:cNvSpPr>
+          <p:nvPr>
+            <p:ph idx="1"/>
+          </p:nvPr>
+        </p:nvSpPr>
+        <p:spPr/>
+        <p:txBody>
+          <a:bodyPr/>
+          <a:lstStyle/>
+          <a:p>
+            <a:r>
+              <a:rPr lang="fa-IR"/>
+              <a:t>پیغام درخواست</a:t>
+            </a:r>
+            <a:endParaRPr lang="en-US"/>
+          </a:p>
+          <a:p>
+            <a:endParaRPr lang="en-US" smtClean="0"/>
+          </a:p>
+          <a:p>
+            <a:endParaRPr lang="en-US" smtClean="0"/>
+          </a:p>
+          <a:p>
+            <a:endParaRPr lang="en-US"/>
+          </a:p>
+          <a:p>
+            <a:r>
+              <a:rPr lang="en-US" sz="1600" smtClean="0"/>
+              <a:t>GPAInfoRequest(term)</a:t>
+            </a:r>
+          </a:p>
+          <a:p>
+            <a:endParaRPr lang="fa-IR" smtClean="0"/>
+          </a:p>
+        </p:txBody>
+      </p:sp>
+      <p:sp>
+        <p:nvSpPr>
+          <p:cNvPr id="5" name="Slide Number Placeholder 4"/>
+          <p:cNvSpPr>
+            <a:spLocks noGrp="1"/>
+          </p:cNvSpPr>
+          <p:nvPr>
+            <p:ph type="sldNum" sz="quarter" idx="12"/>
+          </p:nvPr>
+        </p:nvSpPr>
+        <p:spPr/>
+        <p:txBody>
+          <a:bodyPr/>
+          <a:lstStyle/>
+          <a:p>
+            <a:fld id="{7800738A-F715-4360-B8B2-93AC517FA922}" type="slidenum">
+              <a:rPr lang="fa-IR" noProof="0" smtClean="0"/>
+              <a:t>22</a:t>
+            </a:fld>
+            <a:endParaRPr lang="fa-IR" noProof="0"/>
+          </a:p>
+        </p:txBody>
+      </p:sp>
+      <p:grpSp>
+        <p:nvGrpSpPr>
+          <p:cNvPr id="30" name="Group 29"/>
+          <p:cNvGrpSpPr/>
+          <p:nvPr/>
+        </p:nvGrpSpPr>
+        <p:grpSpPr>
+          <a:xfrm>
+            <a:off x="1447800" y="3276600"/>
+            <a:ext cx="990600" cy="990600"/>
+            <a:chOff x="1625958" y="3048000"/>
+            <a:chExt cx="990600" cy="990600"/>
+          </a:xfrm>
+        </p:grpSpPr>
+        <p:sp>
+          <p:nvSpPr>
+            <p:cNvPr id="31" name="Oval 30"/>
+            <p:cNvSpPr/>
+            <p:nvPr/>
+          </p:nvSpPr>
+          <p:spPr>
+            <a:xfrm>
+              <a:off x="1625958" y="3048000"/>
+              <a:ext cx="990600" cy="990600"/>
+            </a:xfrm>
+            <a:prstGeom prst="ellipse">
+              <a:avLst/>
+            </a:prstGeom>
+            <a:solidFill>
+              <a:schemeClr val="bg1"/>
+            </a:solidFill>
+            <a:ln>
+              <a:solidFill>
+                <a:schemeClr val="tx1"/>
+              </a:solidFill>
+            </a:ln>
+          </p:spPr>
+          <p:style>
+            <a:lnRef idx="2">
+              <a:schemeClr val="accent1">
+                <a:shade val="50000"/>
+              </a:schemeClr>
+            </a:lnRef>
+            <a:fillRef idx="1">
+              <a:schemeClr val="accent1"/>
+            </a:fillRef>
+            <a:effectRef idx="0">
+              <a:schemeClr val="accent1"/>
+            </a:effectRef>
+            <a:fontRef idx="minor">
+              <a:schemeClr val="lt1"/>
+            </a:fontRef>
+          </p:style>
+          <p:txBody>
+            <a:bodyPr rtlCol="0" anchor="ctr"/>
+            <a:lstStyle/>
+            <a:p>
+              <a:pPr algn="ctr"/>
+              <a:endParaRPr lang="en-US">
+                <a:solidFill>
+                  <a:schemeClr val="tx1"/>
+                </a:solidFill>
+              </a:endParaRPr>
+            </a:p>
+          </p:txBody>
+        </p:sp>
+        <p:sp>
+          <p:nvSpPr>
+            <p:cNvPr id="32" name="TextBox 31"/>
+            <p:cNvSpPr txBox="1"/>
+            <p:nvPr/>
+          </p:nvSpPr>
+          <p:spPr>
+            <a:xfrm>
+              <a:off x="1663521" y="3351589"/>
+              <a:ext cx="914400" cy="369332"/>
+            </a:xfrm>
+            <a:prstGeom prst="rect">
+              <a:avLst/>
+            </a:prstGeom>
+            <a:noFill/>
+          </p:spPr>
+          <p:txBody>
+            <a:bodyPr wrap="square" rtlCol="0">
+              <a:spAutoFit/>
+            </a:bodyPr>
+            <a:lstStyle/>
+            <a:p>
+              <a:pPr algn="ctr"/>
+              <a:r>
+                <a:rPr lang="en-US" smtClean="0"/>
+                <a:t>student</a:t>
+              </a:r>
+              <a:endParaRPr lang="en-US"/>
+            </a:p>
+          </p:txBody>
+        </p:sp>
+      </p:grpSp>
+      <p:cxnSp>
+        <p:nvCxnSpPr>
+          <p:cNvPr id="33" name="Straight Arrow Connector 32"/>
+          <p:cNvCxnSpPr>
+            <a:endCxn id="31" idx="2"/>
+          </p:cNvCxnSpPr>
+          <p:nvPr/>
+        </p:nvCxnSpPr>
+        <p:spPr>
+          <a:xfrm>
+            <a:off x="0" y="3771900"/>
+            <a:ext cx="1447800" cy="0"/>
+          </a:xfrm>
+          <a:prstGeom prst="straightConnector1">
+            <a:avLst/>
+          </a:prstGeom>
+          <a:ln w="28575">
+            <a:solidFill>
+              <a:schemeClr val="tx1"/>
+            </a:solidFill>
+            <a:prstDash val="sysDot"/>
+            <a:tailEnd type="arrow"/>
+          </a:ln>
+        </p:spPr>
+        <p:style>
+          <a:lnRef idx="1">
+            <a:schemeClr val="accent1"/>
+          </a:lnRef>
+          <a:fillRef idx="0">
+            <a:schemeClr val="accent1"/>
+          </a:fillRef>
+          <a:effectRef idx="0">
+            <a:schemeClr val="accent1"/>
+          </a:effectRef>
+          <a:fontRef idx="minor">
+            <a:schemeClr val="tx1"/>
+          </a:fontRef>
+        </p:style>
+      </p:cxnSp>
+      <p:sp>
+        <p:nvSpPr>
+          <p:cNvPr id="34" name="TextBox 33"/>
+          <p:cNvSpPr txBox="1"/>
+          <p:nvPr/>
+        </p:nvSpPr>
+        <p:spPr>
+          <a:xfrm>
+            <a:off x="0" y="3364468"/>
+            <a:ext cx="1524000" cy="369332"/>
+          </a:xfrm>
+          <a:prstGeom prst="rect">
+            <a:avLst/>
+          </a:prstGeom>
+          <a:noFill/>
+        </p:spPr>
+        <p:txBody>
+          <a:bodyPr wrap="square" rtlCol="0">
+            <a:spAutoFit/>
+          </a:bodyPr>
+          <a:lstStyle/>
+          <a:p>
+            <a:r>
+              <a:rPr lang="en-US" smtClean="0"/>
+              <a:t>GPAReq(term)</a:t>
+            </a:r>
+            <a:endParaRPr lang="en-US"/>
+          </a:p>
+        </p:txBody>
+      </p:sp>
+      <p:grpSp>
+        <p:nvGrpSpPr>
+          <p:cNvPr id="35" name="Group 34"/>
+          <p:cNvGrpSpPr/>
+          <p:nvPr/>
+        </p:nvGrpSpPr>
+        <p:grpSpPr>
+          <a:xfrm>
+            <a:off x="3810000" y="2438400"/>
+            <a:ext cx="1066800" cy="990600"/>
+            <a:chOff x="1625958" y="3048000"/>
+            <a:chExt cx="1066800" cy="990600"/>
+          </a:xfrm>
+        </p:grpSpPr>
+        <p:sp>
+          <p:nvSpPr>
+            <p:cNvPr id="36" name="Oval 35"/>
+            <p:cNvSpPr/>
+            <p:nvPr/>
+          </p:nvSpPr>
+          <p:spPr>
+            <a:xfrm>
+              <a:off x="1625958" y="3048000"/>
+              <a:ext cx="990600" cy="990600"/>
+            </a:xfrm>
+            <a:prstGeom prst="ellipse">
+              <a:avLst/>
+            </a:prstGeom>
+            <a:solidFill>
+              <a:schemeClr val="bg1"/>
+            </a:solidFill>
+            <a:ln>
+              <a:solidFill>
+                <a:schemeClr val="tx1"/>
+              </a:solidFill>
+            </a:ln>
+          </p:spPr>
+          <p:style>
+            <a:lnRef idx="2">
+              <a:schemeClr val="accent1">
+                <a:shade val="50000"/>
+              </a:schemeClr>
+            </a:lnRef>
+            <a:fillRef idx="1">
+              <a:schemeClr val="accent1"/>
+            </a:fillRef>
+            <a:effectRef idx="0">
+              <a:schemeClr val="accent1"/>
+            </a:effectRef>
+            <a:fontRef idx="minor">
+              <a:schemeClr val="lt1"/>
+            </a:fontRef>
+          </p:style>
+          <p:txBody>
+            <a:bodyPr rtlCol="0" anchor="ctr"/>
+            <a:lstStyle/>
+            <a:p>
+              <a:pPr algn="ctr"/>
+              <a:endParaRPr lang="en-US">
+                <a:solidFill>
+                  <a:schemeClr val="tx1"/>
+                </a:solidFill>
+              </a:endParaRPr>
+            </a:p>
+          </p:txBody>
+        </p:sp>
+        <p:sp>
+          <p:nvSpPr>
+            <p:cNvPr id="37" name="TextBox 36"/>
+            <p:cNvSpPr txBox="1"/>
+            <p:nvPr/>
+          </p:nvSpPr>
+          <p:spPr>
+            <a:xfrm>
+              <a:off x="1663521" y="3351589"/>
+              <a:ext cx="1029237" cy="307777"/>
+            </a:xfrm>
+            <a:prstGeom prst="rect">
+              <a:avLst/>
+            </a:prstGeom>
+            <a:noFill/>
+          </p:spPr>
+          <p:txBody>
+            <a:bodyPr wrap="square" rtlCol="0">
+              <a:spAutoFit/>
+            </a:bodyPr>
+            <a:lstStyle/>
+            <a:p>
+              <a:r>
+                <a:rPr lang="en-US" sz="1400" smtClean="0"/>
+                <a:t>studyRec1</a:t>
+              </a:r>
+              <a:endParaRPr lang="en-US" sz="1400"/>
+            </a:p>
+          </p:txBody>
+        </p:sp>
+      </p:grpSp>
+      <p:grpSp>
+        <p:nvGrpSpPr>
+          <p:cNvPr id="38" name="Group 37"/>
+          <p:cNvGrpSpPr/>
+          <p:nvPr/>
+        </p:nvGrpSpPr>
+        <p:grpSpPr>
+          <a:xfrm>
+            <a:off x="3886200" y="3581400"/>
+            <a:ext cx="1066800" cy="990600"/>
+            <a:chOff x="1625958" y="3048000"/>
+            <a:chExt cx="1066800" cy="990600"/>
+          </a:xfrm>
+        </p:grpSpPr>
+        <p:sp>
+          <p:nvSpPr>
+            <p:cNvPr id="39" name="Oval 38"/>
+            <p:cNvSpPr/>
+            <p:nvPr/>
+          </p:nvSpPr>
+          <p:spPr>
+            <a:xfrm>
+              <a:off x="1625958" y="3048000"/>
+              <a:ext cx="990600" cy="990600"/>
+            </a:xfrm>
+            <a:prstGeom prst="ellipse">
+              <a:avLst/>
+            </a:prstGeom>
+            <a:solidFill>
+              <a:schemeClr val="bg1"/>
+            </a:solidFill>
+            <a:ln>
+              <a:solidFill>
+                <a:schemeClr val="tx1"/>
+              </a:solidFill>
+            </a:ln>
+          </p:spPr>
+          <p:style>
+            <a:lnRef idx="2">
+              <a:schemeClr val="accent1">
+                <a:shade val="50000"/>
+              </a:schemeClr>
+            </a:lnRef>
+            <a:fillRef idx="1">
+              <a:schemeClr val="accent1"/>
+            </a:fillRef>
+            <a:effectRef idx="0">
+              <a:schemeClr val="accent1"/>
+            </a:effectRef>
+            <a:fontRef idx="minor">
+              <a:schemeClr val="lt1"/>
+            </a:fontRef>
+          </p:style>
+          <p:txBody>
+            <a:bodyPr rtlCol="0" anchor="ctr"/>
+            <a:lstStyle/>
+            <a:p>
+              <a:pPr algn="ctr"/>
+              <a:endParaRPr lang="en-US">
+                <a:solidFill>
+                  <a:schemeClr val="tx1"/>
+                </a:solidFill>
+              </a:endParaRPr>
+            </a:p>
+          </p:txBody>
+        </p:sp>
+        <p:sp>
+          <p:nvSpPr>
+            <p:cNvPr id="40" name="TextBox 39"/>
+            <p:cNvSpPr txBox="1"/>
+            <p:nvPr/>
+          </p:nvSpPr>
+          <p:spPr>
+            <a:xfrm>
+              <a:off x="1663521" y="3351589"/>
+              <a:ext cx="1029237" cy="307777"/>
+            </a:xfrm>
+            <a:prstGeom prst="rect">
+              <a:avLst/>
+            </a:prstGeom>
+            <a:noFill/>
+          </p:spPr>
+          <p:txBody>
+            <a:bodyPr wrap="square" rtlCol="0">
+              <a:spAutoFit/>
+            </a:bodyPr>
+            <a:lstStyle/>
+            <a:p>
+              <a:r>
+                <a:rPr lang="en-US" sz="1400" smtClean="0"/>
+                <a:t>studyRec2</a:t>
+              </a:r>
+              <a:endParaRPr lang="en-US" sz="1400"/>
+            </a:p>
+          </p:txBody>
+        </p:sp>
+      </p:grpSp>
+      <p:cxnSp>
+        <p:nvCxnSpPr>
+          <p:cNvPr id="41" name="Straight Arrow Connector 40"/>
+          <p:cNvCxnSpPr/>
+          <p:nvPr/>
+        </p:nvCxnSpPr>
+        <p:spPr>
+          <a:xfrm flipV="1">
+            <a:off x="2399763" y="2978347"/>
+            <a:ext cx="1410237" cy="570787"/>
+          </a:xfrm>
+          <a:prstGeom prst="straightConnector1">
+            <a:avLst/>
+          </a:prstGeom>
+          <a:ln w="28575">
+            <a:solidFill>
+              <a:schemeClr val="tx1"/>
+            </a:solidFill>
+            <a:prstDash val="sysDot"/>
+            <a:tailEnd type="arrow"/>
+          </a:ln>
+        </p:spPr>
+        <p:style>
+          <a:lnRef idx="1">
+            <a:schemeClr val="accent1"/>
+          </a:lnRef>
+          <a:fillRef idx="0">
+            <a:schemeClr val="accent1"/>
+          </a:fillRef>
+          <a:effectRef idx="0">
+            <a:schemeClr val="accent1"/>
+          </a:effectRef>
+          <a:fontRef idx="minor">
+            <a:schemeClr val="tx1"/>
+          </a:fontRef>
+        </p:style>
+      </p:cxnSp>
+      <p:sp>
+        <p:nvSpPr>
+          <p:cNvPr id="42" name="TextBox 41"/>
+          <p:cNvSpPr txBox="1"/>
+          <p:nvPr/>
+        </p:nvSpPr>
+        <p:spPr>
+          <a:xfrm rot="20220313">
+            <a:off x="2198261" y="2952446"/>
+            <a:ext cx="1524000" cy="307777"/>
+          </a:xfrm>
+          <a:prstGeom prst="rect">
+            <a:avLst/>
+          </a:prstGeom>
+          <a:noFill/>
+        </p:spPr>
+        <p:txBody>
+          <a:bodyPr wrap="square" rtlCol="0">
+            <a:spAutoFit/>
+          </a:bodyPr>
+          <a:lstStyle/>
+          <a:p>
+            <a:r>
+              <a:rPr lang="en-US" sz="1400" smtClean="0"/>
+              <a:t>GPAInfoReq(term)</a:t>
+            </a:r>
+            <a:endParaRPr lang="en-US" sz="1400"/>
+          </a:p>
+        </p:txBody>
+      </p:sp>
+      <p:cxnSp>
+        <p:nvCxnSpPr>
+          <p:cNvPr id="43" name="Straight Arrow Connector 42"/>
+          <p:cNvCxnSpPr/>
+          <p:nvPr/>
+        </p:nvCxnSpPr>
+        <p:spPr>
+          <a:xfrm>
+            <a:off x="2438400" y="3884989"/>
+            <a:ext cx="1463945" cy="149713"/>
+          </a:xfrm>
+          <a:prstGeom prst="straightConnector1">
+            <a:avLst/>
+          </a:prstGeom>
+          <a:ln w="28575">
+            <a:solidFill>
+              <a:schemeClr val="tx1"/>
+            </a:solidFill>
+            <a:prstDash val="sysDot"/>
+            <a:tailEnd type="arrow"/>
+          </a:ln>
+        </p:spPr>
+        <p:style>
+          <a:lnRef idx="1">
+            <a:schemeClr val="accent1"/>
+          </a:lnRef>
+          <a:fillRef idx="0">
+            <a:schemeClr val="accent1"/>
+          </a:fillRef>
+          <a:effectRef idx="0">
+            <a:schemeClr val="accent1"/>
+          </a:effectRef>
+          <a:fontRef idx="minor">
+            <a:schemeClr val="tx1"/>
+          </a:fontRef>
+        </p:style>
+      </p:cxnSp>
+      <p:sp>
+        <p:nvSpPr>
+          <p:cNvPr id="44" name="TextBox 43"/>
+          <p:cNvSpPr txBox="1"/>
+          <p:nvPr/>
+        </p:nvSpPr>
+        <p:spPr>
+          <a:xfrm rot="224884">
+            <a:off x="2401695" y="3630883"/>
+            <a:ext cx="1524000" cy="307777"/>
+          </a:xfrm>
+          <a:prstGeom prst="rect">
+            <a:avLst/>
+          </a:prstGeom>
+          <a:noFill/>
+        </p:spPr>
+        <p:txBody>
+          <a:bodyPr wrap="square" rtlCol="0">
+            <a:spAutoFit/>
+          </a:bodyPr>
+          <a:lstStyle/>
+          <a:p>
+            <a:r>
+              <a:rPr lang="en-US" sz="1400" smtClean="0"/>
+              <a:t>GPAInfoReq(term)</a:t>
+            </a:r>
+            <a:endParaRPr lang="en-US" sz="1400"/>
+          </a:p>
+        </p:txBody>
+      </p:sp>
+      <p:cxnSp>
+        <p:nvCxnSpPr>
+          <p:cNvPr id="45" name="Straight Arrow Connector 44"/>
+          <p:cNvCxnSpPr>
+            <a:stCxn id="31" idx="5"/>
+          </p:cNvCxnSpPr>
+          <p:nvPr/>
+        </p:nvCxnSpPr>
+        <p:spPr>
+          <a:xfrm>
+            <a:off x="2293330" y="4122130"/>
+            <a:ext cx="1592870" cy="830870"/>
+          </a:xfrm>
+          <a:prstGeom prst="straightConnector1">
+            <a:avLst/>
+          </a:prstGeom>
+          <a:ln w="28575">
+            <a:solidFill>
+              <a:schemeClr val="tx1"/>
+            </a:solidFill>
+            <a:prstDash val="sysDot"/>
+            <a:tailEnd type="arrow"/>
+          </a:ln>
+        </p:spPr>
+        <p:style>
+          <a:lnRef idx="1">
+            <a:schemeClr val="accent1"/>
+          </a:lnRef>
+          <a:fillRef idx="0">
+            <a:schemeClr val="accent1"/>
+          </a:fillRef>
+          <a:effectRef idx="0">
+            <a:schemeClr val="accent1"/>
+          </a:effectRef>
+          <a:fontRef idx="minor">
+            <a:schemeClr val="tx1"/>
+          </a:fontRef>
+        </p:style>
+      </p:cxnSp>
+      <p:sp>
+        <p:nvSpPr>
+          <p:cNvPr id="47" name="TextBox 46"/>
+          <p:cNvSpPr txBox="1"/>
+          <p:nvPr/>
+        </p:nvSpPr>
+        <p:spPr>
+          <a:xfrm>
+            <a:off x="4000500" y="4595162"/>
+            <a:ext cx="762000" cy="923330"/>
+          </a:xfrm>
+          <a:prstGeom prst="rect">
+            <a:avLst/>
+          </a:prstGeom>
+          <a:noFill/>
+        </p:spPr>
+        <p:txBody>
+          <a:bodyPr wrap="square" rtlCol="0">
+            <a:spAutoFit/>
+          </a:bodyPr>
+          <a:lstStyle/>
+          <a:p>
+            <a:pPr algn="ctr"/>
+            <a:r>
+              <a:rPr lang="en-US" smtClean="0"/>
+              <a:t>.</a:t>
+            </a:r>
+          </a:p>
+          <a:p>
+            <a:pPr algn="ctr"/>
+            <a:r>
+              <a:rPr lang="en-US" smtClean="0"/>
+              <a:t>.</a:t>
+            </a:r>
+          </a:p>
+          <a:p>
+            <a:pPr algn="ctr"/>
+            <a:r>
+              <a:rPr lang="en-US"/>
+              <a:t>.</a:t>
+            </a:r>
+          </a:p>
+        </p:txBody>
+      </p:sp>
+      <p:sp>
+        <p:nvSpPr>
+          <p:cNvPr id="48" name="TextBox 47"/>
+          <p:cNvSpPr txBox="1"/>
+          <p:nvPr/>
+        </p:nvSpPr>
+        <p:spPr>
+          <a:xfrm rot="1563816">
+            <a:off x="2352324" y="4205350"/>
+            <a:ext cx="1524000" cy="307777"/>
+          </a:xfrm>
+          <a:prstGeom prst="rect">
+            <a:avLst/>
+          </a:prstGeom>
+          <a:noFill/>
+        </p:spPr>
+        <p:txBody>
+          <a:bodyPr wrap="square" rtlCol="0">
+            <a:spAutoFit/>
+          </a:bodyPr>
+          <a:lstStyle/>
+          <a:p>
+            <a:r>
+              <a:rPr lang="en-US" sz="1400" smtClean="0"/>
+              <a:t>GPAInfoReq(term)</a:t>
+            </a:r>
+            <a:endParaRPr lang="en-US" sz="1400"/>
+          </a:p>
+        </p:txBody>
+      </p:sp>
+    </p:spTree>
+    <p:extLst>
+      <p:ext uri="{BB962C8B-B14F-4D97-AF65-F5344CB8AC3E}">
+        <p14:creationId xmlns:p14="http://schemas.microsoft.com/office/powerpoint/2010/main" val="2968376392"/>
+      </p:ext>
+    </p:extLst>
+  </p:cSld>
+  <p:clrMapOvr>
+    <a:masterClrMapping/>
+  </p:clrMapOvr>
+  <p:timing>
+    <p:tnLst>
+      <p:par>
+        <p:cTn id="1" dur="indefinite" restart="never" nodeType="tmRoot"/>
+      </p:par>
+    </p:tnLst>
+  </p:timing>
+</p:sld>
+</file>
+
+<file path=ppt/slides/slide23.xml><?xml version="1.0" encoding="utf-8"?>
+<p:sld xmlns:a="http://schemas.openxmlformats.org/drawingml/2006/main" xmlns:r="http://schemas.openxmlformats.org/officeDocument/2006/relationships" xmlns:p="http://schemas.openxmlformats.org/presentationml/2006/main">
+  <p:cSld>
+    <p:spTree>
+      <p:nvGrpSpPr>
+        <p:cNvPr id="1" name=""/>
+        <p:cNvGrpSpPr/>
+        <p:nvPr/>
+      </p:nvGrpSpPr>
+      <p:grpSpPr>
+        <a:xfrm>
+          <a:off x="0" y="0"/>
+          <a:ext cx="0" cy="0"/>
+          <a:chOff x="0" y="0"/>
+          <a:chExt cx="0" cy="0"/>
+        </a:xfrm>
+      </p:grpSpPr>
+      <p:sp>
+        <p:nvSpPr>
+          <p:cNvPr id="2" name="Title 1"/>
+          <p:cNvSpPr>
+            <a:spLocks noGrp="1"/>
+          </p:cNvSpPr>
+          <p:nvPr>
+            <p:ph type="title"/>
+          </p:nvPr>
+        </p:nvSpPr>
+        <p:spPr/>
+        <p:txBody>
+          <a:bodyPr/>
+          <a:lstStyle/>
+          <a:p>
+            <a:r>
+              <a:rPr lang="fa-IR" smtClean="0"/>
+              <a:t>طراحی مورد کاربرد محاسبه‌ی معدل</a:t>
+            </a:r>
+            <a:endParaRPr lang="en-US"/>
+          </a:p>
+        </p:txBody>
+      </p:sp>
+      <p:sp>
+        <p:nvSpPr>
+          <p:cNvPr id="3" name="Content Placeholder 2"/>
+          <p:cNvSpPr>
+            <a:spLocks noGrp="1"/>
+          </p:cNvSpPr>
+          <p:nvPr>
+            <p:ph idx="1"/>
+          </p:nvPr>
+        </p:nvSpPr>
+        <p:spPr/>
+        <p:txBody>
+          <a:bodyPr/>
+          <a:lstStyle/>
+          <a:p>
+            <a:r>
+              <a:rPr lang="fa-IR"/>
+              <a:t>پیغام پاسخ</a:t>
+            </a:r>
+            <a:endParaRPr lang="en-US"/>
+          </a:p>
+          <a:p>
+            <a:endParaRPr lang="en-US" smtClean="0"/>
+          </a:p>
+          <a:p>
+            <a:endParaRPr lang="en-US" smtClean="0"/>
+          </a:p>
+          <a:p>
+            <a:endParaRPr lang="en-US"/>
+          </a:p>
+          <a:p>
+            <a:r>
+              <a:rPr lang="en-US" sz="1600" smtClean="0"/>
+              <a:t>GPAInfoResponse(isForTerm,grade,units)</a:t>
+            </a:r>
+          </a:p>
+          <a:p>
+            <a:endParaRPr lang="fa-IR" smtClean="0"/>
+          </a:p>
+        </p:txBody>
+      </p:sp>
+      <p:sp>
+        <p:nvSpPr>
+          <p:cNvPr id="5" name="Slide Number Placeholder 4"/>
+          <p:cNvSpPr>
+            <a:spLocks noGrp="1"/>
+          </p:cNvSpPr>
+          <p:nvPr>
+            <p:ph type="sldNum" sz="quarter" idx="12"/>
+          </p:nvPr>
+        </p:nvSpPr>
+        <p:spPr/>
+        <p:txBody>
+          <a:bodyPr/>
+          <a:lstStyle/>
+          <a:p>
+            <a:fld id="{7800738A-F715-4360-B8B2-93AC517FA922}" type="slidenum">
+              <a:rPr lang="fa-IR" noProof="0" smtClean="0"/>
+              <a:t>23</a:t>
+            </a:fld>
+            <a:endParaRPr lang="fa-IR" noProof="0"/>
+          </a:p>
+        </p:txBody>
+      </p:sp>
+      <p:grpSp>
+        <p:nvGrpSpPr>
+          <p:cNvPr id="30" name="Group 29"/>
+          <p:cNvGrpSpPr/>
+          <p:nvPr/>
+        </p:nvGrpSpPr>
+        <p:grpSpPr>
+          <a:xfrm>
+            <a:off x="1447800" y="3276600"/>
+            <a:ext cx="990600" cy="990600"/>
+            <a:chOff x="1625958" y="3048000"/>
+            <a:chExt cx="990600" cy="990600"/>
+          </a:xfrm>
+        </p:grpSpPr>
+        <p:sp>
+          <p:nvSpPr>
+            <p:cNvPr id="31" name="Oval 30"/>
+            <p:cNvSpPr/>
+            <p:nvPr/>
+          </p:nvSpPr>
+          <p:spPr>
+            <a:xfrm>
+              <a:off x="1625958" y="3048000"/>
+              <a:ext cx="990600" cy="990600"/>
+            </a:xfrm>
+            <a:prstGeom prst="ellipse">
+              <a:avLst/>
+            </a:prstGeom>
+            <a:solidFill>
+              <a:schemeClr val="bg1"/>
+            </a:solidFill>
+            <a:ln>
+              <a:solidFill>
+                <a:schemeClr val="tx1"/>
+              </a:solidFill>
+            </a:ln>
+          </p:spPr>
+          <p:style>
+            <a:lnRef idx="2">
+              <a:schemeClr val="accent1">
+                <a:shade val="50000"/>
+              </a:schemeClr>
+            </a:lnRef>
+            <a:fillRef idx="1">
+              <a:schemeClr val="accent1"/>
+            </a:fillRef>
+            <a:effectRef idx="0">
+              <a:schemeClr val="accent1"/>
+            </a:effectRef>
+            <a:fontRef idx="minor">
+              <a:schemeClr val="lt1"/>
+            </a:fontRef>
+          </p:style>
+          <p:txBody>
+            <a:bodyPr rtlCol="0" anchor="ctr"/>
+            <a:lstStyle/>
+            <a:p>
+              <a:pPr algn="ctr"/>
+              <a:endParaRPr lang="en-US">
+                <a:solidFill>
+                  <a:schemeClr val="tx1"/>
+                </a:solidFill>
+              </a:endParaRPr>
+            </a:p>
+          </p:txBody>
+        </p:sp>
+        <p:sp>
+          <p:nvSpPr>
+            <p:cNvPr id="32" name="TextBox 31"/>
+            <p:cNvSpPr txBox="1"/>
+            <p:nvPr/>
+          </p:nvSpPr>
+          <p:spPr>
+            <a:xfrm>
+              <a:off x="1663521" y="3351589"/>
+              <a:ext cx="914400" cy="369332"/>
+            </a:xfrm>
+            <a:prstGeom prst="rect">
+              <a:avLst/>
+            </a:prstGeom>
+            <a:noFill/>
+          </p:spPr>
+          <p:txBody>
+            <a:bodyPr wrap="square" rtlCol="0">
+              <a:spAutoFit/>
+            </a:bodyPr>
+            <a:lstStyle/>
+            <a:p>
+              <a:pPr algn="ctr"/>
+              <a:r>
+                <a:rPr lang="en-US" smtClean="0"/>
+                <a:t>student</a:t>
+              </a:r>
+              <a:endParaRPr lang="en-US"/>
+            </a:p>
+          </p:txBody>
+        </p:sp>
+      </p:grpSp>
+      <p:cxnSp>
+        <p:nvCxnSpPr>
+          <p:cNvPr id="33" name="Straight Arrow Connector 32"/>
+          <p:cNvCxnSpPr>
+            <a:endCxn id="31" idx="2"/>
+          </p:cNvCxnSpPr>
+          <p:nvPr/>
+        </p:nvCxnSpPr>
+        <p:spPr>
+          <a:xfrm>
+            <a:off x="0" y="3771900"/>
+            <a:ext cx="1447800" cy="0"/>
+          </a:xfrm>
+          <a:prstGeom prst="straightConnector1">
+            <a:avLst/>
+          </a:prstGeom>
+          <a:ln w="28575">
+            <a:solidFill>
+              <a:schemeClr val="tx1"/>
+            </a:solidFill>
+            <a:prstDash val="sysDot"/>
+            <a:tailEnd type="arrow"/>
+          </a:ln>
+        </p:spPr>
+        <p:style>
+          <a:lnRef idx="1">
+            <a:schemeClr val="accent1"/>
+          </a:lnRef>
+          <a:fillRef idx="0">
+            <a:schemeClr val="accent1"/>
+          </a:fillRef>
+          <a:effectRef idx="0">
+            <a:schemeClr val="accent1"/>
+          </a:effectRef>
+          <a:fontRef idx="minor">
+            <a:schemeClr val="tx1"/>
+          </a:fontRef>
+        </p:style>
+      </p:cxnSp>
+      <p:sp>
+        <p:nvSpPr>
+          <p:cNvPr id="34" name="TextBox 33"/>
+          <p:cNvSpPr txBox="1"/>
+          <p:nvPr/>
+        </p:nvSpPr>
+        <p:spPr>
+          <a:xfrm>
+            <a:off x="0" y="3364468"/>
+            <a:ext cx="1524000" cy="369332"/>
+          </a:xfrm>
+          <a:prstGeom prst="rect">
+            <a:avLst/>
+          </a:prstGeom>
+          <a:noFill/>
+        </p:spPr>
+        <p:txBody>
+          <a:bodyPr wrap="square" rtlCol="0">
+            <a:spAutoFit/>
+          </a:bodyPr>
+          <a:lstStyle/>
+          <a:p>
+            <a:r>
+              <a:rPr lang="en-US" smtClean="0"/>
+              <a:t>GPAReq(term)</a:t>
+            </a:r>
+            <a:endParaRPr lang="en-US"/>
+          </a:p>
+        </p:txBody>
+      </p:sp>
+      <p:cxnSp>
+        <p:nvCxnSpPr>
+          <p:cNvPr id="45" name="Straight Arrow Connector 44"/>
+          <p:cNvCxnSpPr/>
+          <p:nvPr/>
+        </p:nvCxnSpPr>
+        <p:spPr>
+          <a:xfrm flipH="1">
+            <a:off x="1939817" y="4800600"/>
+            <a:ext cx="3063625" cy="0"/>
+          </a:xfrm>
+          <a:prstGeom prst="straightConnector1">
+            <a:avLst/>
+          </a:prstGeom>
+          <a:ln w="28575">
+            <a:solidFill>
+              <a:schemeClr val="tx1"/>
+            </a:solidFill>
+            <a:prstDash val="sysDot"/>
+            <a:tailEnd type="arrow"/>
+          </a:ln>
+        </p:spPr>
+        <p:style>
+          <a:lnRef idx="1">
+            <a:schemeClr val="accent1"/>
+          </a:lnRef>
+          <a:fillRef idx="0">
+            <a:schemeClr val="accent1"/>
+          </a:fillRef>
+          <a:effectRef idx="0">
+            <a:schemeClr val="accent1"/>
+          </a:effectRef>
+          <a:fontRef idx="minor">
+            <a:schemeClr val="tx1"/>
+          </a:fontRef>
+        </p:style>
+      </p:cxnSp>
+      <p:cxnSp>
+        <p:nvCxnSpPr>
+          <p:cNvPr id="7" name="Straight Connector 6"/>
+          <p:cNvCxnSpPr>
+            <a:stCxn id="31" idx="4"/>
+          </p:cNvCxnSpPr>
+          <p:nvPr/>
+        </p:nvCxnSpPr>
+        <p:spPr>
+          <a:xfrm flipH="1">
+            <a:off x="1942563" y="4267200"/>
+            <a:ext cx="537" cy="2286000"/>
+          </a:xfrm>
+          <a:prstGeom prst="line">
+            <a:avLst/>
+          </a:prstGeom>
+          <a:ln>
+            <a:solidFill>
+              <a:schemeClr val="tx1"/>
+            </a:solidFill>
+            <a:prstDash val="sysDot"/>
+          </a:ln>
+        </p:spPr>
+        <p:style>
+          <a:lnRef idx="1">
+            <a:schemeClr val="accent1"/>
+          </a:lnRef>
+          <a:fillRef idx="0">
+            <a:schemeClr val="accent1"/>
+          </a:fillRef>
+          <a:effectRef idx="0">
+            <a:schemeClr val="accent1"/>
+          </a:effectRef>
+          <a:fontRef idx="minor">
+            <a:schemeClr val="tx1"/>
+          </a:fontRef>
+        </p:style>
+      </p:cxnSp>
+      <p:sp>
+        <p:nvSpPr>
+          <p:cNvPr id="27" name="TextBox 26"/>
+          <p:cNvSpPr txBox="1"/>
+          <p:nvPr/>
+        </p:nvSpPr>
+        <p:spPr>
+          <a:xfrm>
+            <a:off x="2209800" y="4462046"/>
+            <a:ext cx="2514600" cy="338554"/>
+          </a:xfrm>
+          <a:prstGeom prst="rect">
+            <a:avLst/>
+          </a:prstGeom>
+          <a:noFill/>
+        </p:spPr>
+        <p:txBody>
+          <a:bodyPr wrap="square" rtlCol="0">
+            <a:spAutoFit/>
+          </a:bodyPr>
+          <a:lstStyle/>
+          <a:p>
+            <a:r>
+              <a:rPr lang="en-US" sz="1600" smtClean="0"/>
+              <a:t>GPAInfoResponse(true,14,3)</a:t>
+            </a:r>
+            <a:endParaRPr lang="en-US" sz="1600"/>
+          </a:p>
+        </p:txBody>
+      </p:sp>
+      <p:cxnSp>
+        <p:nvCxnSpPr>
+          <p:cNvPr id="28" name="Straight Arrow Connector 27"/>
+          <p:cNvCxnSpPr/>
+          <p:nvPr/>
+        </p:nvCxnSpPr>
+        <p:spPr>
+          <a:xfrm flipH="1">
+            <a:off x="1943637" y="5257800"/>
+            <a:ext cx="3063625" cy="0"/>
+          </a:xfrm>
+          <a:prstGeom prst="straightConnector1">
+            <a:avLst/>
+          </a:prstGeom>
+          <a:ln w="28575">
+            <a:solidFill>
+              <a:schemeClr val="tx1"/>
+            </a:solidFill>
+            <a:prstDash val="sysDot"/>
+            <a:tailEnd type="arrow"/>
+          </a:ln>
+        </p:spPr>
+        <p:style>
+          <a:lnRef idx="1">
+            <a:schemeClr val="accent1"/>
+          </a:lnRef>
+          <a:fillRef idx="0">
+            <a:schemeClr val="accent1"/>
+          </a:fillRef>
+          <a:effectRef idx="0">
+            <a:schemeClr val="accent1"/>
+          </a:effectRef>
+          <a:fontRef idx="minor">
+            <a:schemeClr val="tx1"/>
+          </a:fontRef>
+        </p:style>
+      </p:cxnSp>
+      <p:sp>
+        <p:nvSpPr>
+          <p:cNvPr id="29" name="TextBox 28"/>
+          <p:cNvSpPr txBox="1"/>
+          <p:nvPr/>
+        </p:nvSpPr>
+        <p:spPr>
+          <a:xfrm>
+            <a:off x="2213620" y="4919246"/>
+            <a:ext cx="2663180" cy="338554"/>
+          </a:xfrm>
+          <a:prstGeom prst="rect">
+            <a:avLst/>
+          </a:prstGeom>
+          <a:noFill/>
+        </p:spPr>
+        <p:txBody>
+          <a:bodyPr wrap="square" rtlCol="0">
+            <a:spAutoFit/>
+          </a:bodyPr>
+          <a:lstStyle/>
+          <a:p>
+            <a:r>
+              <a:rPr lang="en-US" sz="1600" smtClean="0"/>
+              <a:t>GPAInfoResponse(false,17,2)</a:t>
+            </a:r>
+            <a:endParaRPr lang="en-US" sz="1600"/>
+          </a:p>
+        </p:txBody>
+      </p:sp>
+      <p:cxnSp>
+        <p:nvCxnSpPr>
+          <p:cNvPr id="46" name="Straight Arrow Connector 45"/>
+          <p:cNvCxnSpPr/>
+          <p:nvPr/>
+        </p:nvCxnSpPr>
+        <p:spPr>
+          <a:xfrm flipH="1">
+            <a:off x="1956516" y="5715000"/>
+            <a:ext cx="3063625" cy="0"/>
+          </a:xfrm>
+          <a:prstGeom prst="straightConnector1">
+            <a:avLst/>
+          </a:prstGeom>
+          <a:ln w="28575">
+            <a:solidFill>
+              <a:schemeClr val="tx1"/>
+            </a:solidFill>
+            <a:prstDash val="sysDot"/>
+            <a:tailEnd type="arrow"/>
+          </a:ln>
+        </p:spPr>
+        <p:style>
+          <a:lnRef idx="1">
+            <a:schemeClr val="accent1"/>
+          </a:lnRef>
+          <a:fillRef idx="0">
+            <a:schemeClr val="accent1"/>
+          </a:fillRef>
+          <a:effectRef idx="0">
+            <a:schemeClr val="accent1"/>
+          </a:effectRef>
+          <a:fontRef idx="minor">
+            <a:schemeClr val="tx1"/>
+          </a:fontRef>
+        </p:style>
+      </p:cxnSp>
+      <p:sp>
+        <p:nvSpPr>
+          <p:cNvPr id="49" name="TextBox 48"/>
+          <p:cNvSpPr txBox="1"/>
+          <p:nvPr/>
+        </p:nvSpPr>
+        <p:spPr>
+          <a:xfrm>
+            <a:off x="2226499" y="5376446"/>
+            <a:ext cx="2514600" cy="338554"/>
+          </a:xfrm>
+          <a:prstGeom prst="rect">
+            <a:avLst/>
+          </a:prstGeom>
+          <a:noFill/>
+        </p:spPr>
+        <p:txBody>
+          <a:bodyPr wrap="square" rtlCol="0">
+            <a:spAutoFit/>
+          </a:bodyPr>
+          <a:lstStyle/>
+          <a:p>
+            <a:r>
+              <a:rPr lang="en-US" sz="1600" smtClean="0"/>
+              <a:t>GPAInfoResponse(true,8,3)</a:t>
+            </a:r>
+            <a:endParaRPr lang="en-US" sz="1600"/>
+          </a:p>
+        </p:txBody>
+      </p:sp>
+      <p:sp>
+        <p:nvSpPr>
+          <p:cNvPr id="50" name="TextBox 49"/>
+          <p:cNvSpPr txBox="1"/>
+          <p:nvPr/>
+        </p:nvSpPr>
+        <p:spPr>
+          <a:xfrm>
+            <a:off x="3086100" y="5715000"/>
+            <a:ext cx="762000" cy="923330"/>
+          </a:xfrm>
+          <a:prstGeom prst="rect">
+            <a:avLst/>
+          </a:prstGeom>
+          <a:noFill/>
+        </p:spPr>
+        <p:txBody>
+          <a:bodyPr wrap="square" rtlCol="0">
+            <a:spAutoFit/>
+          </a:bodyPr>
+          <a:lstStyle/>
+          <a:p>
+            <a:pPr algn="ctr"/>
+            <a:r>
+              <a:rPr lang="en-US" smtClean="0"/>
+              <a:t>.</a:t>
+            </a:r>
+          </a:p>
+          <a:p>
+            <a:pPr algn="ctr"/>
+            <a:r>
+              <a:rPr lang="en-US" smtClean="0"/>
+              <a:t>.</a:t>
+            </a:r>
+          </a:p>
+          <a:p>
+            <a:pPr algn="ctr"/>
+            <a:r>
+              <a:rPr lang="en-US"/>
+              <a:t>.</a:t>
+            </a:r>
+          </a:p>
+        </p:txBody>
+      </p:sp>
+    </p:spTree>
+    <p:extLst>
+      <p:ext uri="{BB962C8B-B14F-4D97-AF65-F5344CB8AC3E}">
+        <p14:creationId xmlns:p14="http://schemas.microsoft.com/office/powerpoint/2010/main" val="3563320804"/>
+      </p:ext>
+    </p:extLst>
+  </p:cSld>
+  <p:clrMapOvr>
+    <a:masterClrMapping/>
+  </p:clrMapOvr>
+  <p:timing>
+    <p:tnLst>
+      <p:par>
+        <p:cTn id="1" dur="indefinite" restart="never" nodeType="tmRoot"/>
+      </p:par>
+    </p:tnLst>
+  </p:timing>
+</p:sld>
+</file>
+
+<file path=ppt/slides/slide24.xml><?xml version="1.0" encoding="utf-8"?>
+<p:sld xmlns:a="http://schemas.openxmlformats.org/drawingml/2006/main" xmlns:r="http://schemas.openxmlformats.org/officeDocument/2006/relationships" xmlns:p="http://schemas.openxmlformats.org/presentationml/2006/main">
+  <p:cSld>
+    <p:spTree>
+      <p:nvGrpSpPr>
+        <p:cNvPr id="1" name=""/>
+        <p:cNvGrpSpPr/>
+        <p:nvPr/>
+      </p:nvGrpSpPr>
+      <p:grpSpPr>
+        <a:xfrm>
+          <a:off x="0" y="0"/>
+          <a:ext cx="0" cy="0"/>
+          <a:chOff x="0" y="0"/>
+          <a:chExt cx="0" cy="0"/>
+        </a:xfrm>
+      </p:grpSpPr>
+      <p:sp>
+        <p:nvSpPr>
+          <p:cNvPr id="2" name="Title 1"/>
+          <p:cNvSpPr>
+            <a:spLocks noGrp="1"/>
+          </p:cNvSpPr>
+          <p:nvPr>
+            <p:ph type="title"/>
+          </p:nvPr>
+        </p:nvSpPr>
+        <p:spPr/>
+        <p:txBody>
+          <a:bodyPr/>
+          <a:lstStyle/>
+          <a:p>
+            <a:r>
+              <a:rPr lang="fa-IR" smtClean="0"/>
+              <a:t>طراحی مورد کاربرد محاسبه‌ی معدل</a:t>
+            </a:r>
+            <a:endParaRPr lang="en-US"/>
+          </a:p>
+        </p:txBody>
+      </p:sp>
+      <p:sp>
+        <p:nvSpPr>
+          <p:cNvPr id="3" name="Content Placeholder 2"/>
+          <p:cNvSpPr>
+            <a:spLocks noGrp="1"/>
+          </p:cNvSpPr>
+          <p:nvPr>
+            <p:ph idx="1"/>
+          </p:nvPr>
+        </p:nvSpPr>
+        <p:spPr/>
+        <p:txBody>
+          <a:bodyPr/>
+          <a:lstStyle/>
+          <a:p>
+            <a:r>
+              <a:rPr lang="fa-IR" smtClean="0"/>
+              <a:t>منطق پردازش پاسخ‌ها</a:t>
+            </a:r>
+            <a:endParaRPr lang="en-US"/>
+          </a:p>
+          <a:p>
+            <a:pPr lvl="1"/>
+            <a:r>
+              <a:rPr lang="fa-IR" smtClean="0"/>
+              <a:t>مجموع وزن‌دار نمرات</a:t>
+            </a:r>
+          </a:p>
+          <a:p>
+            <a:pPr lvl="1"/>
+            <a:r>
+              <a:rPr lang="fa-IR" smtClean="0"/>
+              <a:t>مجموع واحدها</a:t>
+            </a:r>
+          </a:p>
+          <a:p>
+            <a:pPr lvl="1"/>
+            <a:endParaRPr lang="en-US" smtClean="0"/>
+          </a:p>
+          <a:p>
+            <a:pPr marL="114300" indent="0">
+              <a:buNone/>
+            </a:pPr>
+            <a:endParaRPr lang="en-US"/>
+          </a:p>
+          <a:p>
+            <a:endParaRPr lang="fa-IR" smtClean="0"/>
+          </a:p>
+        </p:txBody>
+      </p:sp>
+      <p:sp>
+        <p:nvSpPr>
+          <p:cNvPr id="5" name="Slide Number Placeholder 4"/>
+          <p:cNvSpPr>
+            <a:spLocks noGrp="1"/>
+          </p:cNvSpPr>
+          <p:nvPr>
+            <p:ph type="sldNum" sz="quarter" idx="12"/>
+          </p:nvPr>
+        </p:nvSpPr>
+        <p:spPr/>
+        <p:txBody>
+          <a:bodyPr/>
+          <a:lstStyle/>
+          <a:p>
+            <a:fld id="{7800738A-F715-4360-B8B2-93AC517FA922}" type="slidenum">
+              <a:rPr lang="fa-IR" noProof="0" smtClean="0"/>
+              <a:t>24</a:t>
+            </a:fld>
+            <a:endParaRPr lang="fa-IR" noProof="0"/>
+          </a:p>
+        </p:txBody>
+      </p:sp>
+      <p:pic>
+        <p:nvPicPr>
+          <p:cNvPr id="4" name="Picture 3"/>
+          <p:cNvPicPr>
+            <a:picLocks noChangeAspect="1"/>
+          </p:cNvPicPr>
+          <p:nvPr/>
+        </p:nvPicPr>
+        <p:blipFill>
+          <a:blip r:embed="rId2">
+            <a:extLst>
+              <a:ext uri="{28A0092B-C50C-407E-A947-70E740481C1C}">
+                <a14:useLocalDpi xmlns:a14="http://schemas.microsoft.com/office/drawing/2010/main" val="0"/>
+              </a:ext>
+            </a:extLst>
+          </a:blip>
+          <a:stretch>
+            <a:fillRect/>
+          </a:stretch>
+        </p:blipFill>
+        <p:spPr>
+          <a:xfrm>
+            <a:off x="523190" y="3581400"/>
+            <a:ext cx="6599019" cy="1905000"/>
+          </a:xfrm>
+          <a:prstGeom prst="rect">
+            <a:avLst/>
+          </a:prstGeom>
+        </p:spPr>
+      </p:pic>
+    </p:spTree>
+    <p:extLst>
+      <p:ext uri="{BB962C8B-B14F-4D97-AF65-F5344CB8AC3E}">
+        <p14:creationId xmlns:p14="http://schemas.microsoft.com/office/powerpoint/2010/main" val="3849731262"/>
+      </p:ext>
+    </p:extLst>
+  </p:cSld>
+  <p:clrMapOvr>
+    <a:masterClrMapping/>
+  </p:clrMapOvr>
+  <p:timing>
+    <p:tnLst>
+      <p:par>
+        <p:cTn id="1" dur="indefinite" restart="never" nodeType="tmRoot"/>
+      </p:par>
+    </p:tnLst>
+  </p:timing>
+</p:sld>
+</file>
+
+<file path=ppt/slides/slide25.xml><?xml version="1.0" encoding="utf-8"?>
+<p:sld xmlns:a="http://schemas.openxmlformats.org/drawingml/2006/main" xmlns:r="http://schemas.openxmlformats.org/officeDocument/2006/relationships" xmlns:p="http://schemas.openxmlformats.org/presentationml/2006/main">
+  <p:cSld>
+    <p:spTree>
+      <p:nvGrpSpPr>
+        <p:cNvPr id="1" name=""/>
+        <p:cNvGrpSpPr/>
+        <p:nvPr/>
+      </p:nvGrpSpPr>
+      <p:grpSpPr>
+        <a:xfrm>
+          <a:off x="0" y="0"/>
+          <a:ext cx="0" cy="0"/>
+          <a:chOff x="0" y="0"/>
+          <a:chExt cx="0" cy="0"/>
+        </a:xfrm>
+      </p:grpSpPr>
+      <p:sp>
+        <p:nvSpPr>
+          <p:cNvPr id="2" name="Title 1"/>
+          <p:cNvSpPr>
+            <a:spLocks noGrp="1"/>
+          </p:cNvSpPr>
+          <p:nvPr>
+            <p:ph type="title"/>
+          </p:nvPr>
+        </p:nvSpPr>
+        <p:spPr/>
+        <p:txBody>
+          <a:bodyPr/>
+          <a:lstStyle/>
+          <a:p>
+            <a:r>
+              <a:rPr lang="fa-IR" smtClean="0"/>
+              <a:t>طراحی مورد کاربرد محاسبه‌ی معدل</a:t>
+            </a:r>
+            <a:endParaRPr lang="en-US"/>
+          </a:p>
+        </p:txBody>
+      </p:sp>
+      <p:sp>
+        <p:nvSpPr>
+          <p:cNvPr id="3" name="Content Placeholder 2"/>
+          <p:cNvSpPr>
+            <a:spLocks noGrp="1"/>
+          </p:cNvSpPr>
+          <p:nvPr>
+            <p:ph idx="1"/>
+          </p:nvPr>
+        </p:nvSpPr>
+        <p:spPr/>
+        <p:txBody>
+          <a:bodyPr/>
+          <a:lstStyle/>
+          <a:p>
+            <a:pPr lvl="1"/>
+            <a:r>
+              <a:rPr lang="fa-IR" smtClean="0"/>
+              <a:t>نقش سایر اکتورها (یکی یکی)</a:t>
+            </a:r>
+          </a:p>
+          <a:p>
+            <a:pPr lvl="1"/>
+            <a:r>
+              <a:rPr lang="fa-IR" smtClean="0"/>
+              <a:t>بعد می‌گیم که اگه درخواستهای جدید بیاد چی؟ مشکل -&gt; سنکرون می‌کنیم</a:t>
+            </a:r>
+          </a:p>
+          <a:p>
+            <a:pPr lvl="1"/>
+            <a:r>
+              <a:rPr lang="fa-IR" smtClean="0"/>
+              <a:t>بعد سیکوئنس دیاگرام رویکرد اول</a:t>
+            </a:r>
+            <a:endParaRPr lang="en-US" smtClean="0"/>
+          </a:p>
+          <a:p>
+            <a:pPr lvl="1"/>
+            <a:r>
+              <a:rPr lang="fa-IR" smtClean="0"/>
+              <a:t>بعدش می‌گم که پس تمومه؟ نه تموم نیست!</a:t>
+            </a:r>
+          </a:p>
+          <a:p>
+            <a:pPr lvl="1"/>
+            <a:r>
+              <a:rPr lang="fa-IR" smtClean="0"/>
+              <a:t>تصمیم مهم: آیا حتماً باید سنکرون باید وایسیم جواب بگیریم؟ خیر می‌تونیم فیوچر بزنیم.</a:t>
+            </a:r>
+          </a:p>
+          <a:p>
+            <a:pPr lvl="1"/>
+            <a:r>
+              <a:rPr lang="fa-IR" smtClean="0"/>
+              <a:t>بعد می‌گیم چرا باید هر کدوم جواب رو به همونی که گرفته بده؟ تارگت رو بذار بفرست.</a:t>
+            </a:r>
+          </a:p>
+          <a:p>
+            <a:pPr lvl="1"/>
+            <a:r>
+              <a:rPr lang="fa-IR" smtClean="0"/>
+              <a:t>بعد می‌گیم در رویکرد ۲ اینکار رو می‌کنیم.</a:t>
+            </a:r>
+          </a:p>
+          <a:p>
+            <a:pPr lvl="1"/>
+            <a:r>
+              <a:rPr lang="fa-IR" smtClean="0"/>
+              <a:t>آیا هر کی که گرفته به همون جواب می‌ده؟</a:t>
+            </a:r>
+            <a:endParaRPr lang="en-US" smtClean="0"/>
+          </a:p>
+          <a:p>
+            <a:pPr marL="114300" indent="0">
+              <a:buNone/>
+            </a:pPr>
+            <a:endParaRPr lang="en-US"/>
+          </a:p>
+          <a:p>
+            <a:endParaRPr lang="fa-IR" smtClean="0"/>
+          </a:p>
+        </p:txBody>
+      </p:sp>
+      <p:sp>
+        <p:nvSpPr>
+          <p:cNvPr id="5" name="Slide Number Placeholder 4"/>
+          <p:cNvSpPr>
+            <a:spLocks noGrp="1"/>
+          </p:cNvSpPr>
+          <p:nvPr>
+            <p:ph type="sldNum" sz="quarter" idx="12"/>
+          </p:nvPr>
+        </p:nvSpPr>
+        <p:spPr/>
+        <p:txBody>
+          <a:bodyPr/>
+          <a:lstStyle/>
+          <a:p>
+            <a:fld id="{7800738A-F715-4360-B8B2-93AC517FA922}" type="slidenum">
+              <a:rPr lang="fa-IR" noProof="0" smtClean="0"/>
+              <a:t>25</a:t>
+            </a:fld>
+            <a:endParaRPr lang="fa-IR" noProof="0"/>
+          </a:p>
+        </p:txBody>
+      </p:sp>
+    </p:spTree>
+    <p:extLst>
+      <p:ext uri="{BB962C8B-B14F-4D97-AF65-F5344CB8AC3E}">
+        <p14:creationId xmlns:p14="http://schemas.microsoft.com/office/powerpoint/2010/main" val="2685641668"/>
+      </p:ext>
+    </p:extLst>
+  </p:cSld>
+  <p:clrMapOvr>
+    <a:masterClrMapping/>
+  </p:clrMapOvr>
+  <p:timing>
+    <p:tnLst>
+      <p:par>
+        <p:cTn id="1" dur="indefinite" restart="never" nodeType="tmRoot"/>
+      </p:par>
+    </p:tnLst>
+  </p:timing>
+</p:sld>
+</file>
+
+<file path=ppt/slides/slide26.xml><?xml version="1.0" encoding="utf-8"?>
+<p:sld xmlns:a="http://schemas.openxmlformats.org/drawingml/2006/main" xmlns:r="http://schemas.openxmlformats.org/officeDocument/2006/relationships" xmlns:p="http://schemas.openxmlformats.org/presentationml/2006/main">
+  <p:cSld>
+    <p:spTree>
+      <p:nvGrpSpPr>
+        <p:cNvPr id="1" name=""/>
+        <p:cNvGrpSpPr/>
+        <p:nvPr/>
+      </p:nvGrpSpPr>
+      <p:grpSpPr>
+        <a:xfrm>
+          <a:off x="0" y="0"/>
+          <a:ext cx="0" cy="0"/>
+          <a:chOff x="0" y="0"/>
+          <a:chExt cx="0" cy="0"/>
+        </a:xfrm>
+      </p:grpSpPr>
+      <p:sp>
+        <p:nvSpPr>
+          <p:cNvPr id="2" name="Title 1"/>
+          <p:cNvSpPr>
+            <a:spLocks noGrp="1"/>
+          </p:cNvSpPr>
+          <p:nvPr>
+            <p:ph type="title"/>
+          </p:nvPr>
+        </p:nvSpPr>
+        <p:spPr/>
+        <p:txBody>
+          <a:bodyPr/>
+          <a:lstStyle/>
+          <a:p>
+            <a:r>
+              <a:rPr lang="fa-IR" smtClean="0"/>
+              <a:t>طراحی مورد کاربرد محاسبه‌ی معدل</a:t>
+            </a:r>
+            <a:endParaRPr lang="en-US"/>
+          </a:p>
+        </p:txBody>
+      </p:sp>
+      <p:sp>
+        <p:nvSpPr>
+          <p:cNvPr id="5" name="Slide Number Placeholder 4"/>
+          <p:cNvSpPr>
+            <a:spLocks noGrp="1"/>
+          </p:cNvSpPr>
+          <p:nvPr>
+            <p:ph type="sldNum" sz="quarter" idx="12"/>
+          </p:nvPr>
+        </p:nvSpPr>
+        <p:spPr/>
+        <p:txBody>
+          <a:bodyPr/>
+          <a:lstStyle/>
+          <a:p>
+            <a:fld id="{7800738A-F715-4360-B8B2-93AC517FA922}" type="slidenum">
+              <a:rPr lang="fa-IR" noProof="0" smtClean="0"/>
+              <a:t>26</a:t>
+            </a:fld>
+            <a:endParaRPr lang="fa-IR" noProof="0"/>
+          </a:p>
+        </p:txBody>
+      </p:sp>
+    </p:spTree>
+    <p:extLst>
+      <p:ext uri="{BB962C8B-B14F-4D97-AF65-F5344CB8AC3E}">
+        <p14:creationId xmlns:p14="http://schemas.microsoft.com/office/powerpoint/2010/main" val="1766325194"/>
+      </p:ext>
+    </p:extLst>
+  </p:cSld>
+  <p:clrMapOvr>
+    <a:masterClrMapping/>
+  </p:clrMapOvr>
+  <p:timing>
+    <p:tnLst>
+      <p:par>
+        <p:cTn id="1" dur="indefinite" restart="never" nodeType="tmRoot"/>
+      </p:par>
+    </p:tnLst>
+  </p:timing>
+</p:sld>
+</file>
+
+<file path=ppt/slides/slide27.xml><?xml version="1.0" encoding="utf-8"?>
+<p:sld xmlns:a="http://schemas.openxmlformats.org/drawingml/2006/main" xmlns:r="http://schemas.openxmlformats.org/officeDocument/2006/relationships" xmlns:p="http://schemas.openxmlformats.org/presentationml/2006/main">
+  <p:cSld>
+    <p:spTree>
+      <p:nvGrpSpPr>
+        <p:cNvPr id="1" name=""/>
+        <p:cNvGrpSpPr/>
+        <p:nvPr/>
+      </p:nvGrpSpPr>
+      <p:grpSpPr>
+        <a:xfrm>
+          <a:off x="0" y="0"/>
+          <a:ext cx="0" cy="0"/>
+          <a:chOff x="0" y="0"/>
+          <a:chExt cx="0" cy="0"/>
+        </a:xfrm>
+      </p:grpSpPr>
+      <p:sp>
+        <p:nvSpPr>
+          <p:cNvPr id="2" name="Title 1"/>
+          <p:cNvSpPr>
+            <a:spLocks noGrp="1"/>
+          </p:cNvSpPr>
+          <p:nvPr>
+            <p:ph type="title"/>
+          </p:nvPr>
+        </p:nvSpPr>
+        <p:spPr/>
+        <p:txBody>
+          <a:bodyPr/>
+          <a:lstStyle/>
+          <a:p>
+            <a:r>
+              <a:rPr lang="fa-IR" smtClean="0"/>
+              <a:t>طراحی مورد کاربرد محاسبه‌ی معدل</a:t>
+            </a:r>
+            <a:endParaRPr lang="en-US"/>
+          </a:p>
+        </p:txBody>
+      </p:sp>
+      <p:sp>
+        <p:nvSpPr>
+          <p:cNvPr id="5" name="Slide Number Placeholder 4"/>
+          <p:cNvSpPr>
+            <a:spLocks noGrp="1"/>
+          </p:cNvSpPr>
+          <p:nvPr>
+            <p:ph type="sldNum" sz="quarter" idx="12"/>
+          </p:nvPr>
+        </p:nvSpPr>
+        <p:spPr/>
+        <p:txBody>
+          <a:bodyPr/>
+          <a:lstStyle/>
+          <a:p>
+            <a:fld id="{7800738A-F715-4360-B8B2-93AC517FA922}" type="slidenum">
+              <a:rPr lang="fa-IR" noProof="0" smtClean="0"/>
+              <a:t>27</a:t>
+            </a:fld>
+            <a:endParaRPr lang="fa-IR" noProof="0"/>
+          </a:p>
+        </p:txBody>
+      </p:sp>
+      <p:grpSp>
+        <p:nvGrpSpPr>
+          <p:cNvPr id="13" name="Group 12"/>
+          <p:cNvGrpSpPr/>
+          <p:nvPr/>
+        </p:nvGrpSpPr>
+        <p:grpSpPr>
+          <a:xfrm>
+            <a:off x="1676400" y="2514600"/>
+            <a:ext cx="990600" cy="990600"/>
+            <a:chOff x="1625958" y="3048000"/>
+            <a:chExt cx="990600" cy="990600"/>
+          </a:xfrm>
+        </p:grpSpPr>
+        <p:sp>
+          <p:nvSpPr>
+            <p:cNvPr id="7" name="Oval 6"/>
+            <p:cNvSpPr/>
+            <p:nvPr/>
+          </p:nvSpPr>
+          <p:spPr>
+            <a:xfrm>
+              <a:off x="1625958" y="3048000"/>
+              <a:ext cx="990600" cy="990600"/>
+            </a:xfrm>
+            <a:prstGeom prst="ellipse">
+              <a:avLst/>
+            </a:prstGeom>
+            <a:solidFill>
+              <a:schemeClr val="bg1"/>
+            </a:solidFill>
+            <a:ln>
+              <a:solidFill>
+                <a:schemeClr val="tx1"/>
+              </a:solidFill>
+            </a:ln>
+          </p:spPr>
+          <p:style>
+            <a:lnRef idx="2">
+              <a:schemeClr val="accent1">
+                <a:shade val="50000"/>
+              </a:schemeClr>
+            </a:lnRef>
+            <a:fillRef idx="1">
+              <a:schemeClr val="accent1"/>
+            </a:fillRef>
+            <a:effectRef idx="0">
+              <a:schemeClr val="accent1"/>
+            </a:effectRef>
+            <a:fontRef idx="minor">
+              <a:schemeClr val="lt1"/>
+            </a:fontRef>
+          </p:style>
+          <p:txBody>
+            <a:bodyPr rtlCol="0" anchor="ctr"/>
+            <a:lstStyle/>
+            <a:p>
+              <a:pPr algn="ctr"/>
+              <a:endParaRPr lang="en-US">
+                <a:solidFill>
+                  <a:schemeClr val="tx1"/>
+                </a:solidFill>
+              </a:endParaRPr>
+            </a:p>
+          </p:txBody>
+        </p:sp>
+        <p:sp>
+          <p:nvSpPr>
+            <p:cNvPr id="8" name="TextBox 7"/>
+            <p:cNvSpPr txBox="1"/>
+            <p:nvPr/>
+          </p:nvSpPr>
+          <p:spPr>
+            <a:xfrm>
+              <a:off x="1663521" y="3351589"/>
+              <a:ext cx="914400" cy="369332"/>
+            </a:xfrm>
+            <a:prstGeom prst="rect">
+              <a:avLst/>
+            </a:prstGeom>
+            <a:noFill/>
+          </p:spPr>
+          <p:txBody>
+            <a:bodyPr wrap="square" rtlCol="0">
+              <a:spAutoFit/>
+            </a:bodyPr>
+            <a:lstStyle/>
+            <a:p>
+              <a:pPr algn="ctr"/>
+              <a:r>
+                <a:rPr lang="en-US" smtClean="0"/>
+                <a:t>student</a:t>
+              </a:r>
+              <a:endParaRPr lang="en-US"/>
+            </a:p>
+          </p:txBody>
+        </p:sp>
+      </p:grpSp>
+      <p:cxnSp>
+        <p:nvCxnSpPr>
+          <p:cNvPr id="10" name="Straight Arrow Connector 9"/>
+          <p:cNvCxnSpPr>
+            <a:endCxn id="7" idx="2"/>
+          </p:cNvCxnSpPr>
+          <p:nvPr/>
+        </p:nvCxnSpPr>
+        <p:spPr>
+          <a:xfrm>
+            <a:off x="228600" y="3009900"/>
+            <a:ext cx="1447800" cy="0"/>
+          </a:xfrm>
+          <a:prstGeom prst="straightConnector1">
+            <a:avLst/>
+          </a:prstGeom>
+          <a:ln w="28575">
+            <a:solidFill>
+              <a:schemeClr val="tx1"/>
+            </a:solidFill>
+            <a:prstDash val="sysDot"/>
+            <a:tailEnd type="arrow"/>
+          </a:ln>
+        </p:spPr>
+        <p:style>
+          <a:lnRef idx="1">
+            <a:schemeClr val="accent1"/>
+          </a:lnRef>
+          <a:fillRef idx="0">
+            <a:schemeClr val="accent1"/>
+          </a:fillRef>
+          <a:effectRef idx="0">
+            <a:schemeClr val="accent1"/>
+          </a:effectRef>
+          <a:fontRef idx="minor">
+            <a:schemeClr val="tx1"/>
+          </a:fontRef>
+        </p:style>
+      </p:cxnSp>
+      <p:sp>
+        <p:nvSpPr>
+          <p:cNvPr id="14" name="TextBox 13"/>
+          <p:cNvSpPr txBox="1"/>
+          <p:nvPr/>
+        </p:nvSpPr>
+        <p:spPr>
+          <a:xfrm>
+            <a:off x="228600" y="2602468"/>
+            <a:ext cx="1524000" cy="369332"/>
+          </a:xfrm>
+          <a:prstGeom prst="rect">
+            <a:avLst/>
+          </a:prstGeom>
+          <a:noFill/>
+        </p:spPr>
+        <p:txBody>
+          <a:bodyPr wrap="square" rtlCol="0">
+            <a:spAutoFit/>
+          </a:bodyPr>
+          <a:lstStyle/>
+          <a:p>
+            <a:r>
+              <a:rPr lang="en-US" smtClean="0"/>
+              <a:t>GPAReq(term)</a:t>
+            </a:r>
+            <a:endParaRPr lang="en-US"/>
+          </a:p>
+        </p:txBody>
+      </p:sp>
+      <p:grpSp>
+        <p:nvGrpSpPr>
+          <p:cNvPr id="11" name="Group 10"/>
+          <p:cNvGrpSpPr/>
+          <p:nvPr/>
+        </p:nvGrpSpPr>
+        <p:grpSpPr>
+          <a:xfrm>
+            <a:off x="4038600" y="1676400"/>
+            <a:ext cx="1066800" cy="990600"/>
+            <a:chOff x="1625958" y="3048000"/>
+            <a:chExt cx="1066800" cy="990600"/>
+          </a:xfrm>
+        </p:grpSpPr>
+        <p:sp>
+          <p:nvSpPr>
+            <p:cNvPr id="12" name="Oval 11"/>
+            <p:cNvSpPr/>
+            <p:nvPr/>
+          </p:nvSpPr>
+          <p:spPr>
+            <a:xfrm>
+              <a:off x="1625958" y="3048000"/>
+              <a:ext cx="990600" cy="990600"/>
+            </a:xfrm>
+            <a:prstGeom prst="ellipse">
+              <a:avLst/>
+            </a:prstGeom>
+            <a:solidFill>
+              <a:schemeClr val="bg1"/>
+            </a:solidFill>
+            <a:ln>
+              <a:solidFill>
+                <a:schemeClr val="tx1"/>
+              </a:solidFill>
+            </a:ln>
+          </p:spPr>
+          <p:style>
+            <a:lnRef idx="2">
+              <a:schemeClr val="accent1">
+                <a:shade val="50000"/>
+              </a:schemeClr>
+            </a:lnRef>
+            <a:fillRef idx="1">
+              <a:schemeClr val="accent1"/>
+            </a:fillRef>
+            <a:effectRef idx="0">
+              <a:schemeClr val="accent1"/>
+            </a:effectRef>
+            <a:fontRef idx="minor">
+              <a:schemeClr val="lt1"/>
+            </a:fontRef>
+          </p:style>
+          <p:txBody>
+            <a:bodyPr rtlCol="0" anchor="ctr"/>
+            <a:lstStyle/>
+            <a:p>
+              <a:pPr algn="ctr"/>
+              <a:endParaRPr lang="en-US">
+                <a:solidFill>
+                  <a:schemeClr val="tx1"/>
+                </a:solidFill>
+              </a:endParaRPr>
+            </a:p>
+          </p:txBody>
+        </p:sp>
+        <p:sp>
+          <p:nvSpPr>
+            <p:cNvPr id="15" name="TextBox 14"/>
+            <p:cNvSpPr txBox="1"/>
+            <p:nvPr/>
+          </p:nvSpPr>
+          <p:spPr>
+            <a:xfrm>
+              <a:off x="1663521" y="3351589"/>
+              <a:ext cx="1029237" cy="307777"/>
+            </a:xfrm>
+            <a:prstGeom prst="rect">
+              <a:avLst/>
+            </a:prstGeom>
+            <a:noFill/>
+          </p:spPr>
+          <p:txBody>
+            <a:bodyPr wrap="square" rtlCol="0">
+              <a:spAutoFit/>
+            </a:bodyPr>
+            <a:lstStyle/>
+            <a:p>
+              <a:r>
+                <a:rPr lang="en-US" sz="1400" smtClean="0"/>
+                <a:t>studyRec1</a:t>
+              </a:r>
+              <a:endParaRPr lang="en-US" sz="1400"/>
+            </a:p>
+          </p:txBody>
+        </p:sp>
+      </p:grpSp>
+      <p:grpSp>
+        <p:nvGrpSpPr>
+          <p:cNvPr id="16" name="Group 15"/>
+          <p:cNvGrpSpPr/>
+          <p:nvPr/>
+        </p:nvGrpSpPr>
+        <p:grpSpPr>
+          <a:xfrm>
+            <a:off x="4032161" y="3429000"/>
+            <a:ext cx="1066800" cy="990600"/>
+            <a:chOff x="1625958" y="3048000"/>
+            <a:chExt cx="1066800" cy="990600"/>
+          </a:xfrm>
+        </p:grpSpPr>
+        <p:sp>
+          <p:nvSpPr>
+            <p:cNvPr id="17" name="Oval 16"/>
+            <p:cNvSpPr/>
+            <p:nvPr/>
+          </p:nvSpPr>
+          <p:spPr>
+            <a:xfrm>
+              <a:off x="1625958" y="3048000"/>
+              <a:ext cx="990600" cy="990600"/>
+            </a:xfrm>
+            <a:prstGeom prst="ellipse">
+              <a:avLst/>
+            </a:prstGeom>
+            <a:solidFill>
+              <a:schemeClr val="bg1"/>
+            </a:solidFill>
+            <a:ln>
+              <a:solidFill>
+                <a:schemeClr val="tx1"/>
+              </a:solidFill>
+            </a:ln>
+          </p:spPr>
+          <p:style>
+            <a:lnRef idx="2">
+              <a:schemeClr val="accent1">
+                <a:shade val="50000"/>
+              </a:schemeClr>
+            </a:lnRef>
+            <a:fillRef idx="1">
+              <a:schemeClr val="accent1"/>
+            </a:fillRef>
+            <a:effectRef idx="0">
+              <a:schemeClr val="accent1"/>
+            </a:effectRef>
+            <a:fontRef idx="minor">
+              <a:schemeClr val="lt1"/>
+            </a:fontRef>
+          </p:style>
+          <p:txBody>
+            <a:bodyPr rtlCol="0" anchor="ctr"/>
+            <a:lstStyle/>
+            <a:p>
+              <a:pPr algn="ctr"/>
+              <a:endParaRPr lang="en-US">
+                <a:solidFill>
+                  <a:schemeClr val="tx1"/>
+                </a:solidFill>
+              </a:endParaRPr>
+            </a:p>
+          </p:txBody>
+        </p:sp>
+        <p:sp>
+          <p:nvSpPr>
+            <p:cNvPr id="18" name="TextBox 17"/>
+            <p:cNvSpPr txBox="1"/>
+            <p:nvPr/>
+          </p:nvSpPr>
+          <p:spPr>
+            <a:xfrm>
+              <a:off x="1663521" y="3351589"/>
+              <a:ext cx="1029237" cy="307777"/>
+            </a:xfrm>
+            <a:prstGeom prst="rect">
+              <a:avLst/>
+            </a:prstGeom>
+            <a:noFill/>
+          </p:spPr>
+          <p:txBody>
+            <a:bodyPr wrap="square" rtlCol="0">
+              <a:spAutoFit/>
+            </a:bodyPr>
+            <a:lstStyle/>
+            <a:p>
+              <a:r>
+                <a:rPr lang="en-US" sz="1400" smtClean="0"/>
+                <a:t>studyRec2</a:t>
+              </a:r>
+              <a:endParaRPr lang="en-US" sz="1400"/>
+            </a:p>
+          </p:txBody>
+        </p:sp>
+      </p:grpSp>
+      <p:cxnSp>
+        <p:nvCxnSpPr>
+          <p:cNvPr id="19" name="Straight Arrow Connector 18"/>
+          <p:cNvCxnSpPr/>
+          <p:nvPr/>
+        </p:nvCxnSpPr>
+        <p:spPr>
+          <a:xfrm flipV="1">
+            <a:off x="2628363" y="2216347"/>
+            <a:ext cx="1410237" cy="570787"/>
+          </a:xfrm>
+          <a:prstGeom prst="straightConnector1">
+            <a:avLst/>
+          </a:prstGeom>
+          <a:ln w="28575">
+            <a:solidFill>
+              <a:schemeClr val="tx1"/>
+            </a:solidFill>
+            <a:prstDash val="sysDot"/>
+            <a:tailEnd type="arrow"/>
+          </a:ln>
+        </p:spPr>
+        <p:style>
+          <a:lnRef idx="1">
+            <a:schemeClr val="accent1"/>
+          </a:lnRef>
+          <a:fillRef idx="0">
+            <a:schemeClr val="accent1"/>
+          </a:fillRef>
+          <a:effectRef idx="0">
+            <a:schemeClr val="accent1"/>
+          </a:effectRef>
+          <a:fontRef idx="minor">
+            <a:schemeClr val="tx1"/>
+          </a:fontRef>
+        </p:style>
+      </p:cxnSp>
+      <p:sp>
+        <p:nvSpPr>
+          <p:cNvPr id="20" name="TextBox 19"/>
+          <p:cNvSpPr txBox="1"/>
+          <p:nvPr/>
+        </p:nvSpPr>
+        <p:spPr>
+          <a:xfrm rot="20294336">
+            <a:off x="2426861" y="2240087"/>
+            <a:ext cx="1524000" cy="307777"/>
+          </a:xfrm>
+          <a:prstGeom prst="rect">
+            <a:avLst/>
+          </a:prstGeom>
+          <a:noFill/>
+        </p:spPr>
+        <p:txBody>
+          <a:bodyPr wrap="square" rtlCol="0">
+            <a:spAutoFit/>
+          </a:bodyPr>
+          <a:lstStyle/>
+          <a:p>
+            <a:r>
+              <a:rPr lang="en-US" sz="1400" smtClean="0"/>
+              <a:t>GPAInfoReq(term)</a:t>
+            </a:r>
+            <a:endParaRPr lang="en-US" sz="1400"/>
+          </a:p>
+        </p:txBody>
+      </p:sp>
+      <p:cxnSp>
+        <p:nvCxnSpPr>
+          <p:cNvPr id="22" name="Straight Arrow Connector 21"/>
+          <p:cNvCxnSpPr/>
+          <p:nvPr/>
+        </p:nvCxnSpPr>
+        <p:spPr>
+          <a:xfrm flipV="1">
+            <a:off x="737653" y="4458413"/>
+            <a:ext cx="1410237" cy="570787"/>
+          </a:xfrm>
+          <a:prstGeom prst="straightConnector1">
+            <a:avLst/>
+          </a:prstGeom>
+          <a:ln w="28575">
+            <a:solidFill>
+              <a:schemeClr val="tx1"/>
+            </a:solidFill>
+            <a:prstDash val="sysDot"/>
+            <a:tailEnd type="arrow"/>
+          </a:ln>
+        </p:spPr>
+        <p:style>
+          <a:lnRef idx="1">
+            <a:schemeClr val="accent1"/>
+          </a:lnRef>
+          <a:fillRef idx="0">
+            <a:schemeClr val="accent1"/>
+          </a:fillRef>
+          <a:effectRef idx="0">
+            <a:schemeClr val="accent1"/>
+          </a:effectRef>
+          <a:fontRef idx="minor">
+            <a:schemeClr val="tx1"/>
+          </a:fontRef>
+        </p:style>
+      </p:cxnSp>
+      <p:sp>
+        <p:nvSpPr>
+          <p:cNvPr id="23" name="TextBox 22"/>
+          <p:cNvSpPr txBox="1"/>
+          <p:nvPr/>
+        </p:nvSpPr>
+        <p:spPr>
+          <a:xfrm rot="20294336">
+            <a:off x="536151" y="4405953"/>
+            <a:ext cx="1524000" cy="307777"/>
+          </a:xfrm>
+          <a:prstGeom prst="rect">
+            <a:avLst/>
+          </a:prstGeom>
+          <a:noFill/>
+        </p:spPr>
+        <p:txBody>
+          <a:bodyPr wrap="square" rtlCol="0">
+            <a:spAutoFit/>
+          </a:bodyPr>
+          <a:lstStyle/>
+          <a:p>
+            <a:r>
+              <a:rPr lang="en-US" sz="1400" smtClean="0"/>
+              <a:t>GPAInfoReq(term)</a:t>
+            </a:r>
+            <a:endParaRPr lang="en-US" sz="1400"/>
+          </a:p>
+        </p:txBody>
+      </p:sp>
+      <p:cxnSp>
+        <p:nvCxnSpPr>
+          <p:cNvPr id="24" name="Straight Arrow Connector 23"/>
+          <p:cNvCxnSpPr/>
+          <p:nvPr/>
+        </p:nvCxnSpPr>
+        <p:spPr>
+          <a:xfrm>
+            <a:off x="2565395" y="3352800"/>
+            <a:ext cx="1493759" cy="383586"/>
+          </a:xfrm>
+          <a:prstGeom prst="straightConnector1">
+            <a:avLst/>
+          </a:prstGeom>
+          <a:ln w="28575">
+            <a:solidFill>
+              <a:schemeClr val="tx1"/>
+            </a:solidFill>
+            <a:prstDash val="sysDot"/>
+            <a:tailEnd type="arrow"/>
+          </a:ln>
+        </p:spPr>
+        <p:style>
+          <a:lnRef idx="1">
+            <a:schemeClr val="accent1"/>
+          </a:lnRef>
+          <a:fillRef idx="0">
+            <a:schemeClr val="accent1"/>
+          </a:fillRef>
+          <a:effectRef idx="0">
+            <a:schemeClr val="accent1"/>
+          </a:effectRef>
+          <a:fontRef idx="minor">
+            <a:schemeClr val="tx1"/>
+          </a:fontRef>
+        </p:style>
+      </p:cxnSp>
+      <p:sp>
+        <p:nvSpPr>
+          <p:cNvPr id="25" name="TextBox 24"/>
+          <p:cNvSpPr txBox="1"/>
+          <p:nvPr/>
+        </p:nvSpPr>
+        <p:spPr>
+          <a:xfrm rot="855166">
+            <a:off x="2579261" y="3234062"/>
+            <a:ext cx="1524000" cy="307777"/>
+          </a:xfrm>
+          <a:prstGeom prst="rect">
+            <a:avLst/>
+          </a:prstGeom>
+          <a:noFill/>
+        </p:spPr>
+        <p:txBody>
+          <a:bodyPr wrap="square" rtlCol="0">
+            <a:spAutoFit/>
+          </a:bodyPr>
+          <a:lstStyle/>
+          <a:p>
+            <a:r>
+              <a:rPr lang="en-US" sz="1400" smtClean="0"/>
+              <a:t>GPAInfoReq(term)</a:t>
+            </a:r>
+            <a:endParaRPr lang="en-US" sz="1400"/>
+          </a:p>
+        </p:txBody>
+      </p:sp>
+    </p:spTree>
+    <p:extLst>
+      <p:ext uri="{BB962C8B-B14F-4D97-AF65-F5344CB8AC3E}">
+        <p14:creationId xmlns:p14="http://schemas.microsoft.com/office/powerpoint/2010/main" val="3723707361"/>
       </p:ext>
     </p:extLst>
   </p:cSld>
@@ -5540,7 +11689,7 @@
         </p:blipFill>
         <p:spPr>
           <a:xfrm>
-            <a:off x="1866900" y="1600200"/>
+            <a:off x="1981200" y="1600200"/>
             <a:ext cx="4800600" cy="4800600"/>
           </a:xfrm>
         </p:spPr>
@@ -5674,6 +11823,36 @@
           </a:p>
         </p:txBody>
       </p:sp>
+      <p:pic>
+        <p:nvPicPr>
+          <p:cNvPr id="5" name="Content Placeholder 4"/>
+          <p:cNvPicPr>
+            <a:picLocks noChangeAspect="1"/>
+          </p:cNvPicPr>
+          <p:nvPr/>
+        </p:nvPicPr>
+        <p:blipFill>
+          <a:blip r:embed="rId2" cstate="print">
+            <a:extLst>
+              <a:ext uri="{28A0092B-C50C-407E-A947-70E740481C1C}">
+                <a14:useLocalDpi xmlns:a14="http://schemas.microsoft.com/office/drawing/2010/main" val="0"/>
+              </a:ext>
+            </a:extLst>
+          </a:blip>
+          <a:stretch>
+            <a:fillRect/>
+          </a:stretch>
+        </p:blipFill>
+        <p:spPr>
+          <a:xfrm>
+            <a:off x="1866900" y="1600200"/>
+            <a:ext cx="4800600" cy="4800600"/>
+          </a:xfrm>
+          <a:prstGeom prst="rect">
+            <a:avLst/>
+          </a:prstGeom>
+        </p:spPr>
+      </p:pic>
     </p:spTree>
     <p:extLst>
       <p:ext uri="{BB962C8B-B14F-4D97-AF65-F5344CB8AC3E}">
@@ -5834,6 +12013,29 @@
           </a:prstGeom>
         </p:spPr>
       </p:pic>
+      <p:sp>
+        <p:nvSpPr>
+          <p:cNvPr id="7" name="Slide Number Placeholder 6"/>
+          <p:cNvSpPr>
+            <a:spLocks noGrp="1"/>
+          </p:cNvSpPr>
+          <p:nvPr>
+            <p:ph type="sldNum" sz="quarter" idx="12"/>
+          </p:nvPr>
+        </p:nvSpPr>
+        <p:spPr/>
+        <p:txBody>
+          <a:bodyPr/>
+          <a:lstStyle/>
+          <a:p>
+            <a:fld id="{7800738A-F715-4360-B8B2-93AC517FA922}" type="slidenum">
+              <a:rPr lang="fa-IR" noProof="0" smtClean="0"/>
+              <a:t>9</a:t>
+            </a:fld>
+            <a:endParaRPr lang="fa-IR" noProof="0"/>
+          </a:p>
+        </p:txBody>
+      </p:sp>
     </p:spTree>
     <p:extLst>
       <p:ext uri="{BB962C8B-B14F-4D97-AF65-F5344CB8AC3E}">
